--- a/reports/中期报告.pptx
+++ b/reports/中期报告.pptx
@@ -5,23 +5,25 @@
     <p:sldMasterId id="2147483648" r:id="rId1"/>
   </p:sldMasterIdLst>
   <p:notesMasterIdLst>
-    <p:notesMasterId r:id="rId16"/>
+    <p:notesMasterId r:id="rId18"/>
   </p:notesMasterIdLst>
   <p:sldIdLst>
     <p:sldId id="321" r:id="rId2"/>
     <p:sldId id="336" r:id="rId3"/>
     <p:sldId id="261" r:id="rId4"/>
-    <p:sldId id="338" r:id="rId5"/>
-    <p:sldId id="339" r:id="rId6"/>
-    <p:sldId id="350" r:id="rId7"/>
-    <p:sldId id="351" r:id="rId8"/>
-    <p:sldId id="352" r:id="rId9"/>
-    <p:sldId id="353" r:id="rId10"/>
-    <p:sldId id="349" r:id="rId11"/>
-    <p:sldId id="346" r:id="rId12"/>
-    <p:sldId id="348" r:id="rId13"/>
-    <p:sldId id="337" r:id="rId14"/>
-    <p:sldId id="319" r:id="rId15"/>
+    <p:sldId id="339" r:id="rId5"/>
+    <p:sldId id="350" r:id="rId6"/>
+    <p:sldId id="351" r:id="rId7"/>
+    <p:sldId id="352" r:id="rId8"/>
+    <p:sldId id="353" r:id="rId9"/>
+    <p:sldId id="349" r:id="rId10"/>
+    <p:sldId id="346" r:id="rId11"/>
+    <p:sldId id="348" r:id="rId12"/>
+    <p:sldId id="354" r:id="rId13"/>
+    <p:sldId id="355" r:id="rId14"/>
+    <p:sldId id="356" r:id="rId15"/>
+    <p:sldId id="337" r:id="rId16"/>
+    <p:sldId id="319" r:id="rId17"/>
   </p:sldIdLst>
   <p:sldSz cx="12192000" cy="6858000"/>
   <p:notesSz cx="6858000" cy="9144000"/>
@@ -646,7 +648,7 @@
     </p:spTree>
     <p:extLst>
       <p:ext uri="{BB962C8B-B14F-4D97-AF65-F5344CB8AC3E}">
-        <p14:creationId xmlns:p14="http://schemas.microsoft.com/office/powerpoint/2010/main" val="936790831"/>
+        <p14:creationId xmlns:p14="http://schemas.microsoft.com/office/powerpoint/2010/main" val="3458936481"/>
       </p:ext>
     </p:extLst>
   </p:cSld>
@@ -730,7 +732,7 @@
     </p:spTree>
     <p:extLst>
       <p:ext uri="{BB962C8B-B14F-4D97-AF65-F5344CB8AC3E}">
-        <p14:creationId xmlns:p14="http://schemas.microsoft.com/office/powerpoint/2010/main" val="3458936481"/>
+        <p14:creationId xmlns:p14="http://schemas.microsoft.com/office/powerpoint/2010/main" val="3395724314"/>
       </p:ext>
     </p:extLst>
   </p:cSld>
@@ -806,6 +808,174 @@
             <a:fld id="{77A2A601-8582-4F89-9CD0-877A98377C62}" type="slidenum">
               <a:rPr lang="zh-CN" altLang="en-US" smtClean="0"/>
               <a:t>13</a:t>
+            </a:fld>
+            <a:endParaRPr lang="zh-CN" altLang="en-US"/>
+          </a:p>
+        </p:txBody>
+      </p:sp>
+    </p:spTree>
+    <p:extLst>
+      <p:ext uri="{BB962C8B-B14F-4D97-AF65-F5344CB8AC3E}">
+        <p14:creationId xmlns:p14="http://schemas.microsoft.com/office/powerpoint/2010/main" val="4273450598"/>
+      </p:ext>
+    </p:extLst>
+  </p:cSld>
+  <p:clrMapOvr>
+    <a:masterClrMapping/>
+  </p:clrMapOvr>
+</p:notes>
+</file>
+
+<file path=ppt/notesSlides/notesSlide13.xml><?xml version="1.0" encoding="utf-8"?>
+<p:notes xmlns:a="http://schemas.openxmlformats.org/drawingml/2006/main" xmlns:r="http://schemas.openxmlformats.org/officeDocument/2006/relationships" xmlns:p="http://schemas.openxmlformats.org/presentationml/2006/main">
+  <p:cSld>
+    <p:spTree>
+      <p:nvGrpSpPr>
+        <p:cNvPr id="1" name=""/>
+        <p:cNvGrpSpPr/>
+        <p:nvPr/>
+      </p:nvGrpSpPr>
+      <p:grpSpPr>
+        <a:xfrm>
+          <a:off x="0" y="0"/>
+          <a:ext cx="0" cy="0"/>
+          <a:chOff x="0" y="0"/>
+          <a:chExt cx="0" cy="0"/>
+        </a:xfrm>
+      </p:grpSpPr>
+      <p:sp>
+        <p:nvSpPr>
+          <p:cNvPr id="2" name="幻灯片图像占位符 1"/>
+          <p:cNvSpPr>
+            <a:spLocks noGrp="1" noRot="1" noChangeAspect="1"/>
+          </p:cNvSpPr>
+          <p:nvPr>
+            <p:ph type="sldImg"/>
+          </p:nvPr>
+        </p:nvSpPr>
+        <p:spPr/>
+      </p:sp>
+      <p:sp>
+        <p:nvSpPr>
+          <p:cNvPr id="3" name="备注占位符 2"/>
+          <p:cNvSpPr>
+            <a:spLocks noGrp="1"/>
+          </p:cNvSpPr>
+          <p:nvPr>
+            <p:ph type="body" idx="1"/>
+          </p:nvPr>
+        </p:nvSpPr>
+        <p:spPr/>
+        <p:txBody>
+          <a:bodyPr/>
+          <a:lstStyle/>
+          <a:p>
+            <a:endParaRPr lang="zh-CN" altLang="en-US" dirty="0"/>
+          </a:p>
+        </p:txBody>
+      </p:sp>
+      <p:sp>
+        <p:nvSpPr>
+          <p:cNvPr id="4" name="灯片编号占位符 3"/>
+          <p:cNvSpPr>
+            <a:spLocks noGrp="1"/>
+          </p:cNvSpPr>
+          <p:nvPr>
+            <p:ph type="sldNum" sz="quarter" idx="5"/>
+          </p:nvPr>
+        </p:nvSpPr>
+        <p:spPr/>
+        <p:txBody>
+          <a:bodyPr/>
+          <a:lstStyle/>
+          <a:p>
+            <a:fld id="{77A2A601-8582-4F89-9CD0-877A98377C62}" type="slidenum">
+              <a:rPr lang="zh-CN" altLang="en-US" smtClean="0"/>
+              <a:t>14</a:t>
+            </a:fld>
+            <a:endParaRPr lang="zh-CN" altLang="en-US"/>
+          </a:p>
+        </p:txBody>
+      </p:sp>
+    </p:spTree>
+    <p:extLst>
+      <p:ext uri="{BB962C8B-B14F-4D97-AF65-F5344CB8AC3E}">
+        <p14:creationId xmlns:p14="http://schemas.microsoft.com/office/powerpoint/2010/main" val="1815751788"/>
+      </p:ext>
+    </p:extLst>
+  </p:cSld>
+  <p:clrMapOvr>
+    <a:masterClrMapping/>
+  </p:clrMapOvr>
+</p:notes>
+</file>
+
+<file path=ppt/notesSlides/notesSlide14.xml><?xml version="1.0" encoding="utf-8"?>
+<p:notes xmlns:a="http://schemas.openxmlformats.org/drawingml/2006/main" xmlns:r="http://schemas.openxmlformats.org/officeDocument/2006/relationships" xmlns:p="http://schemas.openxmlformats.org/presentationml/2006/main">
+  <p:cSld>
+    <p:spTree>
+      <p:nvGrpSpPr>
+        <p:cNvPr id="1" name=""/>
+        <p:cNvGrpSpPr/>
+        <p:nvPr/>
+      </p:nvGrpSpPr>
+      <p:grpSpPr>
+        <a:xfrm>
+          <a:off x="0" y="0"/>
+          <a:ext cx="0" cy="0"/>
+          <a:chOff x="0" y="0"/>
+          <a:chExt cx="0" cy="0"/>
+        </a:xfrm>
+      </p:grpSpPr>
+      <p:sp>
+        <p:nvSpPr>
+          <p:cNvPr id="2" name="幻灯片图像占位符 1"/>
+          <p:cNvSpPr>
+            <a:spLocks noGrp="1" noRot="1" noChangeAspect="1"/>
+          </p:cNvSpPr>
+          <p:nvPr>
+            <p:ph type="sldImg"/>
+          </p:nvPr>
+        </p:nvSpPr>
+        <p:spPr/>
+      </p:sp>
+      <p:sp>
+        <p:nvSpPr>
+          <p:cNvPr id="3" name="备注占位符 2"/>
+          <p:cNvSpPr>
+            <a:spLocks noGrp="1"/>
+          </p:cNvSpPr>
+          <p:nvPr>
+            <p:ph type="body" idx="1"/>
+          </p:nvPr>
+        </p:nvSpPr>
+        <p:spPr/>
+        <p:txBody>
+          <a:bodyPr/>
+          <a:lstStyle/>
+          <a:p>
+            <a:endParaRPr lang="zh-CN" altLang="en-US" dirty="0"/>
+          </a:p>
+        </p:txBody>
+      </p:sp>
+      <p:sp>
+        <p:nvSpPr>
+          <p:cNvPr id="4" name="灯片编号占位符 3"/>
+          <p:cNvSpPr>
+            <a:spLocks noGrp="1"/>
+          </p:cNvSpPr>
+          <p:nvPr>
+            <p:ph type="sldNum" sz="quarter" idx="5"/>
+          </p:nvPr>
+        </p:nvSpPr>
+        <p:spPr/>
+        <p:txBody>
+          <a:bodyPr/>
+          <a:lstStyle/>
+          <a:p>
+            <a:fld id="{77A2A601-8582-4F89-9CD0-877A98377C62}" type="slidenum">
+              <a:rPr lang="zh-CN" altLang="en-US" smtClean="0"/>
+              <a:t>15</a:t>
             </a:fld>
             <a:endParaRPr lang="zh-CN" altLang="en-US"/>
           </a:p>
@@ -982,7 +1152,7 @@
     </p:spTree>
     <p:extLst>
       <p:ext uri="{BB962C8B-B14F-4D97-AF65-F5344CB8AC3E}">
-        <p14:creationId xmlns:p14="http://schemas.microsoft.com/office/powerpoint/2010/main" val="1005595843"/>
+        <p14:creationId xmlns:p14="http://schemas.microsoft.com/office/powerpoint/2010/main" val="702548746"/>
       </p:ext>
     </p:extLst>
   </p:cSld>
@@ -1066,7 +1236,7 @@
     </p:spTree>
     <p:extLst>
       <p:ext uri="{BB962C8B-B14F-4D97-AF65-F5344CB8AC3E}">
-        <p14:creationId xmlns:p14="http://schemas.microsoft.com/office/powerpoint/2010/main" val="702548746"/>
+        <p14:creationId xmlns:p14="http://schemas.microsoft.com/office/powerpoint/2010/main" val="556104279"/>
       </p:ext>
     </p:extLst>
   </p:cSld>
@@ -1150,7 +1320,7 @@
     </p:spTree>
     <p:extLst>
       <p:ext uri="{BB962C8B-B14F-4D97-AF65-F5344CB8AC3E}">
-        <p14:creationId xmlns:p14="http://schemas.microsoft.com/office/powerpoint/2010/main" val="556104279"/>
+        <p14:creationId xmlns:p14="http://schemas.microsoft.com/office/powerpoint/2010/main" val="2732841495"/>
       </p:ext>
     </p:extLst>
   </p:cSld>
@@ -1234,7 +1404,7 @@
     </p:spTree>
     <p:extLst>
       <p:ext uri="{BB962C8B-B14F-4D97-AF65-F5344CB8AC3E}">
-        <p14:creationId xmlns:p14="http://schemas.microsoft.com/office/powerpoint/2010/main" val="2732841495"/>
+        <p14:creationId xmlns:p14="http://schemas.microsoft.com/office/powerpoint/2010/main" val="1589412825"/>
       </p:ext>
     </p:extLst>
   </p:cSld>
@@ -1318,7 +1488,7 @@
     </p:spTree>
     <p:extLst>
       <p:ext uri="{BB962C8B-B14F-4D97-AF65-F5344CB8AC3E}">
-        <p14:creationId xmlns:p14="http://schemas.microsoft.com/office/powerpoint/2010/main" val="1589412825"/>
+        <p14:creationId xmlns:p14="http://schemas.microsoft.com/office/powerpoint/2010/main" val="1998142015"/>
       </p:ext>
     </p:extLst>
   </p:cSld>
@@ -1402,7 +1572,7 @@
     </p:spTree>
     <p:extLst>
       <p:ext uri="{BB962C8B-B14F-4D97-AF65-F5344CB8AC3E}">
-        <p14:creationId xmlns:p14="http://schemas.microsoft.com/office/powerpoint/2010/main" val="1998142015"/>
+        <p14:creationId xmlns:p14="http://schemas.microsoft.com/office/powerpoint/2010/main" val="655695744"/>
       </p:ext>
     </p:extLst>
   </p:cSld>
@@ -1486,7 +1656,7 @@
     </p:spTree>
     <p:extLst>
       <p:ext uri="{BB962C8B-B14F-4D97-AF65-F5344CB8AC3E}">
-        <p14:creationId xmlns:p14="http://schemas.microsoft.com/office/powerpoint/2010/main" val="655695744"/>
+        <p14:creationId xmlns:p14="http://schemas.microsoft.com/office/powerpoint/2010/main" val="936790831"/>
       </p:ext>
     </p:extLst>
   </p:cSld>
@@ -4930,7 +5100,7 @@
                 <a:latin typeface="微软雅黑" panose="020B0503020204020204" pitchFamily="34" charset="-122"/>
                 <a:ea typeface="微软雅黑" panose="020B0503020204020204" pitchFamily="34" charset="-122"/>
               </a:rPr>
-              <a:t>——equal</a:t>
+              <a:t>——unequal</a:t>
             </a:r>
             <a:endParaRPr lang="zh-CN" altLang="en-US" sz="2800" b="1" dirty="0">
               <a:latin typeface="微软雅黑" panose="020B0503020204020204" pitchFamily="34" charset="-122"/>
@@ -4998,35 +5168,35 @@
                 <a:latin typeface="微软雅黑" panose="020B0503020204020204" pitchFamily="34" charset="-122"/>
                 <a:ea typeface="微软雅黑" panose="020B0503020204020204" pitchFamily="34" charset="-122"/>
               </a:rPr>
-              <a:t>个进程，每个执行 </a:t>
+              <a:t>个进程，每个执行饱和数量的用时和线程号成正比的任务，每组任务结束后主动 </a:t>
             </a:r>
             <a:r>
               <a:rPr lang="en-US" altLang="zh-CN" sz="2000" dirty="0">
                 <a:latin typeface="微软雅黑" panose="020B0503020204020204" pitchFamily="34" charset="-122"/>
                 <a:ea typeface="微软雅黑" panose="020B0503020204020204" pitchFamily="34" charset="-122"/>
               </a:rPr>
-              <a:t>100 </a:t>
+              <a:t>yield </a:t>
             </a:r>
             <a:r>
               <a:rPr lang="zh-CN" altLang="en-US" sz="2000" dirty="0">
                 <a:latin typeface="微软雅黑" panose="020B0503020204020204" pitchFamily="34" charset="-122"/>
                 <a:ea typeface="微软雅黑" panose="020B0503020204020204" pitchFamily="34" charset="-122"/>
               </a:rPr>
-              <a:t>组用时相同的任务，每组任务结束后主动 </a:t>
+              <a:t>一次，测试时长为 </a:t>
             </a:r>
             <a:r>
               <a:rPr lang="en-US" altLang="zh-CN" sz="2000" dirty="0">
                 <a:latin typeface="微软雅黑" panose="020B0503020204020204" pitchFamily="34" charset="-122"/>
                 <a:ea typeface="微软雅黑" panose="020B0503020204020204" pitchFamily="34" charset="-122"/>
               </a:rPr>
-              <a:t>yield </a:t>
+              <a:t>5 </a:t>
             </a:r>
             <a:r>
               <a:rPr lang="zh-CN" altLang="en-US" sz="2000" dirty="0">
                 <a:latin typeface="微软雅黑" panose="020B0503020204020204" pitchFamily="34" charset="-122"/>
                 <a:ea typeface="微软雅黑" panose="020B0503020204020204" pitchFamily="34" charset="-122"/>
               </a:rPr>
-              <a:t>一次，初步测试调度算法的公平性。</a:t>
+              <a:t>秒。通过每个的计算次数，测试调度算法的公平性。</a:t>
             </a:r>
             <a:endParaRPr lang="en-US" altLang="zh-CN" sz="2000" dirty="0">
               <a:latin typeface="微软雅黑" panose="020B0503020204020204" pitchFamily="34" charset="-122"/>
@@ -5119,814 +5289,6 @@
           <p:cNvPr id="6" name="表格 5">
             <a:extLst>
               <a:ext uri="{FF2B5EF4-FFF2-40B4-BE49-F238E27FC236}">
-                <a16:creationId xmlns:a16="http://schemas.microsoft.com/office/drawing/2014/main" id="{853704AB-8A14-247F-2E7B-C717C3E68345}"/>
-              </a:ext>
-            </a:extLst>
-          </p:cNvPr>
-          <p:cNvGraphicFramePr>
-            <a:graphicFrameLocks noGrp="1"/>
-          </p:cNvGraphicFramePr>
-          <p:nvPr>
-            <p:extLst>
-              <p:ext uri="{D42A27DB-BD31-4B8C-83A1-F6EECF244321}">
-                <p14:modId xmlns:p14="http://schemas.microsoft.com/office/powerpoint/2010/main" val="1104627291"/>
-              </p:ext>
-            </p:extLst>
-          </p:nvPr>
-        </p:nvGraphicFramePr>
-        <p:xfrm>
-          <a:off x="1716690" y="2457113"/>
-          <a:ext cx="8128000" cy="2225040"/>
-        </p:xfrm>
-        <a:graphic>
-          <a:graphicData uri="http://schemas.openxmlformats.org/drawingml/2006/table">
-            <a:tbl>
-              <a:tblPr firstRow="1" bandRow="1">
-                <a:tableStyleId>{5C22544A-7EE6-4342-B048-85BDC9FD1C3A}</a:tableStyleId>
-              </a:tblPr>
-              <a:tblGrid>
-                <a:gridCol w="1730703">
-                  <a:extLst>
-                    <a:ext uri="{9D8B030D-6E8A-4147-A177-3AD203B41FA5}">
-                      <a16:colId xmlns:a16="http://schemas.microsoft.com/office/drawing/2014/main" val="2422364854"/>
-                    </a:ext>
-                  </a:extLst>
-                </a:gridCol>
-                <a:gridCol w="1520497">
-                  <a:extLst>
-                    <a:ext uri="{9D8B030D-6E8A-4147-A177-3AD203B41FA5}">
-                      <a16:colId xmlns:a16="http://schemas.microsoft.com/office/drawing/2014/main" val="746740908"/>
-                    </a:ext>
-                  </a:extLst>
-                </a:gridCol>
-                <a:gridCol w="1625600">
-                  <a:extLst>
-                    <a:ext uri="{9D8B030D-6E8A-4147-A177-3AD203B41FA5}">
-                      <a16:colId xmlns:a16="http://schemas.microsoft.com/office/drawing/2014/main" val="1119310147"/>
-                    </a:ext>
-                  </a:extLst>
-                </a:gridCol>
-                <a:gridCol w="1625600">
-                  <a:extLst>
-                    <a:ext uri="{9D8B030D-6E8A-4147-A177-3AD203B41FA5}">
-                      <a16:colId xmlns:a16="http://schemas.microsoft.com/office/drawing/2014/main" val="3797816791"/>
-                    </a:ext>
-                  </a:extLst>
-                </a:gridCol>
-                <a:gridCol w="1625600">
-                  <a:extLst>
-                    <a:ext uri="{9D8B030D-6E8A-4147-A177-3AD203B41FA5}">
-                      <a16:colId xmlns:a16="http://schemas.microsoft.com/office/drawing/2014/main" val="3398410451"/>
-                    </a:ext>
-                  </a:extLst>
-                </a:gridCol>
-              </a:tblGrid>
-              <a:tr h="370840">
-                <a:tc>
-                  <a:txBody>
-                    <a:bodyPr/>
-                    <a:lstStyle/>
-                    <a:p>
-                      <a:r>
-                        <a:rPr lang="zh-CN" altLang="en-US" dirty="0"/>
-                        <a:t>结束时间（</a:t>
-                      </a:r>
-                      <a:r>
-                        <a:rPr lang="en-US" altLang="zh-CN" dirty="0" err="1"/>
-                        <a:t>ms</a:t>
-                      </a:r>
-                      <a:r>
-                        <a:rPr lang="zh-CN" altLang="en-US" dirty="0"/>
-                        <a:t>）</a:t>
-                      </a:r>
-                    </a:p>
-                  </a:txBody>
-                  <a:tcPr/>
-                </a:tc>
-                <a:tc>
-                  <a:txBody>
-                    <a:bodyPr/>
-                    <a:lstStyle/>
-                    <a:p>
-                      <a:r>
-                        <a:rPr lang="en-US" altLang="zh-CN" dirty="0"/>
-                        <a:t>Thread 0</a:t>
-                      </a:r>
-                      <a:endParaRPr lang="zh-CN" altLang="en-US" dirty="0"/>
-                    </a:p>
-                  </a:txBody>
-                  <a:tcPr/>
-                </a:tc>
-                <a:tc>
-                  <a:txBody>
-                    <a:bodyPr/>
-                    <a:lstStyle/>
-                    <a:p>
-                      <a:r>
-                        <a:rPr lang="en-US" altLang="zh-CN" dirty="0"/>
-                        <a:t>Thread 1</a:t>
-                      </a:r>
-                      <a:endParaRPr lang="zh-CN" altLang="en-US" dirty="0"/>
-                    </a:p>
-                  </a:txBody>
-                  <a:tcPr/>
-                </a:tc>
-                <a:tc>
-                  <a:txBody>
-                    <a:bodyPr/>
-                    <a:lstStyle/>
-                    <a:p>
-                      <a:r>
-                        <a:rPr lang="en-US" altLang="zh-CN" dirty="0"/>
-                        <a:t>Thread 2</a:t>
-                      </a:r>
-                      <a:endParaRPr lang="zh-CN" altLang="en-US" dirty="0"/>
-                    </a:p>
-                  </a:txBody>
-                  <a:tcPr/>
-                </a:tc>
-                <a:tc>
-                  <a:txBody>
-                    <a:bodyPr/>
-                    <a:lstStyle/>
-                    <a:p>
-                      <a:r>
-                        <a:rPr lang="en-US" altLang="zh-CN" dirty="0"/>
-                        <a:t>Thread 3</a:t>
-                      </a:r>
-                      <a:endParaRPr lang="zh-CN" altLang="en-US" dirty="0"/>
-                    </a:p>
-                  </a:txBody>
-                  <a:tcPr/>
-                </a:tc>
-                <a:extLst>
-                  <a:ext uri="{0D108BD9-81ED-4DB2-BD59-A6C34878D82A}">
-                    <a16:rowId xmlns:a16="http://schemas.microsoft.com/office/drawing/2014/main" val="41063219"/>
-                  </a:ext>
-                </a:extLst>
-              </a:tr>
-              <a:tr h="370840">
-                <a:tc>
-                  <a:txBody>
-                    <a:bodyPr/>
-                    <a:lstStyle/>
-                    <a:p>
-                      <a:r>
-                        <a:rPr lang="en-US" altLang="zh-CN" dirty="0" err="1"/>
-                        <a:t>fifo</a:t>
-                      </a:r>
-                      <a:endParaRPr lang="zh-CN" altLang="en-US" dirty="0"/>
-                    </a:p>
-                  </a:txBody>
-                  <a:tcPr/>
-                </a:tc>
-                <a:tc>
-                  <a:txBody>
-                    <a:bodyPr/>
-                    <a:lstStyle/>
-                    <a:p>
-                      <a:r>
-                        <a:rPr lang="en-US" altLang="zh-CN" dirty="0"/>
-                        <a:t>1137</a:t>
-                      </a:r>
-                      <a:endParaRPr lang="zh-CN" altLang="en-US" dirty="0"/>
-                    </a:p>
-                  </a:txBody>
-                  <a:tcPr/>
-                </a:tc>
-                <a:tc>
-                  <a:txBody>
-                    <a:bodyPr/>
-                    <a:lstStyle/>
-                    <a:p>
-                      <a:r>
-                        <a:rPr lang="en-US" altLang="zh-CN" dirty="0"/>
-                        <a:t>1126</a:t>
-                      </a:r>
-                      <a:endParaRPr lang="zh-CN" altLang="en-US" dirty="0"/>
-                    </a:p>
-                  </a:txBody>
-                  <a:tcPr/>
-                </a:tc>
-                <a:tc>
-                  <a:txBody>
-                    <a:bodyPr/>
-                    <a:lstStyle/>
-                    <a:p>
-                      <a:r>
-                        <a:rPr lang="en-US" altLang="zh-CN" dirty="0"/>
-                        <a:t>1114</a:t>
-                      </a:r>
-                      <a:endParaRPr lang="zh-CN" altLang="en-US" dirty="0"/>
-                    </a:p>
-                  </a:txBody>
-                  <a:tcPr/>
-                </a:tc>
-                <a:tc>
-                  <a:txBody>
-                    <a:bodyPr/>
-                    <a:lstStyle/>
-                    <a:p>
-                      <a:r>
-                        <a:rPr lang="en-US" altLang="zh-CN" dirty="0"/>
-                        <a:t>1101</a:t>
-                      </a:r>
-                      <a:endParaRPr lang="zh-CN" altLang="en-US" dirty="0"/>
-                    </a:p>
-                  </a:txBody>
-                  <a:tcPr/>
-                </a:tc>
-                <a:extLst>
-                  <a:ext uri="{0D108BD9-81ED-4DB2-BD59-A6C34878D82A}">
-                    <a16:rowId xmlns:a16="http://schemas.microsoft.com/office/drawing/2014/main" val="1103445401"/>
-                  </a:ext>
-                </a:extLst>
-              </a:tr>
-              <a:tr h="370840">
-                <a:tc>
-                  <a:txBody>
-                    <a:bodyPr/>
-                    <a:lstStyle/>
-                    <a:p>
-                      <a:r>
-                        <a:rPr lang="en-US" altLang="zh-CN" dirty="0" err="1"/>
-                        <a:t>rr</a:t>
-                      </a:r>
-                      <a:endParaRPr lang="en-US" altLang="zh-CN" dirty="0"/>
-                    </a:p>
-                  </a:txBody>
-                  <a:tcPr/>
-                </a:tc>
-                <a:tc>
-                  <a:txBody>
-                    <a:bodyPr/>
-                    <a:lstStyle/>
-                    <a:p>
-                      <a:r>
-                        <a:rPr lang="en-US" altLang="zh-CN" dirty="0"/>
-                        <a:t>1159</a:t>
-                      </a:r>
-                      <a:endParaRPr lang="zh-CN" altLang="en-US" dirty="0"/>
-                    </a:p>
-                  </a:txBody>
-                  <a:tcPr/>
-                </a:tc>
-                <a:tc>
-                  <a:txBody>
-                    <a:bodyPr/>
-                    <a:lstStyle/>
-                    <a:p>
-                      <a:r>
-                        <a:rPr lang="en-US" altLang="zh-CN" dirty="0"/>
-                        <a:t>1146</a:t>
-                      </a:r>
-                      <a:endParaRPr lang="zh-CN" altLang="en-US" dirty="0"/>
-                    </a:p>
-                  </a:txBody>
-                  <a:tcPr/>
-                </a:tc>
-                <a:tc>
-                  <a:txBody>
-                    <a:bodyPr/>
-                    <a:lstStyle/>
-                    <a:p>
-                      <a:r>
-                        <a:rPr lang="en-US" altLang="zh-CN" dirty="0"/>
-                        <a:t>1134</a:t>
-                      </a:r>
-                      <a:endParaRPr lang="zh-CN" altLang="en-US" dirty="0"/>
-                    </a:p>
-                  </a:txBody>
-                  <a:tcPr/>
-                </a:tc>
-                <a:tc>
-                  <a:txBody>
-                    <a:bodyPr/>
-                    <a:lstStyle/>
-                    <a:p>
-                      <a:r>
-                        <a:rPr lang="en-US" altLang="zh-CN" dirty="0"/>
-                        <a:t>1122</a:t>
-                      </a:r>
-                      <a:endParaRPr lang="zh-CN" altLang="en-US" dirty="0"/>
-                    </a:p>
-                  </a:txBody>
-                  <a:tcPr/>
-                </a:tc>
-                <a:extLst>
-                  <a:ext uri="{0D108BD9-81ED-4DB2-BD59-A6C34878D82A}">
-                    <a16:rowId xmlns:a16="http://schemas.microsoft.com/office/drawing/2014/main" val="2219017797"/>
-                  </a:ext>
-                </a:extLst>
-              </a:tr>
-              <a:tr h="370840">
-                <a:tc>
-                  <a:txBody>
-                    <a:bodyPr/>
-                    <a:lstStyle/>
-                    <a:p>
-                      <a:r>
-                        <a:rPr lang="en-US" altLang="zh-CN" dirty="0" err="1"/>
-                        <a:t>cfs</a:t>
-                      </a:r>
-                      <a:endParaRPr lang="zh-CN" altLang="en-US" dirty="0"/>
-                    </a:p>
-                  </a:txBody>
-                  <a:tcPr/>
-                </a:tc>
-                <a:tc>
-                  <a:txBody>
-                    <a:bodyPr/>
-                    <a:lstStyle/>
-                    <a:p>
-                      <a:r>
-                        <a:rPr lang="en-US" altLang="zh-CN" dirty="0"/>
-                        <a:t>1229</a:t>
-                      </a:r>
-                      <a:endParaRPr lang="zh-CN" altLang="en-US" dirty="0"/>
-                    </a:p>
-                  </a:txBody>
-                  <a:tcPr/>
-                </a:tc>
-                <a:tc>
-                  <a:txBody>
-                    <a:bodyPr/>
-                    <a:lstStyle/>
-                    <a:p>
-                      <a:r>
-                        <a:rPr lang="en-US" altLang="zh-CN" dirty="0"/>
-                        <a:t>1163</a:t>
-                      </a:r>
-                      <a:endParaRPr lang="zh-CN" altLang="en-US" dirty="0"/>
-                    </a:p>
-                  </a:txBody>
-                  <a:tcPr/>
-                </a:tc>
-                <a:tc>
-                  <a:txBody>
-                    <a:bodyPr/>
-                    <a:lstStyle/>
-                    <a:p>
-                      <a:r>
-                        <a:rPr lang="en-US" altLang="zh-CN" dirty="0"/>
-                        <a:t>1212</a:t>
-                      </a:r>
-                      <a:endParaRPr lang="zh-CN" altLang="en-US" dirty="0"/>
-                    </a:p>
-                  </a:txBody>
-                  <a:tcPr/>
-                </a:tc>
-                <a:tc>
-                  <a:txBody>
-                    <a:bodyPr/>
-                    <a:lstStyle/>
-                    <a:p>
-                      <a:r>
-                        <a:rPr lang="en-US" altLang="zh-CN" dirty="0"/>
-                        <a:t>1201</a:t>
-                      </a:r>
-                      <a:endParaRPr lang="zh-CN" altLang="en-US" dirty="0"/>
-                    </a:p>
-                  </a:txBody>
-                  <a:tcPr/>
-                </a:tc>
-                <a:extLst>
-                  <a:ext uri="{0D108BD9-81ED-4DB2-BD59-A6C34878D82A}">
-                    <a16:rowId xmlns:a16="http://schemas.microsoft.com/office/drawing/2014/main" val="3572013608"/>
-                  </a:ext>
-                </a:extLst>
-              </a:tr>
-              <a:tr h="370840">
-                <a:tc>
-                  <a:txBody>
-                    <a:bodyPr/>
-                    <a:lstStyle/>
-                    <a:p>
-                      <a:r>
-                        <a:rPr lang="en-US" altLang="zh-CN" dirty="0" err="1"/>
-                        <a:t>sjf</a:t>
-                      </a:r>
-                      <a:endParaRPr lang="zh-CN" altLang="en-US" dirty="0"/>
-                    </a:p>
-                  </a:txBody>
-                  <a:tcPr/>
-                </a:tc>
-                <a:tc>
-                  <a:txBody>
-                    <a:bodyPr/>
-                    <a:lstStyle/>
-                    <a:p>
-                      <a:r>
-                        <a:rPr lang="en-US" altLang="zh-CN" dirty="0"/>
-                        <a:t>1144</a:t>
-                      </a:r>
-                      <a:endParaRPr lang="zh-CN" altLang="en-US" dirty="0"/>
-                    </a:p>
-                  </a:txBody>
-                  <a:tcPr/>
-                </a:tc>
-                <a:tc>
-                  <a:txBody>
-                    <a:bodyPr/>
-                    <a:lstStyle/>
-                    <a:p>
-                      <a:r>
-                        <a:rPr lang="en-US" altLang="zh-CN" dirty="0"/>
-                        <a:t>1131</a:t>
-                      </a:r>
-                      <a:endParaRPr lang="zh-CN" altLang="en-US" dirty="0"/>
-                    </a:p>
-                  </a:txBody>
-                  <a:tcPr/>
-                </a:tc>
-                <a:tc>
-                  <a:txBody>
-                    <a:bodyPr/>
-                    <a:lstStyle/>
-                    <a:p>
-                      <a:r>
-                        <a:rPr lang="en-US" altLang="zh-CN" dirty="0"/>
-                        <a:t>1119</a:t>
-                      </a:r>
-                      <a:endParaRPr lang="zh-CN" altLang="en-US" dirty="0"/>
-                    </a:p>
-                  </a:txBody>
-                  <a:tcPr/>
-                </a:tc>
-                <a:tc>
-                  <a:txBody>
-                    <a:bodyPr/>
-                    <a:lstStyle/>
-                    <a:p>
-                      <a:r>
-                        <a:rPr lang="en-US" altLang="zh-CN" dirty="0"/>
-                        <a:t>1107</a:t>
-                      </a:r>
-                      <a:endParaRPr lang="zh-CN" altLang="en-US" dirty="0"/>
-                    </a:p>
-                  </a:txBody>
-                  <a:tcPr/>
-                </a:tc>
-                <a:extLst>
-                  <a:ext uri="{0D108BD9-81ED-4DB2-BD59-A6C34878D82A}">
-                    <a16:rowId xmlns:a16="http://schemas.microsoft.com/office/drawing/2014/main" val="491370893"/>
-                  </a:ext>
-                </a:extLst>
-              </a:tr>
-              <a:tr h="370840">
-                <a:tc>
-                  <a:txBody>
-                    <a:bodyPr/>
-                    <a:lstStyle/>
-                    <a:p>
-                      <a:r>
-                        <a:rPr lang="en-US" altLang="zh-CN" dirty="0" err="1"/>
-                        <a:t>mlfq</a:t>
-                      </a:r>
-                      <a:endParaRPr lang="zh-CN" altLang="en-US" dirty="0"/>
-                    </a:p>
-                  </a:txBody>
-                  <a:tcPr/>
-                </a:tc>
-                <a:tc>
-                  <a:txBody>
-                    <a:bodyPr/>
-                    <a:lstStyle/>
-                    <a:p>
-                      <a:r>
-                        <a:rPr lang="en-US" altLang="zh-CN" dirty="0"/>
-                        <a:t>1145</a:t>
-                      </a:r>
-                      <a:endParaRPr lang="zh-CN" altLang="en-US" dirty="0"/>
-                    </a:p>
-                  </a:txBody>
-                  <a:tcPr/>
-                </a:tc>
-                <a:tc>
-                  <a:txBody>
-                    <a:bodyPr/>
-                    <a:lstStyle/>
-                    <a:p>
-                      <a:r>
-                        <a:rPr lang="en-US" altLang="zh-CN" dirty="0"/>
-                        <a:t>1133</a:t>
-                      </a:r>
-                      <a:endParaRPr lang="zh-CN" altLang="en-US" dirty="0"/>
-                    </a:p>
-                  </a:txBody>
-                  <a:tcPr/>
-                </a:tc>
-                <a:tc>
-                  <a:txBody>
-                    <a:bodyPr/>
-                    <a:lstStyle/>
-                    <a:p>
-                      <a:r>
-                        <a:rPr lang="en-US" altLang="zh-CN" dirty="0"/>
-                        <a:t>1121</a:t>
-                      </a:r>
-                      <a:endParaRPr lang="zh-CN" altLang="en-US" dirty="0"/>
-                    </a:p>
-                  </a:txBody>
-                  <a:tcPr/>
-                </a:tc>
-                <a:tc>
-                  <a:txBody>
-                    <a:bodyPr/>
-                    <a:lstStyle/>
-                    <a:p>
-                      <a:r>
-                        <a:rPr lang="en-US" altLang="zh-CN" dirty="0"/>
-                        <a:t>1109</a:t>
-                      </a:r>
-                      <a:endParaRPr lang="zh-CN" altLang="en-US" dirty="0"/>
-                    </a:p>
-                  </a:txBody>
-                  <a:tcPr/>
-                </a:tc>
-                <a:extLst>
-                  <a:ext uri="{0D108BD9-81ED-4DB2-BD59-A6C34878D82A}">
-                    <a16:rowId xmlns:a16="http://schemas.microsoft.com/office/drawing/2014/main" val="4271129800"/>
-                  </a:ext>
-                </a:extLst>
-              </a:tr>
-            </a:tbl>
-          </a:graphicData>
-        </a:graphic>
-      </p:graphicFrame>
-    </p:spTree>
-    <p:extLst>
-      <p:ext uri="{BB962C8B-B14F-4D97-AF65-F5344CB8AC3E}">
-        <p14:creationId xmlns:p14="http://schemas.microsoft.com/office/powerpoint/2010/main" val="2966657435"/>
-      </p:ext>
-    </p:extLst>
-  </p:cSld>
-  <p:clrMapOvr>
-    <a:masterClrMapping/>
-  </p:clrMapOvr>
-</p:sld>
-</file>
-
-<file path=ppt/slides/slide11.xml><?xml version="1.0" encoding="utf-8"?>
-<p:sld xmlns:a="http://schemas.openxmlformats.org/drawingml/2006/main" xmlns:r="http://schemas.openxmlformats.org/officeDocument/2006/relationships" xmlns:p="http://schemas.openxmlformats.org/presentationml/2006/main">
-  <p:cSld>
-    <p:spTree>
-      <p:nvGrpSpPr>
-        <p:cNvPr id="1" name=""/>
-        <p:cNvGrpSpPr/>
-        <p:nvPr/>
-      </p:nvGrpSpPr>
-      <p:grpSpPr>
-        <a:xfrm>
-          <a:off x="0" y="0"/>
-          <a:ext cx="0" cy="0"/>
-          <a:chOff x="0" y="0"/>
-          <a:chExt cx="0" cy="0"/>
-        </a:xfrm>
-      </p:grpSpPr>
-      <p:sp>
-        <p:nvSpPr>
-          <p:cNvPr id="2" name="标题 1">
-            <a:extLst>
-              <a:ext uri="{FF2B5EF4-FFF2-40B4-BE49-F238E27FC236}">
-                <a16:creationId xmlns:a16="http://schemas.microsoft.com/office/drawing/2014/main" id="{80DFE90A-A2E0-9AE6-F76D-10DC3FF105F1}"/>
-              </a:ext>
-            </a:extLst>
-          </p:cNvPr>
-          <p:cNvSpPr>
-            <a:spLocks noGrp="1"/>
-          </p:cNvSpPr>
-          <p:nvPr>
-            <p:ph type="title"/>
-          </p:nvPr>
-        </p:nvSpPr>
-        <p:spPr>
-          <a:xfrm>
-            <a:off x="722586" y="131378"/>
-            <a:ext cx="5975131" cy="777766"/>
-          </a:xfrm>
-        </p:spPr>
-        <p:txBody>
-          <a:bodyPr>
-            <a:normAutofit/>
-          </a:bodyPr>
-          <a:lstStyle/>
-          <a:p>
-            <a:r>
-              <a:rPr lang="en-US" altLang="zh-CN" sz="2800" b="1" dirty="0" err="1">
-                <a:latin typeface="微软雅黑" panose="020B0503020204020204" pitchFamily="34" charset="-122"/>
-                <a:ea typeface="微软雅黑" panose="020B0503020204020204" pitchFamily="34" charset="-122"/>
-              </a:rPr>
-              <a:t>ArceOS</a:t>
-            </a:r>
-            <a:r>
-              <a:rPr lang="en-US" altLang="zh-CN" sz="2800" b="1" dirty="0">
-                <a:latin typeface="微软雅黑" panose="020B0503020204020204" pitchFamily="34" charset="-122"/>
-                <a:ea typeface="微软雅黑" panose="020B0503020204020204" pitchFamily="34" charset="-122"/>
-              </a:rPr>
-              <a:t> </a:t>
-            </a:r>
-            <a:r>
-              <a:rPr lang="zh-CN" altLang="en-US" sz="2800" b="1" dirty="0">
-                <a:latin typeface="微软雅黑" panose="020B0503020204020204" pitchFamily="34" charset="-122"/>
-                <a:ea typeface="微软雅黑" panose="020B0503020204020204" pitchFamily="34" charset="-122"/>
-              </a:rPr>
-              <a:t>调度算法测试</a:t>
-            </a:r>
-            <a:r>
-              <a:rPr lang="en-US" altLang="zh-CN" sz="2800" b="1" dirty="0">
-                <a:latin typeface="微软雅黑" panose="020B0503020204020204" pitchFamily="34" charset="-122"/>
-                <a:ea typeface="微软雅黑" panose="020B0503020204020204" pitchFamily="34" charset="-122"/>
-              </a:rPr>
-              <a:t>——unequal</a:t>
-            </a:r>
-            <a:endParaRPr lang="zh-CN" altLang="en-US" sz="2800" b="1" dirty="0">
-              <a:latin typeface="微软雅黑" panose="020B0503020204020204" pitchFamily="34" charset="-122"/>
-              <a:ea typeface="微软雅黑" panose="020B0503020204020204" pitchFamily="34" charset="-122"/>
-            </a:endParaRPr>
-          </a:p>
-        </p:txBody>
-      </p:sp>
-      <p:sp>
-        <p:nvSpPr>
-          <p:cNvPr id="3" name="内容占位符 2">
-            <a:extLst>
-              <a:ext uri="{FF2B5EF4-FFF2-40B4-BE49-F238E27FC236}">
-                <a16:creationId xmlns:a16="http://schemas.microsoft.com/office/drawing/2014/main" id="{C751BD92-A3AB-5B8B-346D-D89533801201}"/>
-              </a:ext>
-            </a:extLst>
-          </p:cNvPr>
-          <p:cNvSpPr>
-            <a:spLocks noGrp="1"/>
-          </p:cNvSpPr>
-          <p:nvPr>
-            <p:ph idx="1"/>
-          </p:nvPr>
-        </p:nvSpPr>
-        <p:spPr>
-          <a:xfrm>
-            <a:off x="722586" y="1045725"/>
-            <a:ext cx="10515600" cy="4351338"/>
-          </a:xfrm>
-        </p:spPr>
-        <p:txBody>
-          <a:bodyPr>
-            <a:noAutofit/>
-          </a:bodyPr>
-          <a:lstStyle/>
-          <a:p>
-            <a:pPr>
-              <a:lnSpc>
-                <a:spcPct val="150000"/>
-              </a:lnSpc>
-            </a:pPr>
-            <a:r>
-              <a:rPr lang="zh-CN" altLang="en-US" sz="2000" b="1" dirty="0">
-                <a:latin typeface="微软雅黑" panose="020B0503020204020204" pitchFamily="34" charset="-122"/>
-                <a:ea typeface="微软雅黑" panose="020B0503020204020204" pitchFamily="34" charset="-122"/>
-              </a:rPr>
-              <a:t>设计思路</a:t>
-            </a:r>
-            <a:r>
-              <a:rPr lang="zh-CN" altLang="en-US" sz="2000" dirty="0">
-                <a:latin typeface="微软雅黑" panose="020B0503020204020204" pitchFamily="34" charset="-122"/>
-                <a:ea typeface="微软雅黑" panose="020B0503020204020204" pitchFamily="34" charset="-122"/>
-              </a:rPr>
-              <a:t>：</a:t>
-            </a:r>
-            <a:r>
-              <a:rPr lang="en-US" altLang="zh-CN" sz="2000" dirty="0">
-                <a:latin typeface="微软雅黑" panose="020B0503020204020204" pitchFamily="34" charset="-122"/>
-                <a:ea typeface="微软雅黑" panose="020B0503020204020204" pitchFamily="34" charset="-122"/>
-              </a:rPr>
-              <a:t>4 </a:t>
-            </a:r>
-            <a:r>
-              <a:rPr lang="zh-CN" altLang="en-US" sz="2000" dirty="0">
-                <a:latin typeface="微软雅黑" panose="020B0503020204020204" pitchFamily="34" charset="-122"/>
-                <a:ea typeface="微软雅黑" panose="020B0503020204020204" pitchFamily="34" charset="-122"/>
-              </a:rPr>
-              <a:t>个进程，每个执行饱和数量的用时和线程号成正比的任务，每组任务结束后主动 </a:t>
-            </a:r>
-            <a:r>
-              <a:rPr lang="en-US" altLang="zh-CN" sz="2000" dirty="0">
-                <a:latin typeface="微软雅黑" panose="020B0503020204020204" pitchFamily="34" charset="-122"/>
-                <a:ea typeface="微软雅黑" panose="020B0503020204020204" pitchFamily="34" charset="-122"/>
-              </a:rPr>
-              <a:t>yield </a:t>
-            </a:r>
-            <a:r>
-              <a:rPr lang="zh-CN" altLang="en-US" sz="2000" dirty="0">
-                <a:latin typeface="微软雅黑" panose="020B0503020204020204" pitchFamily="34" charset="-122"/>
-                <a:ea typeface="微软雅黑" panose="020B0503020204020204" pitchFamily="34" charset="-122"/>
-              </a:rPr>
-              <a:t>一次，测试时长为 </a:t>
-            </a:r>
-            <a:r>
-              <a:rPr lang="en-US" altLang="zh-CN" sz="2000" dirty="0">
-                <a:latin typeface="微软雅黑" panose="020B0503020204020204" pitchFamily="34" charset="-122"/>
-                <a:ea typeface="微软雅黑" panose="020B0503020204020204" pitchFamily="34" charset="-122"/>
-              </a:rPr>
-              <a:t>5 </a:t>
-            </a:r>
-            <a:r>
-              <a:rPr lang="zh-CN" altLang="en-US" sz="2000" dirty="0">
-                <a:latin typeface="微软雅黑" panose="020B0503020204020204" pitchFamily="34" charset="-122"/>
-                <a:ea typeface="微软雅黑" panose="020B0503020204020204" pitchFamily="34" charset="-122"/>
-              </a:rPr>
-              <a:t>秒。通过每个的计算次数，测试调度算法的公平性。</a:t>
-            </a:r>
-            <a:endParaRPr lang="en-US" altLang="zh-CN" sz="2000" dirty="0">
-              <a:latin typeface="微软雅黑" panose="020B0503020204020204" pitchFamily="34" charset="-122"/>
-              <a:ea typeface="微软雅黑" panose="020B0503020204020204" pitchFamily="34" charset="-122"/>
-            </a:endParaRPr>
-          </a:p>
-        </p:txBody>
-      </p:sp>
-      <p:sp>
-        <p:nvSpPr>
-          <p:cNvPr id="4" name="矩形 3">
-            <a:extLst>
-              <a:ext uri="{FF2B5EF4-FFF2-40B4-BE49-F238E27FC236}">
-                <a16:creationId xmlns:a16="http://schemas.microsoft.com/office/drawing/2014/main" id="{483A44BE-3CAA-59DC-E08B-5A21229BF8C2}"/>
-              </a:ext>
-            </a:extLst>
-          </p:cNvPr>
-          <p:cNvSpPr/>
-          <p:nvPr/>
-        </p:nvSpPr>
-        <p:spPr>
-          <a:xfrm flipH="1">
-            <a:off x="457200" y="286261"/>
-            <a:ext cx="73573" cy="468000"/>
-          </a:xfrm>
-          <a:prstGeom prst="rect">
-            <a:avLst/>
-          </a:prstGeom>
-          <a:solidFill>
-            <a:srgbClr val="7030A0"/>
-          </a:solidFill>
-          <a:ln>
-            <a:noFill/>
-          </a:ln>
-        </p:spPr>
-        <p:style>
-          <a:lnRef idx="2">
-            <a:schemeClr val="accent5"/>
-          </a:lnRef>
-          <a:fillRef idx="1">
-            <a:schemeClr val="lt1"/>
-          </a:fillRef>
-          <a:effectRef idx="0">
-            <a:schemeClr val="accent5"/>
-          </a:effectRef>
-          <a:fontRef idx="minor">
-            <a:schemeClr val="dk1"/>
-          </a:fontRef>
-        </p:style>
-        <p:txBody>
-          <a:bodyPr rtlCol="0" anchor="ctr"/>
-          <a:lstStyle/>
-          <a:p>
-            <a:pPr algn="ctr"/>
-            <a:endParaRPr lang="zh-CN" altLang="en-US" dirty="0"/>
-          </a:p>
-        </p:txBody>
-      </p:sp>
-      <p:sp>
-        <p:nvSpPr>
-          <p:cNvPr id="9" name="灯片编号占位符 8">
-            <a:extLst>
-              <a:ext uri="{FF2B5EF4-FFF2-40B4-BE49-F238E27FC236}">
-                <a16:creationId xmlns:a16="http://schemas.microsoft.com/office/drawing/2014/main" id="{C1420316-E664-87C8-DC84-30A1F34F120A}"/>
-              </a:ext>
-            </a:extLst>
-          </p:cNvPr>
-          <p:cNvSpPr>
-            <a:spLocks noGrp="1"/>
-          </p:cNvSpPr>
-          <p:nvPr>
-            <p:ph type="sldNum" sz="quarter" idx="12"/>
-          </p:nvPr>
-        </p:nvSpPr>
-        <p:spPr/>
-        <p:txBody>
-          <a:bodyPr/>
-          <a:lstStyle/>
-          <a:p>
-            <a:fld id="{64612D46-7F69-47CC-AB33-86E2C77428C3}" type="slidenum">
-              <a:rPr lang="zh-CN" altLang="en-US" smtClean="0"/>
-              <a:t>11</a:t>
-            </a:fld>
-            <a:endParaRPr lang="zh-CN" altLang="en-US"/>
-          </a:p>
-        </p:txBody>
-      </p:sp>
-      <p:graphicFrame>
-        <p:nvGraphicFramePr>
-          <p:cNvPr id="6" name="表格 5">
-            <a:extLst>
-              <a:ext uri="{FF2B5EF4-FFF2-40B4-BE49-F238E27FC236}">
                 <a16:creationId xmlns:a16="http://schemas.microsoft.com/office/drawing/2014/main" id="{7DED68CD-6C5B-B6B6-E2FD-4B201A49C112}"/>
               </a:ext>
             </a:extLst>
@@ -5937,7 +5299,7 @@
           <p:nvPr>
             <p:extLst>
               <p:ext uri="{D42A27DB-BD31-4B8C-83A1-F6EECF244321}">
-                <p14:modId xmlns:p14="http://schemas.microsoft.com/office/powerpoint/2010/main" val="3217132179"/>
+                <p14:modId xmlns:p14="http://schemas.microsoft.com/office/powerpoint/2010/main" val="2311474676"/>
               </p:ext>
             </p:extLst>
           </p:nvPr>
@@ -5995,6 +5357,7 @@
                     <a:bodyPr/>
                     <a:lstStyle/>
                     <a:p>
+                      <a:pPr algn="ctr"/>
                       <a:r>
                         <a:rPr lang="zh-CN" altLang="en-US" dirty="0"/>
                         <a:t>运行次数</a:t>
@@ -6008,51 +5371,71 @@
                     <a:bodyPr/>
                     <a:lstStyle/>
                     <a:p>
+                      <a:pPr algn="ctr"/>
+                      <a:r>
+                        <a:rPr lang="zh-CN" altLang="en-US" dirty="0"/>
+                        <a:t>进程</a:t>
+                      </a:r>
                       <a:r>
                         <a:rPr lang="en-US" altLang="zh-CN" dirty="0"/>
-                        <a:t>Thread 0</a:t>
-                      </a:r>
-                      <a:endParaRPr lang="zh-CN" altLang="en-US" dirty="0"/>
-                    </a:p>
-                  </a:txBody>
-                  <a:tcPr/>
-                </a:tc>
-                <a:tc>
-                  <a:txBody>
-                    <a:bodyPr/>
-                    <a:lstStyle/>
-                    <a:p>
+                        <a:t> 0</a:t>
+                      </a:r>
+                      <a:endParaRPr lang="zh-CN" altLang="en-US" dirty="0"/>
+                    </a:p>
+                  </a:txBody>
+                  <a:tcPr/>
+                </a:tc>
+                <a:tc>
+                  <a:txBody>
+                    <a:bodyPr/>
+                    <a:lstStyle/>
+                    <a:p>
+                      <a:pPr algn="ctr"/>
+                      <a:r>
+                        <a:rPr lang="zh-CN" altLang="en-US" dirty="0"/>
+                        <a:t>进程</a:t>
+                      </a:r>
                       <a:r>
                         <a:rPr lang="en-US" altLang="zh-CN" dirty="0"/>
-                        <a:t>Thread 1</a:t>
-                      </a:r>
-                      <a:endParaRPr lang="zh-CN" altLang="en-US" dirty="0"/>
-                    </a:p>
-                  </a:txBody>
-                  <a:tcPr/>
-                </a:tc>
-                <a:tc>
-                  <a:txBody>
-                    <a:bodyPr/>
-                    <a:lstStyle/>
-                    <a:p>
+                        <a:t> 1</a:t>
+                      </a:r>
+                      <a:endParaRPr lang="zh-CN" altLang="en-US" dirty="0"/>
+                    </a:p>
+                  </a:txBody>
+                  <a:tcPr/>
+                </a:tc>
+                <a:tc>
+                  <a:txBody>
+                    <a:bodyPr/>
+                    <a:lstStyle/>
+                    <a:p>
+                      <a:pPr algn="ctr"/>
+                      <a:r>
+                        <a:rPr lang="zh-CN" altLang="en-US" dirty="0"/>
+                        <a:t>进程</a:t>
+                      </a:r>
                       <a:r>
                         <a:rPr lang="en-US" altLang="zh-CN" dirty="0"/>
-                        <a:t>Thread 2</a:t>
-                      </a:r>
-                      <a:endParaRPr lang="zh-CN" altLang="en-US" dirty="0"/>
-                    </a:p>
-                  </a:txBody>
-                  <a:tcPr/>
-                </a:tc>
-                <a:tc>
-                  <a:txBody>
-                    <a:bodyPr/>
-                    <a:lstStyle/>
-                    <a:p>
+                        <a:t> 2</a:t>
+                      </a:r>
+                      <a:endParaRPr lang="zh-CN" altLang="en-US" dirty="0"/>
+                    </a:p>
+                  </a:txBody>
+                  <a:tcPr/>
+                </a:tc>
+                <a:tc>
+                  <a:txBody>
+                    <a:bodyPr/>
+                    <a:lstStyle/>
+                    <a:p>
+                      <a:pPr algn="ctr"/>
+                      <a:r>
+                        <a:rPr lang="zh-CN" altLang="en-US" dirty="0"/>
+                        <a:t>进程</a:t>
+                      </a:r>
                       <a:r>
                         <a:rPr lang="en-US" altLang="zh-CN" dirty="0"/>
-                        <a:t>Thread 3</a:t>
+                        <a:t> 3</a:t>
                       </a:r>
                       <a:endParaRPr lang="zh-CN" altLang="en-US" dirty="0"/>
                     </a:p>
@@ -6071,6 +5454,7 @@
                     <a:bodyPr/>
                     <a:lstStyle/>
                     <a:p>
+                      <a:pPr algn="ctr"/>
                       <a:r>
                         <a:rPr lang="en-US" altLang="zh-CN" dirty="0" err="1"/>
                         <a:t>fifo</a:t>
@@ -6085,6 +5469,7 @@
                     <a:bodyPr/>
                     <a:lstStyle/>
                     <a:p>
+                      <a:pPr algn="ctr"/>
                       <a:r>
                         <a:rPr lang="en-US" altLang="zh-CN" dirty="0"/>
                         <a:t>11</a:t>
@@ -6099,6 +5484,7 @@
                     <a:bodyPr/>
                     <a:lstStyle/>
                     <a:p>
+                      <a:pPr algn="ctr"/>
                       <a:r>
                         <a:rPr lang="en-US" altLang="zh-CN" dirty="0"/>
                         <a:t>11</a:t>
@@ -6113,6 +5499,7 @@
                     <a:bodyPr/>
                     <a:lstStyle/>
                     <a:p>
+                      <a:pPr algn="ctr"/>
                       <a:r>
                         <a:rPr lang="en-US" altLang="zh-CN" dirty="0"/>
                         <a:t>11</a:t>
@@ -6127,6 +5514,7 @@
                     <a:bodyPr/>
                     <a:lstStyle/>
                     <a:p>
+                      <a:pPr algn="ctr"/>
                       <a:r>
                         <a:rPr lang="en-US" altLang="zh-CN" dirty="0"/>
                         <a:t>10</a:t>
@@ -6148,6 +5536,7 @@
                     <a:bodyPr/>
                     <a:lstStyle/>
                     <a:p>
+                      <a:pPr algn="ctr"/>
                       <a:r>
                         <a:rPr lang="en-US" altLang="zh-CN" dirty="0" err="1"/>
                         <a:t>rr</a:t>
@@ -6162,6 +5551,7 @@
                     <a:bodyPr/>
                     <a:lstStyle/>
                     <a:p>
+                      <a:pPr algn="ctr"/>
                       <a:r>
                         <a:rPr lang="en-US" altLang="zh-CN" dirty="0"/>
                         <a:t>24</a:t>
@@ -6176,6 +5566,7 @@
                     <a:bodyPr/>
                     <a:lstStyle/>
                     <a:p>
+                      <a:pPr algn="ctr"/>
                       <a:r>
                         <a:rPr lang="en-US" altLang="zh-CN" dirty="0"/>
                         <a:t>12</a:t>
@@ -6190,6 +5581,7 @@
                     <a:bodyPr/>
                     <a:lstStyle/>
                     <a:p>
+                      <a:pPr algn="ctr"/>
                       <a:r>
                         <a:rPr lang="en-US" altLang="zh-CN" dirty="0"/>
                         <a:t>9</a:t>
@@ -6204,6 +5596,7 @@
                     <a:bodyPr/>
                     <a:lstStyle/>
                     <a:p>
+                      <a:pPr algn="ctr"/>
                       <a:r>
                         <a:rPr lang="en-US" altLang="zh-CN" dirty="0"/>
                         <a:t>7</a:t>
@@ -6225,6 +5618,7 @@
                     <a:bodyPr/>
                     <a:lstStyle/>
                     <a:p>
+                      <a:pPr algn="ctr"/>
                       <a:r>
                         <a:rPr lang="en-US" altLang="zh-CN" dirty="0" err="1"/>
                         <a:t>cfs</a:t>
@@ -6239,6 +5633,7 @@
                     <a:bodyPr/>
                     <a:lstStyle/>
                     <a:p>
+                      <a:pPr algn="ctr"/>
                       <a:r>
                         <a:rPr lang="en-US" altLang="zh-CN" dirty="0"/>
                         <a:t>27</a:t>
@@ -6253,6 +5648,7 @@
                     <a:bodyPr/>
                     <a:lstStyle/>
                     <a:p>
+                      <a:pPr algn="ctr"/>
                       <a:r>
                         <a:rPr lang="en-US" altLang="zh-CN" dirty="0"/>
                         <a:t>12</a:t>
@@ -6267,6 +5663,7 @@
                     <a:bodyPr/>
                     <a:lstStyle/>
                     <a:p>
+                      <a:pPr algn="ctr"/>
                       <a:r>
                         <a:rPr lang="en-US" altLang="zh-CN" dirty="0"/>
                         <a:t>8</a:t>
@@ -6281,6 +5678,7 @@
                     <a:bodyPr/>
                     <a:lstStyle/>
                     <a:p>
+                      <a:pPr algn="ctr"/>
                       <a:r>
                         <a:rPr lang="en-US" altLang="zh-CN" dirty="0"/>
                         <a:t>6</a:t>
@@ -6302,6 +5700,7 @@
                     <a:bodyPr/>
                     <a:lstStyle/>
                     <a:p>
+                      <a:pPr algn="ctr"/>
                       <a:r>
                         <a:rPr lang="en-US" altLang="zh-CN" dirty="0" err="1"/>
                         <a:t>sjf</a:t>
@@ -6316,6 +5715,7 @@
                     <a:bodyPr/>
                     <a:lstStyle/>
                     <a:p>
+                      <a:pPr algn="ctr"/>
                       <a:r>
                         <a:rPr lang="en-US" altLang="zh-CN" dirty="0"/>
                         <a:t>51</a:t>
@@ -6330,6 +5730,7 @@
                     <a:bodyPr/>
                     <a:lstStyle/>
                     <a:p>
+                      <a:pPr algn="ctr"/>
                       <a:r>
                         <a:rPr lang="en-US" altLang="zh-CN" dirty="0"/>
                         <a:t>8</a:t>
@@ -6344,6 +5745,7 @@
                     <a:bodyPr/>
                     <a:lstStyle/>
                     <a:p>
+                      <a:pPr algn="ctr"/>
                       <a:r>
                         <a:rPr lang="en-US" altLang="zh-CN" dirty="0"/>
                         <a:t>6</a:t>
@@ -6358,6 +5760,7 @@
                     <a:bodyPr/>
                     <a:lstStyle/>
                     <a:p>
+                      <a:pPr algn="ctr"/>
                       <a:r>
                         <a:rPr lang="en-US" altLang="zh-CN" dirty="0"/>
                         <a:t>2</a:t>
@@ -6379,6 +5782,7 @@
                     <a:bodyPr/>
                     <a:lstStyle/>
                     <a:p>
+                      <a:pPr algn="ctr"/>
                       <a:r>
                         <a:rPr lang="en-US" altLang="zh-CN" dirty="0" err="1"/>
                         <a:t>mlfq</a:t>
@@ -6393,6 +5797,7 @@
                     <a:bodyPr/>
                     <a:lstStyle/>
                     <a:p>
+                      <a:pPr algn="ctr"/>
                       <a:r>
                         <a:rPr lang="en-US" altLang="zh-CN" dirty="0"/>
                         <a:t>35</a:t>
@@ -6407,6 +5812,7 @@
                     <a:bodyPr/>
                     <a:lstStyle/>
                     <a:p>
+                      <a:pPr algn="ctr"/>
                       <a:r>
                         <a:rPr lang="en-US" altLang="zh-CN" dirty="0"/>
                         <a:t>14</a:t>
@@ -6421,6 +5827,7 @@
                     <a:bodyPr/>
                     <a:lstStyle/>
                     <a:p>
+                      <a:pPr algn="ctr"/>
                       <a:r>
                         <a:rPr lang="en-US" altLang="zh-CN" dirty="0"/>
                         <a:t>8</a:t>
@@ -6435,6 +5842,7 @@
                     <a:bodyPr/>
                     <a:lstStyle/>
                     <a:p>
+                      <a:pPr algn="ctr"/>
                       <a:r>
                         <a:rPr lang="en-US" altLang="zh-CN" dirty="0"/>
                         <a:t>4</a:t>
@@ -6467,7 +5875,7 @@
 </p:sld>
 </file>
 
-<file path=ppt/slides/slide12.xml><?xml version="1.0" encoding="utf-8"?>
+<file path=ppt/slides/slide11.xml><?xml version="1.0" encoding="utf-8"?>
 <p:sld xmlns:a="http://schemas.openxmlformats.org/drawingml/2006/main" xmlns:r="http://schemas.openxmlformats.org/officeDocument/2006/relationships" xmlns:p="http://schemas.openxmlformats.org/presentationml/2006/main">
   <p:cSld>
     <p:spTree>
@@ -6585,7 +5993,7 @@
                 <a:latin typeface="微软雅黑" panose="020B0503020204020204" pitchFamily="34" charset="-122"/>
                 <a:ea typeface="微软雅黑" panose="020B0503020204020204" pitchFamily="34" charset="-122"/>
               </a:rPr>
-              <a:t>主要结论</a:t>
+              <a:t>结论</a:t>
             </a:r>
             <a:endParaRPr lang="en-US" altLang="zh-CN" sz="2000" dirty="0">
               <a:latin typeface="微软雅黑" panose="020B0503020204020204" pitchFamily="34" charset="-122"/>
@@ -6813,7 +6221,7 @@
           <a:p>
             <a:fld id="{64612D46-7F69-47CC-AB33-86E2C77428C3}" type="slidenum">
               <a:rPr lang="zh-CN" altLang="en-US" smtClean="0"/>
-              <a:t>12</a:t>
+              <a:t>11</a:t>
             </a:fld>
             <a:endParaRPr lang="zh-CN" altLang="en-US"/>
           </a:p>
@@ -6834,7 +6242,7 @@
           <p:nvPr>
             <p:extLst>
               <p:ext uri="{D42A27DB-BD31-4B8C-83A1-F6EECF244321}">
-                <p14:modId xmlns:p14="http://schemas.microsoft.com/office/powerpoint/2010/main" val="1302005946"/>
+                <p14:modId xmlns:p14="http://schemas.microsoft.com/office/powerpoint/2010/main" val="490143990"/>
               </p:ext>
             </p:extLst>
           </p:nvPr>
@@ -6892,6 +6300,7 @@
                     <a:bodyPr/>
                     <a:lstStyle/>
                     <a:p>
+                      <a:pPr algn="ctr"/>
                       <a:r>
                         <a:rPr lang="zh-CN" altLang="en-US" dirty="0"/>
                         <a:t>运行次数</a:t>
@@ -6905,51 +6314,71 @@
                     <a:bodyPr/>
                     <a:lstStyle/>
                     <a:p>
+                      <a:pPr algn="ctr"/>
+                      <a:r>
+                        <a:rPr lang="zh-CN" altLang="en-US" dirty="0"/>
+                        <a:t>进程</a:t>
+                      </a:r>
                       <a:r>
                         <a:rPr lang="en-US" altLang="zh-CN" dirty="0"/>
-                        <a:t>Thread 0</a:t>
-                      </a:r>
-                      <a:endParaRPr lang="zh-CN" altLang="en-US" dirty="0"/>
-                    </a:p>
-                  </a:txBody>
-                  <a:tcPr/>
-                </a:tc>
-                <a:tc>
-                  <a:txBody>
-                    <a:bodyPr/>
-                    <a:lstStyle/>
-                    <a:p>
+                        <a:t> 0</a:t>
+                      </a:r>
+                      <a:endParaRPr lang="zh-CN" altLang="en-US" dirty="0"/>
+                    </a:p>
+                  </a:txBody>
+                  <a:tcPr/>
+                </a:tc>
+                <a:tc>
+                  <a:txBody>
+                    <a:bodyPr/>
+                    <a:lstStyle/>
+                    <a:p>
+                      <a:pPr algn="ctr"/>
+                      <a:r>
+                        <a:rPr lang="zh-CN" altLang="en-US" dirty="0"/>
+                        <a:t>进程</a:t>
+                      </a:r>
                       <a:r>
                         <a:rPr lang="en-US" altLang="zh-CN" dirty="0"/>
-                        <a:t>Thread 1</a:t>
-                      </a:r>
-                      <a:endParaRPr lang="zh-CN" altLang="en-US" dirty="0"/>
-                    </a:p>
-                  </a:txBody>
-                  <a:tcPr/>
-                </a:tc>
-                <a:tc>
-                  <a:txBody>
-                    <a:bodyPr/>
-                    <a:lstStyle/>
-                    <a:p>
+                        <a:t> 1</a:t>
+                      </a:r>
+                      <a:endParaRPr lang="zh-CN" altLang="en-US" dirty="0"/>
+                    </a:p>
+                  </a:txBody>
+                  <a:tcPr/>
+                </a:tc>
+                <a:tc>
+                  <a:txBody>
+                    <a:bodyPr/>
+                    <a:lstStyle/>
+                    <a:p>
+                      <a:pPr algn="ctr"/>
+                      <a:r>
+                        <a:rPr lang="zh-CN" altLang="en-US" dirty="0"/>
+                        <a:t>进程</a:t>
+                      </a:r>
                       <a:r>
                         <a:rPr lang="en-US" altLang="zh-CN" dirty="0"/>
-                        <a:t>Thread 2</a:t>
-                      </a:r>
-                      <a:endParaRPr lang="zh-CN" altLang="en-US" dirty="0"/>
-                    </a:p>
-                  </a:txBody>
-                  <a:tcPr/>
-                </a:tc>
-                <a:tc>
-                  <a:txBody>
-                    <a:bodyPr/>
-                    <a:lstStyle/>
-                    <a:p>
+                        <a:t> 2</a:t>
+                      </a:r>
+                      <a:endParaRPr lang="zh-CN" altLang="en-US" dirty="0"/>
+                    </a:p>
+                  </a:txBody>
+                  <a:tcPr/>
+                </a:tc>
+                <a:tc>
+                  <a:txBody>
+                    <a:bodyPr/>
+                    <a:lstStyle/>
+                    <a:p>
+                      <a:pPr algn="ctr"/>
+                      <a:r>
+                        <a:rPr lang="zh-CN" altLang="en-US" dirty="0"/>
+                        <a:t>进程</a:t>
+                      </a:r>
                       <a:r>
                         <a:rPr lang="en-US" altLang="zh-CN" dirty="0"/>
-                        <a:t>Thread 3</a:t>
+                        <a:t> 3</a:t>
                       </a:r>
                       <a:endParaRPr lang="zh-CN" altLang="en-US" dirty="0"/>
                     </a:p>
@@ -6968,6 +6397,7 @@
                     <a:bodyPr/>
                     <a:lstStyle/>
                     <a:p>
+                      <a:pPr algn="ctr"/>
                       <a:r>
                         <a:rPr lang="en-US" altLang="zh-CN" dirty="0" err="1"/>
                         <a:t>fifo</a:t>
@@ -6982,6 +6412,7 @@
                     <a:bodyPr/>
                     <a:lstStyle/>
                     <a:p>
+                      <a:pPr algn="ctr"/>
                       <a:r>
                         <a:rPr lang="en-US" altLang="zh-CN" dirty="0"/>
                         <a:t>11</a:t>
@@ -6996,6 +6427,7 @@
                     <a:bodyPr/>
                     <a:lstStyle/>
                     <a:p>
+                      <a:pPr algn="ctr"/>
                       <a:r>
                         <a:rPr lang="en-US" altLang="zh-CN" dirty="0"/>
                         <a:t>11</a:t>
@@ -7010,6 +6442,7 @@
                     <a:bodyPr/>
                     <a:lstStyle/>
                     <a:p>
+                      <a:pPr algn="ctr"/>
                       <a:r>
                         <a:rPr lang="en-US" altLang="zh-CN" dirty="0"/>
                         <a:t>11</a:t>
@@ -7024,6 +6457,7 @@
                     <a:bodyPr/>
                     <a:lstStyle/>
                     <a:p>
+                      <a:pPr algn="ctr"/>
                       <a:r>
                         <a:rPr lang="en-US" altLang="zh-CN" dirty="0"/>
                         <a:t>10</a:t>
@@ -7045,6 +6479,7 @@
                     <a:bodyPr/>
                     <a:lstStyle/>
                     <a:p>
+                      <a:pPr algn="ctr"/>
                       <a:r>
                         <a:rPr lang="en-US" altLang="zh-CN" dirty="0" err="1"/>
                         <a:t>rr</a:t>
@@ -7059,6 +6494,7 @@
                     <a:bodyPr/>
                     <a:lstStyle/>
                     <a:p>
+                      <a:pPr algn="ctr"/>
                       <a:r>
                         <a:rPr lang="en-US" altLang="zh-CN" dirty="0"/>
                         <a:t>24</a:t>
@@ -7073,6 +6509,7 @@
                     <a:bodyPr/>
                     <a:lstStyle/>
                     <a:p>
+                      <a:pPr algn="ctr"/>
                       <a:r>
                         <a:rPr lang="en-US" altLang="zh-CN" dirty="0"/>
                         <a:t>12</a:t>
@@ -7087,6 +6524,7 @@
                     <a:bodyPr/>
                     <a:lstStyle/>
                     <a:p>
+                      <a:pPr algn="ctr"/>
                       <a:r>
                         <a:rPr lang="en-US" altLang="zh-CN" dirty="0"/>
                         <a:t>9</a:t>
@@ -7101,6 +6539,7 @@
                     <a:bodyPr/>
                     <a:lstStyle/>
                     <a:p>
+                      <a:pPr algn="ctr"/>
                       <a:r>
                         <a:rPr lang="en-US" altLang="zh-CN" dirty="0"/>
                         <a:t>7</a:t>
@@ -7122,6 +6561,7 @@
                     <a:bodyPr/>
                     <a:lstStyle/>
                     <a:p>
+                      <a:pPr algn="ctr"/>
                       <a:r>
                         <a:rPr lang="en-US" altLang="zh-CN" dirty="0" err="1"/>
                         <a:t>cfs</a:t>
@@ -7136,6 +6576,7 @@
                     <a:bodyPr/>
                     <a:lstStyle/>
                     <a:p>
+                      <a:pPr algn="ctr"/>
                       <a:r>
                         <a:rPr lang="en-US" altLang="zh-CN" dirty="0"/>
                         <a:t>27</a:t>
@@ -7150,6 +6591,7 @@
                     <a:bodyPr/>
                     <a:lstStyle/>
                     <a:p>
+                      <a:pPr algn="ctr"/>
                       <a:r>
                         <a:rPr lang="en-US" altLang="zh-CN" dirty="0"/>
                         <a:t>12</a:t>
@@ -7164,6 +6606,7 @@
                     <a:bodyPr/>
                     <a:lstStyle/>
                     <a:p>
+                      <a:pPr algn="ctr"/>
                       <a:r>
                         <a:rPr lang="en-US" altLang="zh-CN" dirty="0"/>
                         <a:t>8</a:t>
@@ -7178,6 +6621,7 @@
                     <a:bodyPr/>
                     <a:lstStyle/>
                     <a:p>
+                      <a:pPr algn="ctr"/>
                       <a:r>
                         <a:rPr lang="en-US" altLang="zh-CN" dirty="0"/>
                         <a:t>6</a:t>
@@ -7199,6 +6643,7 @@
                     <a:bodyPr/>
                     <a:lstStyle/>
                     <a:p>
+                      <a:pPr algn="ctr"/>
                       <a:r>
                         <a:rPr lang="en-US" altLang="zh-CN" dirty="0" err="1"/>
                         <a:t>sjf</a:t>
@@ -7213,6 +6658,7 @@
                     <a:bodyPr/>
                     <a:lstStyle/>
                     <a:p>
+                      <a:pPr algn="ctr"/>
                       <a:r>
                         <a:rPr lang="en-US" altLang="zh-CN" dirty="0"/>
                         <a:t>51</a:t>
@@ -7227,6 +6673,7 @@
                     <a:bodyPr/>
                     <a:lstStyle/>
                     <a:p>
+                      <a:pPr algn="ctr"/>
                       <a:r>
                         <a:rPr lang="en-US" altLang="zh-CN" dirty="0"/>
                         <a:t>8</a:t>
@@ -7241,6 +6688,7 @@
                     <a:bodyPr/>
                     <a:lstStyle/>
                     <a:p>
+                      <a:pPr algn="ctr"/>
                       <a:r>
                         <a:rPr lang="en-US" altLang="zh-CN" dirty="0"/>
                         <a:t>6</a:t>
@@ -7255,6 +6703,7 @@
                     <a:bodyPr/>
                     <a:lstStyle/>
                     <a:p>
+                      <a:pPr algn="ctr"/>
                       <a:r>
                         <a:rPr lang="en-US" altLang="zh-CN" dirty="0"/>
                         <a:t>2</a:t>
@@ -7276,6 +6725,7 @@
                     <a:bodyPr/>
                     <a:lstStyle/>
                     <a:p>
+                      <a:pPr algn="ctr"/>
                       <a:r>
                         <a:rPr lang="en-US" altLang="zh-CN" dirty="0" err="1"/>
                         <a:t>mlfq</a:t>
@@ -7290,6 +6740,7 @@
                     <a:bodyPr/>
                     <a:lstStyle/>
                     <a:p>
+                      <a:pPr algn="ctr"/>
                       <a:r>
                         <a:rPr lang="en-US" altLang="zh-CN" dirty="0"/>
                         <a:t>35</a:t>
@@ -7304,6 +6755,7 @@
                     <a:bodyPr/>
                     <a:lstStyle/>
                     <a:p>
+                      <a:pPr algn="ctr"/>
                       <a:r>
                         <a:rPr lang="en-US" altLang="zh-CN" dirty="0"/>
                         <a:t>14</a:t>
@@ -7318,6 +6770,7 @@
                     <a:bodyPr/>
                     <a:lstStyle/>
                     <a:p>
+                      <a:pPr algn="ctr"/>
                       <a:r>
                         <a:rPr lang="en-US" altLang="zh-CN" dirty="0"/>
                         <a:t>8</a:t>
@@ -7332,6 +6785,7 @@
                     <a:bodyPr/>
                     <a:lstStyle/>
                     <a:p>
+                      <a:pPr algn="ctr"/>
                       <a:r>
                         <a:rPr lang="en-US" altLang="zh-CN" dirty="0"/>
                         <a:t>4</a:t>
@@ -7364,7 +6818,7 @@
 </p:sld>
 </file>
 
-<file path=ppt/slides/slide13.xml><?xml version="1.0" encoding="utf-8"?>
+<file path=ppt/slides/slide12.xml><?xml version="1.0" encoding="utf-8"?>
 <p:sld xmlns:a="http://schemas.openxmlformats.org/drawingml/2006/main" xmlns:r="http://schemas.openxmlformats.org/officeDocument/2006/relationships" xmlns:p="http://schemas.openxmlformats.org/presentationml/2006/main">
   <p:cSld>
     <p:spTree>
@@ -7410,12 +6864,37 @@
           <a:lstStyle/>
           <a:p>
             <a:r>
+              <a:rPr lang="en-US" altLang="zh-CN" sz="2800" b="1" dirty="0" err="1">
+                <a:latin typeface="微软雅黑" panose="020B0503020204020204" pitchFamily="34" charset="-122"/>
+                <a:ea typeface="微软雅黑" panose="020B0503020204020204" pitchFamily="34" charset="-122"/>
+              </a:rPr>
+              <a:t>ArceOS</a:t>
+            </a:r>
+            <a:r>
+              <a:rPr lang="en-US" altLang="zh-CN" sz="2800" b="1" dirty="0">
+                <a:latin typeface="微软雅黑" panose="020B0503020204020204" pitchFamily="34" charset="-122"/>
+                <a:ea typeface="微软雅黑" panose="020B0503020204020204" pitchFamily="34" charset="-122"/>
+              </a:rPr>
+              <a:t> </a:t>
+            </a:r>
+            <a:r>
               <a:rPr lang="zh-CN" altLang="en-US" sz="2800" b="1" dirty="0">
                 <a:latin typeface="微软雅黑" panose="020B0503020204020204" pitchFamily="34" charset="-122"/>
                 <a:ea typeface="微软雅黑" panose="020B0503020204020204" pitchFamily="34" charset="-122"/>
               </a:rPr>
-              <a:t>后续计划</a:t>
-            </a:r>
+              <a:t>调度算法测试</a:t>
+            </a:r>
+            <a:r>
+              <a:rPr lang="en-US" altLang="zh-CN" sz="2800" b="1" dirty="0">
+                <a:latin typeface="微软雅黑" panose="020B0503020204020204" pitchFamily="34" charset="-122"/>
+                <a:ea typeface="微软雅黑" panose="020B0503020204020204" pitchFamily="34" charset="-122"/>
+              </a:rPr>
+              <a:t>——yield</a:t>
+            </a:r>
+            <a:endParaRPr lang="zh-CN" altLang="en-US" sz="2800" b="1" dirty="0">
+              <a:latin typeface="微软雅黑" panose="020B0503020204020204" pitchFamily="34" charset="-122"/>
+              <a:ea typeface="微软雅黑" panose="020B0503020204020204" pitchFamily="34" charset="-122"/>
+            </a:endParaRPr>
           </a:p>
         </p:txBody>
       </p:sp>
@@ -7438,7 +6917,7 @@
         <p:spPr>
           <a:xfrm>
             <a:off x="722586" y="1045725"/>
-            <a:ext cx="10515600" cy="4351338"/>
+            <a:ext cx="10515600" cy="1009047"/>
           </a:xfrm>
         </p:spPr>
         <p:txBody>
@@ -7453,183 +6932,76 @@
               </a:lnSpc>
             </a:pPr>
             <a:r>
+              <a:rPr lang="zh-CN" altLang="en-US" sz="2000" b="1" dirty="0">
+                <a:latin typeface="微软雅黑" panose="020B0503020204020204" pitchFamily="34" charset="-122"/>
+                <a:ea typeface="微软雅黑" panose="020B0503020204020204" pitchFamily="34" charset="-122"/>
+              </a:rPr>
+              <a:t>设计思路</a:t>
+            </a:r>
+            <a:r>
               <a:rPr lang="zh-CN" altLang="en-US" sz="2000" dirty="0">
                 <a:latin typeface="微软雅黑" panose="020B0503020204020204" pitchFamily="34" charset="-122"/>
                 <a:ea typeface="微软雅黑" panose="020B0503020204020204" pitchFamily="34" charset="-122"/>
               </a:rPr>
-              <a:t>完成</a:t>
-            </a:r>
-            <a:r>
-              <a:rPr lang="zh-CN" altLang="en-US" sz="2000" b="1" dirty="0">
-                <a:latin typeface="微软雅黑" panose="020B0503020204020204" pitchFamily="34" charset="-122"/>
-                <a:ea typeface="微软雅黑" panose="020B0503020204020204" pitchFamily="34" charset="-122"/>
-              </a:rPr>
-              <a:t>多核多队列</a:t>
+              <a:t>：</a:t>
+            </a:r>
+            <a:r>
+              <a:rPr lang="en-US" altLang="zh-CN" sz="2000" dirty="0">
+                <a:latin typeface="微软雅黑" panose="020B0503020204020204" pitchFamily="34" charset="-122"/>
+                <a:ea typeface="微软雅黑" panose="020B0503020204020204" pitchFamily="34" charset="-122"/>
+              </a:rPr>
+              <a:t>4 </a:t>
             </a:r>
             <a:r>
               <a:rPr lang="zh-CN" altLang="en-US" sz="2000" dirty="0">
                 <a:latin typeface="微软雅黑" panose="020B0503020204020204" pitchFamily="34" charset="-122"/>
                 <a:ea typeface="微软雅黑" panose="020B0503020204020204" pitchFamily="34" charset="-122"/>
               </a:rPr>
-              <a:t>的调度设计</a:t>
+              <a:t>个进程，每个执行 </a:t>
+            </a:r>
+            <a:r>
+              <a:rPr lang="en-US" altLang="zh-CN" sz="2000" dirty="0">
+                <a:latin typeface="微软雅黑" panose="020B0503020204020204" pitchFamily="34" charset="-122"/>
+                <a:ea typeface="微软雅黑" panose="020B0503020204020204" pitchFamily="34" charset="-122"/>
+              </a:rPr>
+              <a:t>100000 </a:t>
+            </a:r>
+            <a:r>
+              <a:rPr lang="zh-CN" altLang="en-US" sz="2000" dirty="0">
+                <a:latin typeface="微软雅黑" panose="020B0503020204020204" pitchFamily="34" charset="-122"/>
+                <a:ea typeface="微软雅黑" panose="020B0503020204020204" pitchFamily="34" charset="-122"/>
+              </a:rPr>
+              <a:t>组用时固定的任务（</a:t>
+            </a:r>
+            <a:r>
+              <a:rPr lang="en-US" altLang="zh-CN" sz="2000" dirty="0">
+                <a:latin typeface="微软雅黑" panose="020B0503020204020204" pitchFamily="34" charset="-122"/>
+                <a:ea typeface="微软雅黑" panose="020B0503020204020204" pitchFamily="34" charset="-122"/>
+              </a:rPr>
+              <a:t>100</a:t>
+            </a:r>
+            <a:r>
+              <a:rPr lang="zh-CN" altLang="en-US" sz="2000" dirty="0">
+                <a:latin typeface="微软雅黑" panose="020B0503020204020204" pitchFamily="34" charset="-122"/>
+                <a:ea typeface="微软雅黑" panose="020B0503020204020204" pitchFamily="34" charset="-122"/>
+              </a:rPr>
+              <a:t>次循环），每组任务结束后主动 </a:t>
+            </a:r>
+            <a:r>
+              <a:rPr lang="en-US" altLang="zh-CN" sz="2000" dirty="0">
+                <a:latin typeface="微软雅黑" panose="020B0503020204020204" pitchFamily="34" charset="-122"/>
+                <a:ea typeface="微软雅黑" panose="020B0503020204020204" pitchFamily="34" charset="-122"/>
+              </a:rPr>
+              <a:t>yield </a:t>
+            </a:r>
+            <a:r>
+              <a:rPr lang="zh-CN" altLang="en-US" sz="2000" dirty="0">
+                <a:latin typeface="微软雅黑" panose="020B0503020204020204" pitchFamily="34" charset="-122"/>
+                <a:ea typeface="微软雅黑" panose="020B0503020204020204" pitchFamily="34" charset="-122"/>
+              </a:rPr>
+              <a:t>一次，用于测试调度算法的基础速度。</a:t>
             </a:r>
             <a:endParaRPr lang="en-US" altLang="zh-CN" sz="2000" dirty="0">
-              <a:latin typeface="微软雅黑" panose="020B0503020204020204" pitchFamily="34" charset="-122"/>
-              <a:ea typeface="微软雅黑" panose="020B0503020204020204" pitchFamily="34" charset="-122"/>
-            </a:endParaRPr>
-          </a:p>
-          <a:p>
-            <a:pPr lvl="1">
-              <a:lnSpc>
-                <a:spcPct val="150000"/>
-              </a:lnSpc>
-            </a:pPr>
-            <a:r>
-              <a:rPr lang="zh-CN" altLang="en-US" sz="1600" dirty="0">
-                <a:latin typeface="微软雅黑" panose="020B0503020204020204" pitchFamily="34" charset="-122"/>
-                <a:ea typeface="微软雅黑" panose="020B0503020204020204" pitchFamily="34" charset="-122"/>
-              </a:rPr>
-              <a:t>设计负载均衡框架</a:t>
-            </a:r>
-            <a:endParaRPr lang="en-US" altLang="zh-CN" sz="1600" dirty="0">
-              <a:latin typeface="微软雅黑" panose="020B0503020204020204" pitchFamily="34" charset="-122"/>
-              <a:ea typeface="微软雅黑" panose="020B0503020204020204" pitchFamily="34" charset="-122"/>
-            </a:endParaRPr>
-          </a:p>
-          <a:p>
-            <a:pPr lvl="1">
-              <a:lnSpc>
-                <a:spcPct val="150000"/>
-              </a:lnSpc>
-            </a:pPr>
-            <a:r>
-              <a:rPr lang="zh-CN" altLang="en-US" sz="1600" dirty="0">
-                <a:latin typeface="微软雅黑" panose="020B0503020204020204" pitchFamily="34" charset="-122"/>
-                <a:ea typeface="微软雅黑" panose="020B0503020204020204" pitchFamily="34" charset="-122"/>
-              </a:rPr>
-              <a:t>改进调度与抢占机制</a:t>
-            </a:r>
-          </a:p>
-          <a:p>
-            <a:pPr>
-              <a:lnSpc>
-                <a:spcPct val="150000"/>
-              </a:lnSpc>
-            </a:pPr>
-            <a:r>
-              <a:rPr lang="zh-CN" altLang="en-US" sz="2000" dirty="0">
-                <a:latin typeface="微软雅黑" panose="020B0503020204020204" pitchFamily="34" charset="-122"/>
-                <a:ea typeface="微软雅黑" panose="020B0503020204020204" pitchFamily="34" charset="-122"/>
-              </a:rPr>
-              <a:t>构建调度算法测试标准框架</a:t>
-            </a:r>
-            <a:endParaRPr lang="en-US" altLang="zh-CN" sz="2000" dirty="0">
-              <a:latin typeface="微软雅黑" panose="020B0503020204020204" pitchFamily="34" charset="-122"/>
-              <a:ea typeface="微软雅黑" panose="020B0503020204020204" pitchFamily="34" charset="-122"/>
-            </a:endParaRPr>
-          </a:p>
-          <a:p>
-            <a:pPr lvl="1">
-              <a:lnSpc>
-                <a:spcPct val="150000"/>
-              </a:lnSpc>
-            </a:pPr>
-            <a:r>
-              <a:rPr lang="zh-CN" altLang="en-US" sz="1600" dirty="0">
-                <a:latin typeface="微软雅黑" panose="020B0503020204020204" pitchFamily="34" charset="-122"/>
-                <a:ea typeface="微软雅黑" panose="020B0503020204020204" pitchFamily="34" charset="-122"/>
-              </a:rPr>
-              <a:t>调研 </a:t>
-            </a:r>
-            <a:r>
-              <a:rPr lang="en-US" altLang="zh-CN" sz="1600" dirty="0">
-                <a:latin typeface="微软雅黑" panose="020B0503020204020204" pitchFamily="34" charset="-122"/>
-                <a:ea typeface="微软雅黑" panose="020B0503020204020204" pitchFamily="34" charset="-122"/>
-              </a:rPr>
-              <a:t>Linux </a:t>
-            </a:r>
-            <a:r>
-              <a:rPr lang="zh-CN" altLang="en-US" sz="1600" dirty="0">
-                <a:latin typeface="微软雅黑" panose="020B0503020204020204" pitchFamily="34" charset="-122"/>
-                <a:ea typeface="微软雅黑" panose="020B0503020204020204" pitchFamily="34" charset="-122"/>
-              </a:rPr>
-              <a:t>调度算法标准测例，适配至 </a:t>
-            </a:r>
-            <a:r>
-              <a:rPr lang="en-US" altLang="zh-CN" sz="1600" dirty="0" err="1">
-                <a:latin typeface="微软雅黑" panose="020B0503020204020204" pitchFamily="34" charset="-122"/>
-                <a:ea typeface="微软雅黑" panose="020B0503020204020204" pitchFamily="34" charset="-122"/>
-              </a:rPr>
-              <a:t>ArceOS</a:t>
-            </a:r>
-            <a:r>
-              <a:rPr lang="en-US" altLang="zh-CN" sz="1600" dirty="0">
-                <a:latin typeface="微软雅黑" panose="020B0503020204020204" pitchFamily="34" charset="-122"/>
-                <a:ea typeface="微软雅黑" panose="020B0503020204020204" pitchFamily="34" charset="-122"/>
-              </a:rPr>
-              <a:t> </a:t>
-            </a:r>
-            <a:r>
-              <a:rPr lang="zh-CN" altLang="en-US" sz="1600" dirty="0">
-                <a:latin typeface="微软雅黑" panose="020B0503020204020204" pitchFamily="34" charset="-122"/>
-                <a:ea typeface="微软雅黑" panose="020B0503020204020204" pitchFamily="34" charset="-122"/>
-              </a:rPr>
-              <a:t>系统</a:t>
-            </a:r>
-            <a:endParaRPr lang="en-US" altLang="zh-CN" sz="1600" dirty="0">
-              <a:latin typeface="微软雅黑" panose="020B0503020204020204" pitchFamily="34" charset="-122"/>
-              <a:ea typeface="微软雅黑" panose="020B0503020204020204" pitchFamily="34" charset="-122"/>
-            </a:endParaRPr>
-          </a:p>
-          <a:p>
-            <a:pPr lvl="1">
-              <a:lnSpc>
-                <a:spcPct val="150000"/>
-              </a:lnSpc>
-            </a:pPr>
-            <a:r>
-              <a:rPr lang="zh-CN" altLang="en-US" sz="1600" dirty="0">
-                <a:latin typeface="微软雅黑" panose="020B0503020204020204" pitchFamily="34" charset="-122"/>
-                <a:ea typeface="微软雅黑" panose="020B0503020204020204" pitchFamily="34" charset="-122"/>
-              </a:rPr>
-              <a:t>对 </a:t>
-            </a:r>
-            <a:r>
-              <a:rPr lang="en-US" altLang="zh-CN" sz="1600" dirty="0">
-                <a:latin typeface="微软雅黑" panose="020B0503020204020204" pitchFamily="34" charset="-122"/>
-                <a:ea typeface="微软雅黑" panose="020B0503020204020204" pitchFamily="34" charset="-122"/>
-              </a:rPr>
-              <a:t>Linux </a:t>
-            </a:r>
-            <a:r>
-              <a:rPr lang="zh-CN" altLang="en-US" sz="1600" dirty="0">
-                <a:latin typeface="微软雅黑" panose="020B0503020204020204" pitchFamily="34" charset="-122"/>
-                <a:ea typeface="微软雅黑" panose="020B0503020204020204" pitchFamily="34" charset="-122"/>
-              </a:rPr>
-              <a:t>和 </a:t>
-            </a:r>
-            <a:r>
-              <a:rPr lang="en-US" altLang="zh-CN" sz="1600" dirty="0" err="1">
-                <a:latin typeface="微软雅黑" panose="020B0503020204020204" pitchFamily="34" charset="-122"/>
-                <a:ea typeface="微软雅黑" panose="020B0503020204020204" pitchFamily="34" charset="-122"/>
-              </a:rPr>
-              <a:t>ArceOS</a:t>
-            </a:r>
-            <a:r>
-              <a:rPr lang="en-US" altLang="zh-CN" sz="1600" dirty="0">
-                <a:latin typeface="微软雅黑" panose="020B0503020204020204" pitchFamily="34" charset="-122"/>
-                <a:ea typeface="微软雅黑" panose="020B0503020204020204" pitchFamily="34" charset="-122"/>
-              </a:rPr>
-              <a:t> </a:t>
-            </a:r>
-            <a:r>
-              <a:rPr lang="zh-CN" altLang="en-US" sz="1600" dirty="0">
-                <a:latin typeface="微软雅黑" panose="020B0503020204020204" pitchFamily="34" charset="-122"/>
-                <a:ea typeface="微软雅黑" panose="020B0503020204020204" pitchFamily="34" charset="-122"/>
-              </a:rPr>
-              <a:t>用统一的框架进行测试，并报告性能</a:t>
-            </a:r>
-            <a:endParaRPr lang="en-US" altLang="zh-CN" sz="1600" dirty="0">
               <a:latin typeface="微软雅黑" panose="020B0503020204020204" pitchFamily="34" charset="-122"/>
               <a:ea typeface="微软雅黑" panose="020B0503020204020204" pitchFamily="34" charset="-122"/>
             </a:endParaRPr>
@@ -7709,7 +7081,3514 @@
           <a:p>
             <a:fld id="{64612D46-7F69-47CC-AB33-86E2C77428C3}" type="slidenum">
               <a:rPr lang="zh-CN" altLang="en-US" smtClean="0"/>
+              <a:t>12</a:t>
+            </a:fld>
+            <a:endParaRPr lang="zh-CN" altLang="en-US"/>
+          </a:p>
+        </p:txBody>
+      </p:sp>
+      <p:graphicFrame>
+        <p:nvGraphicFramePr>
+          <p:cNvPr id="6" name="表格 5">
+            <a:extLst>
+              <a:ext uri="{FF2B5EF4-FFF2-40B4-BE49-F238E27FC236}">
+                <a16:creationId xmlns:a16="http://schemas.microsoft.com/office/drawing/2014/main" id="{7DED68CD-6C5B-B6B6-E2FD-4B201A49C112}"/>
+              </a:ext>
+            </a:extLst>
+          </p:cNvPr>
+          <p:cNvGraphicFramePr>
+            <a:graphicFrameLocks noGrp="1"/>
+          </p:cNvGraphicFramePr>
+          <p:nvPr>
+            <p:extLst>
+              <p:ext uri="{D42A27DB-BD31-4B8C-83A1-F6EECF244321}">
+                <p14:modId xmlns:p14="http://schemas.microsoft.com/office/powerpoint/2010/main" val="2768361977"/>
+              </p:ext>
+            </p:extLst>
+          </p:nvPr>
+        </p:nvGraphicFramePr>
+        <p:xfrm>
+          <a:off x="1707931" y="2126036"/>
+          <a:ext cx="8184055" cy="2251523"/>
+        </p:xfrm>
+        <a:graphic>
+          <a:graphicData uri="http://schemas.openxmlformats.org/drawingml/2006/table">
+            <a:tbl>
+              <a:tblPr firstRow="1" bandRow="1">
+                <a:tableStyleId>{5C22544A-7EE6-4342-B048-85BDC9FD1C3A}</a:tableStyleId>
+              </a:tblPr>
+              <a:tblGrid>
+                <a:gridCol w="1636811">
+                  <a:extLst>
+                    <a:ext uri="{9D8B030D-6E8A-4147-A177-3AD203B41FA5}">
+                      <a16:colId xmlns:a16="http://schemas.microsoft.com/office/drawing/2014/main" val="2422364854"/>
+                    </a:ext>
+                  </a:extLst>
+                </a:gridCol>
+                <a:gridCol w="1636811">
+                  <a:extLst>
+                    <a:ext uri="{9D8B030D-6E8A-4147-A177-3AD203B41FA5}">
+                      <a16:colId xmlns:a16="http://schemas.microsoft.com/office/drawing/2014/main" val="746740908"/>
+                    </a:ext>
+                  </a:extLst>
+                </a:gridCol>
+                <a:gridCol w="1636811">
+                  <a:extLst>
+                    <a:ext uri="{9D8B030D-6E8A-4147-A177-3AD203B41FA5}">
+                      <a16:colId xmlns:a16="http://schemas.microsoft.com/office/drawing/2014/main" val="1119310147"/>
+                    </a:ext>
+                  </a:extLst>
+                </a:gridCol>
+                <a:gridCol w="1636811">
+                  <a:extLst>
+                    <a:ext uri="{9D8B030D-6E8A-4147-A177-3AD203B41FA5}">
+                      <a16:colId xmlns:a16="http://schemas.microsoft.com/office/drawing/2014/main" val="3797816791"/>
+                    </a:ext>
+                  </a:extLst>
+                </a:gridCol>
+                <a:gridCol w="1636811">
+                  <a:extLst>
+                    <a:ext uri="{9D8B030D-6E8A-4147-A177-3AD203B41FA5}">
+                      <a16:colId xmlns:a16="http://schemas.microsoft.com/office/drawing/2014/main" val="3398410451"/>
+                    </a:ext>
+                  </a:extLst>
+                </a:gridCol>
+              </a:tblGrid>
+              <a:tr h="422723">
+                <a:tc>
+                  <a:txBody>
+                    <a:bodyPr/>
+                    <a:lstStyle/>
+                    <a:p>
+                      <a:pPr algn="ctr"/>
+                      <a:r>
+                        <a:rPr lang="zh-CN" altLang="en-US" dirty="0"/>
+                        <a:t>运行时间（</a:t>
+                      </a:r>
+                      <a:r>
+                        <a:rPr lang="en-US" altLang="zh-CN" dirty="0" err="1"/>
+                        <a:t>ms</a:t>
+                      </a:r>
+                      <a:r>
+                        <a:rPr lang="zh-CN" altLang="en-US" dirty="0"/>
+                        <a:t>）</a:t>
+                      </a:r>
+                    </a:p>
+                  </a:txBody>
+                  <a:tcPr/>
+                </a:tc>
+                <a:tc>
+                  <a:txBody>
+                    <a:bodyPr/>
+                    <a:lstStyle/>
+                    <a:p>
+                      <a:pPr algn="ctr"/>
+                      <a:r>
+                        <a:rPr lang="zh-CN" altLang="en-US" dirty="0"/>
+                        <a:t>进程</a:t>
+                      </a:r>
+                      <a:r>
+                        <a:rPr lang="en-US" altLang="zh-CN" dirty="0"/>
+                        <a:t> 0</a:t>
+                      </a:r>
+                      <a:endParaRPr lang="zh-CN" altLang="en-US" dirty="0"/>
+                    </a:p>
+                  </a:txBody>
+                  <a:tcPr/>
+                </a:tc>
+                <a:tc>
+                  <a:txBody>
+                    <a:bodyPr/>
+                    <a:lstStyle/>
+                    <a:p>
+                      <a:pPr algn="ctr"/>
+                      <a:r>
+                        <a:rPr lang="zh-CN" altLang="en-US" dirty="0"/>
+                        <a:t>进程</a:t>
+                      </a:r>
+                      <a:r>
+                        <a:rPr lang="en-US" altLang="zh-CN" dirty="0"/>
+                        <a:t> 1</a:t>
+                      </a:r>
+                      <a:endParaRPr lang="zh-CN" altLang="en-US" dirty="0"/>
+                    </a:p>
+                  </a:txBody>
+                  <a:tcPr/>
+                </a:tc>
+                <a:tc>
+                  <a:txBody>
+                    <a:bodyPr/>
+                    <a:lstStyle/>
+                    <a:p>
+                      <a:pPr algn="ctr"/>
+                      <a:r>
+                        <a:rPr lang="zh-CN" altLang="en-US" dirty="0"/>
+                        <a:t>进程</a:t>
+                      </a:r>
+                      <a:r>
+                        <a:rPr lang="en-US" altLang="zh-CN" dirty="0"/>
+                        <a:t> 2</a:t>
+                      </a:r>
+                      <a:endParaRPr lang="zh-CN" altLang="en-US" dirty="0"/>
+                    </a:p>
+                  </a:txBody>
+                  <a:tcPr/>
+                </a:tc>
+                <a:tc>
+                  <a:txBody>
+                    <a:bodyPr/>
+                    <a:lstStyle/>
+                    <a:p>
+                      <a:pPr algn="ctr"/>
+                      <a:r>
+                        <a:rPr lang="zh-CN" altLang="en-US" dirty="0"/>
+                        <a:t>进程</a:t>
+                      </a:r>
+                      <a:r>
+                        <a:rPr lang="en-US" altLang="zh-CN" dirty="0"/>
+                        <a:t> 3</a:t>
+                      </a:r>
+                      <a:endParaRPr lang="zh-CN" altLang="en-US" dirty="0"/>
+                    </a:p>
+                  </a:txBody>
+                  <a:tcPr/>
+                </a:tc>
+                <a:extLst>
+                  <a:ext uri="{0D108BD9-81ED-4DB2-BD59-A6C34878D82A}">
+                    <a16:rowId xmlns:a16="http://schemas.microsoft.com/office/drawing/2014/main" val="41063219"/>
+                  </a:ext>
+                </a:extLst>
+              </a:tr>
+              <a:tr h="333966">
+                <a:tc>
+                  <a:txBody>
+                    <a:bodyPr/>
+                    <a:lstStyle/>
+                    <a:p>
+                      <a:pPr algn="ctr"/>
+                      <a:r>
+                        <a:rPr lang="en-US" altLang="zh-CN" dirty="0" err="1"/>
+                        <a:t>fifo</a:t>
+                      </a:r>
+                      <a:endParaRPr lang="zh-CN" altLang="en-US" dirty="0"/>
+                    </a:p>
+                  </a:txBody>
+                  <a:tcPr/>
+                </a:tc>
+                <a:tc>
+                  <a:txBody>
+                    <a:bodyPr/>
+                    <a:lstStyle/>
+                    <a:p>
+                      <a:pPr algn="ctr"/>
+                      <a:r>
+                        <a:rPr lang="en-US" altLang="zh-CN" dirty="0"/>
+                        <a:t>291</a:t>
+                      </a:r>
+                      <a:endParaRPr lang="zh-CN" altLang="en-US" dirty="0"/>
+                    </a:p>
+                  </a:txBody>
+                  <a:tcPr/>
+                </a:tc>
+                <a:tc>
+                  <a:txBody>
+                    <a:bodyPr/>
+                    <a:lstStyle/>
+                    <a:p>
+                      <a:pPr algn="ctr"/>
+                      <a:r>
+                        <a:rPr lang="en-US" altLang="zh-CN" dirty="0"/>
+                        <a:t>290</a:t>
+                      </a:r>
+                      <a:endParaRPr lang="zh-CN" altLang="en-US" dirty="0"/>
+                    </a:p>
+                  </a:txBody>
+                  <a:tcPr/>
+                </a:tc>
+                <a:tc>
+                  <a:txBody>
+                    <a:bodyPr/>
+                    <a:lstStyle/>
+                    <a:p>
+                      <a:pPr algn="ctr"/>
+                      <a:r>
+                        <a:rPr lang="en-US" altLang="zh-CN" dirty="0"/>
+                        <a:t>290</a:t>
+                      </a:r>
+                      <a:endParaRPr lang="zh-CN" altLang="en-US" dirty="0"/>
+                    </a:p>
+                  </a:txBody>
+                  <a:tcPr/>
+                </a:tc>
+                <a:tc>
+                  <a:txBody>
+                    <a:bodyPr/>
+                    <a:lstStyle/>
+                    <a:p>
+                      <a:pPr algn="ctr"/>
+                      <a:r>
+                        <a:rPr lang="en-US" altLang="zh-CN" dirty="0"/>
+                        <a:t>289</a:t>
+                      </a:r>
+                      <a:endParaRPr lang="zh-CN" altLang="en-US" dirty="0"/>
+                    </a:p>
+                  </a:txBody>
+                  <a:tcPr/>
+                </a:tc>
+                <a:extLst>
+                  <a:ext uri="{0D108BD9-81ED-4DB2-BD59-A6C34878D82A}">
+                    <a16:rowId xmlns:a16="http://schemas.microsoft.com/office/drawing/2014/main" val="1103445401"/>
+                  </a:ext>
+                </a:extLst>
+              </a:tr>
+              <a:tr h="333966">
+                <a:tc>
+                  <a:txBody>
+                    <a:bodyPr/>
+                    <a:lstStyle/>
+                    <a:p>
+                      <a:pPr algn="ctr"/>
+                      <a:r>
+                        <a:rPr lang="en-US" altLang="zh-CN" dirty="0" err="1"/>
+                        <a:t>rr</a:t>
+                      </a:r>
+                      <a:endParaRPr lang="en-US" altLang="zh-CN" dirty="0"/>
+                    </a:p>
+                  </a:txBody>
+                  <a:tcPr/>
+                </a:tc>
+                <a:tc>
+                  <a:txBody>
+                    <a:bodyPr/>
+                    <a:lstStyle/>
+                    <a:p>
+                      <a:pPr algn="ctr"/>
+                      <a:r>
+                        <a:rPr lang="en-US" altLang="zh-CN" dirty="0"/>
+                        <a:t>440</a:t>
+                      </a:r>
+                      <a:endParaRPr lang="zh-CN" altLang="en-US" dirty="0"/>
+                    </a:p>
+                  </a:txBody>
+                  <a:tcPr/>
+                </a:tc>
+                <a:tc>
+                  <a:txBody>
+                    <a:bodyPr/>
+                    <a:lstStyle/>
+                    <a:p>
+                      <a:pPr algn="ctr"/>
+                      <a:r>
+                        <a:rPr lang="en-US" altLang="zh-CN" dirty="0"/>
+                        <a:t>439</a:t>
+                      </a:r>
+                      <a:endParaRPr lang="zh-CN" altLang="en-US" dirty="0"/>
+                    </a:p>
+                  </a:txBody>
+                  <a:tcPr/>
+                </a:tc>
+                <a:tc>
+                  <a:txBody>
+                    <a:bodyPr/>
+                    <a:lstStyle/>
+                    <a:p>
+                      <a:pPr algn="ctr"/>
+                      <a:r>
+                        <a:rPr lang="en-US" altLang="zh-CN" dirty="0"/>
+                        <a:t>439</a:t>
+                      </a:r>
+                      <a:endParaRPr lang="zh-CN" altLang="en-US" dirty="0"/>
+                    </a:p>
+                  </a:txBody>
+                  <a:tcPr/>
+                </a:tc>
+                <a:tc>
+                  <a:txBody>
+                    <a:bodyPr/>
+                    <a:lstStyle/>
+                    <a:p>
+                      <a:pPr algn="ctr"/>
+                      <a:r>
+                        <a:rPr lang="en-US" altLang="zh-CN" dirty="0"/>
+                        <a:t>439</a:t>
+                      </a:r>
+                      <a:endParaRPr lang="zh-CN" altLang="en-US" dirty="0"/>
+                    </a:p>
+                  </a:txBody>
+                  <a:tcPr/>
+                </a:tc>
+                <a:extLst>
+                  <a:ext uri="{0D108BD9-81ED-4DB2-BD59-A6C34878D82A}">
+                    <a16:rowId xmlns:a16="http://schemas.microsoft.com/office/drawing/2014/main" val="2219017797"/>
+                  </a:ext>
+                </a:extLst>
+              </a:tr>
+              <a:tr h="333966">
+                <a:tc>
+                  <a:txBody>
+                    <a:bodyPr/>
+                    <a:lstStyle/>
+                    <a:p>
+                      <a:pPr algn="ctr"/>
+                      <a:r>
+                        <a:rPr lang="en-US" altLang="zh-CN" dirty="0" err="1"/>
+                        <a:t>cfs</a:t>
+                      </a:r>
+                      <a:endParaRPr lang="zh-CN" altLang="en-US" dirty="0"/>
+                    </a:p>
+                  </a:txBody>
+                  <a:tcPr/>
+                </a:tc>
+                <a:tc>
+                  <a:txBody>
+                    <a:bodyPr/>
+                    <a:lstStyle/>
+                    <a:p>
+                      <a:pPr algn="ctr"/>
+                      <a:r>
+                        <a:rPr lang="en-US" altLang="zh-CN" dirty="0"/>
+                        <a:t>522</a:t>
+                      </a:r>
+                      <a:endParaRPr lang="zh-CN" altLang="en-US" dirty="0"/>
+                    </a:p>
+                  </a:txBody>
+                  <a:tcPr/>
+                </a:tc>
+                <a:tc>
+                  <a:txBody>
+                    <a:bodyPr/>
+                    <a:lstStyle/>
+                    <a:p>
+                      <a:pPr algn="ctr"/>
+                      <a:r>
+                        <a:rPr lang="en-US" altLang="zh-CN" dirty="0"/>
+                        <a:t>414</a:t>
+                      </a:r>
+                      <a:endParaRPr lang="zh-CN" altLang="en-US" dirty="0"/>
+                    </a:p>
+                  </a:txBody>
+                  <a:tcPr/>
+                </a:tc>
+                <a:tc>
+                  <a:txBody>
+                    <a:bodyPr/>
+                    <a:lstStyle/>
+                    <a:p>
+                      <a:pPr algn="ctr"/>
+                      <a:r>
+                        <a:rPr lang="en-US" altLang="zh-CN" dirty="0"/>
+                        <a:t>477</a:t>
+                      </a:r>
+                      <a:endParaRPr lang="zh-CN" altLang="en-US" dirty="0"/>
+                    </a:p>
+                  </a:txBody>
+                  <a:tcPr/>
+                </a:tc>
+                <a:tc>
+                  <a:txBody>
+                    <a:bodyPr/>
+                    <a:lstStyle/>
+                    <a:p>
+                      <a:pPr algn="ctr"/>
+                      <a:r>
+                        <a:rPr lang="en-US" altLang="zh-CN" dirty="0"/>
+                        <a:t>469</a:t>
+                      </a:r>
+                      <a:endParaRPr lang="zh-CN" altLang="en-US" dirty="0"/>
+                    </a:p>
+                  </a:txBody>
+                  <a:tcPr/>
+                </a:tc>
+                <a:extLst>
+                  <a:ext uri="{0D108BD9-81ED-4DB2-BD59-A6C34878D82A}">
+                    <a16:rowId xmlns:a16="http://schemas.microsoft.com/office/drawing/2014/main" val="3572013608"/>
+                  </a:ext>
+                </a:extLst>
+              </a:tr>
+              <a:tr h="333966">
+                <a:tc>
+                  <a:txBody>
+                    <a:bodyPr/>
+                    <a:lstStyle/>
+                    <a:p>
+                      <a:pPr algn="ctr"/>
+                      <a:r>
+                        <a:rPr lang="en-US" altLang="zh-CN" dirty="0" err="1"/>
+                        <a:t>sjf</a:t>
+                      </a:r>
+                      <a:endParaRPr lang="zh-CN" altLang="en-US" dirty="0"/>
+                    </a:p>
+                  </a:txBody>
+                  <a:tcPr/>
+                </a:tc>
+                <a:tc>
+                  <a:txBody>
+                    <a:bodyPr/>
+                    <a:lstStyle/>
+                    <a:p>
+                      <a:pPr algn="ctr"/>
+                      <a:r>
+                        <a:rPr lang="en-US" altLang="zh-CN" dirty="0"/>
+                        <a:t>501</a:t>
+                      </a:r>
+                      <a:endParaRPr lang="zh-CN" altLang="en-US" dirty="0"/>
+                    </a:p>
+                  </a:txBody>
+                  <a:tcPr/>
+                </a:tc>
+                <a:tc>
+                  <a:txBody>
+                    <a:bodyPr/>
+                    <a:lstStyle/>
+                    <a:p>
+                      <a:pPr algn="ctr"/>
+                      <a:r>
+                        <a:rPr lang="en-US" altLang="zh-CN" dirty="0"/>
+                        <a:t>390</a:t>
+                      </a:r>
+                      <a:endParaRPr lang="zh-CN" altLang="en-US" dirty="0"/>
+                    </a:p>
+                  </a:txBody>
+                  <a:tcPr/>
+                </a:tc>
+                <a:tc>
+                  <a:txBody>
+                    <a:bodyPr/>
+                    <a:lstStyle/>
+                    <a:p>
+                      <a:pPr algn="ctr"/>
+                      <a:r>
+                        <a:rPr lang="en-US" altLang="zh-CN" dirty="0"/>
+                        <a:t>455</a:t>
+                      </a:r>
+                      <a:endParaRPr lang="zh-CN" altLang="en-US" dirty="0"/>
+                    </a:p>
+                  </a:txBody>
+                  <a:tcPr/>
+                </a:tc>
+                <a:tc>
+                  <a:txBody>
+                    <a:bodyPr/>
+                    <a:lstStyle/>
+                    <a:p>
+                      <a:pPr algn="ctr"/>
+                      <a:r>
+                        <a:rPr lang="en-US" altLang="zh-CN" dirty="0"/>
+                        <a:t>445</a:t>
+                      </a:r>
+                      <a:endParaRPr lang="zh-CN" altLang="en-US" dirty="0"/>
+                    </a:p>
+                  </a:txBody>
+                  <a:tcPr/>
+                </a:tc>
+                <a:extLst>
+                  <a:ext uri="{0D108BD9-81ED-4DB2-BD59-A6C34878D82A}">
+                    <a16:rowId xmlns:a16="http://schemas.microsoft.com/office/drawing/2014/main" val="491370893"/>
+                  </a:ext>
+                </a:extLst>
+              </a:tr>
+              <a:tr h="333966">
+                <a:tc>
+                  <a:txBody>
+                    <a:bodyPr/>
+                    <a:lstStyle/>
+                    <a:p>
+                      <a:pPr algn="ctr"/>
+                      <a:r>
+                        <a:rPr lang="en-US" altLang="zh-CN" dirty="0" err="1"/>
+                        <a:t>mlfq</a:t>
+                      </a:r>
+                      <a:endParaRPr lang="zh-CN" altLang="en-US" dirty="0"/>
+                    </a:p>
+                  </a:txBody>
+                  <a:tcPr/>
+                </a:tc>
+                <a:tc>
+                  <a:txBody>
+                    <a:bodyPr/>
+                    <a:lstStyle/>
+                    <a:p>
+                      <a:pPr algn="ctr"/>
+                      <a:r>
+                        <a:rPr lang="en-US" altLang="zh-CN" dirty="0"/>
+                        <a:t>407</a:t>
+                      </a:r>
+                      <a:endParaRPr lang="zh-CN" altLang="en-US" dirty="0"/>
+                    </a:p>
+                  </a:txBody>
+                  <a:tcPr/>
+                </a:tc>
+                <a:tc>
+                  <a:txBody>
+                    <a:bodyPr/>
+                    <a:lstStyle/>
+                    <a:p>
+                      <a:pPr algn="ctr"/>
+                      <a:r>
+                        <a:rPr lang="en-US" altLang="zh-CN" dirty="0"/>
+                        <a:t>407</a:t>
+                      </a:r>
+                      <a:endParaRPr lang="zh-CN" altLang="en-US" dirty="0"/>
+                    </a:p>
+                  </a:txBody>
+                  <a:tcPr/>
+                </a:tc>
+                <a:tc>
+                  <a:txBody>
+                    <a:bodyPr/>
+                    <a:lstStyle/>
+                    <a:p>
+                      <a:pPr algn="ctr"/>
+                      <a:r>
+                        <a:rPr lang="en-US" altLang="zh-CN" dirty="0"/>
+                        <a:t>407</a:t>
+                      </a:r>
+                      <a:endParaRPr lang="zh-CN" altLang="en-US" dirty="0"/>
+                    </a:p>
+                  </a:txBody>
+                  <a:tcPr/>
+                </a:tc>
+                <a:tc>
+                  <a:txBody>
+                    <a:bodyPr/>
+                    <a:lstStyle/>
+                    <a:p>
+                      <a:pPr algn="ctr"/>
+                      <a:r>
+                        <a:rPr lang="en-US" altLang="zh-CN" dirty="0"/>
+                        <a:t>406</a:t>
+                      </a:r>
+                      <a:endParaRPr lang="zh-CN" altLang="en-US" dirty="0"/>
+                    </a:p>
+                  </a:txBody>
+                  <a:tcPr/>
+                </a:tc>
+                <a:extLst>
+                  <a:ext uri="{0D108BD9-81ED-4DB2-BD59-A6C34878D82A}">
+                    <a16:rowId xmlns:a16="http://schemas.microsoft.com/office/drawing/2014/main" val="4271129800"/>
+                  </a:ext>
+                </a:extLst>
+              </a:tr>
+            </a:tbl>
+          </a:graphicData>
+        </a:graphic>
+      </p:graphicFrame>
+      <p:sp>
+        <p:nvSpPr>
+          <p:cNvPr id="5" name="内容占位符 2">
+            <a:extLst>
+              <a:ext uri="{FF2B5EF4-FFF2-40B4-BE49-F238E27FC236}">
+                <a16:creationId xmlns:a16="http://schemas.microsoft.com/office/drawing/2014/main" id="{8EBCD865-6078-12E3-CEF3-BBB2896A84E5}"/>
+              </a:ext>
+            </a:extLst>
+          </p:cNvPr>
+          <p:cNvSpPr txBox="1">
+            <a:spLocks/>
+          </p:cNvSpPr>
+          <p:nvPr/>
+        </p:nvSpPr>
+        <p:spPr>
+          <a:xfrm>
+            <a:off x="722586" y="4971109"/>
+            <a:ext cx="10515600" cy="1009047"/>
+          </a:xfrm>
+          <a:prstGeom prst="rect">
+            <a:avLst/>
+          </a:prstGeom>
+        </p:spPr>
+        <p:txBody>
+          <a:bodyPr vert="horz" lIns="91440" tIns="45720" rIns="91440" bIns="45720" rtlCol="0">
+            <a:noAutofit/>
+          </a:bodyPr>
+          <a:lstStyle>
+            <a:lvl1pPr marL="228600" indent="-228600" algn="l" defTabSz="914400" rtl="0" eaLnBrk="1" latinLnBrk="0" hangingPunct="1">
+              <a:lnSpc>
+                <a:spcPct val="90000"/>
+              </a:lnSpc>
+              <a:spcBef>
+                <a:spcPts val="1000"/>
+              </a:spcBef>
+              <a:buFont typeface="Arial" panose="020B0604020202020204" pitchFamily="34" charset="0"/>
+              <a:buChar char="•"/>
+              <a:defRPr sz="2800" kern="1200">
+                <a:solidFill>
+                  <a:schemeClr val="tx1"/>
+                </a:solidFill>
+                <a:latin typeface="+mn-lt"/>
+                <a:ea typeface="+mn-ea"/>
+                <a:cs typeface="+mn-cs"/>
+              </a:defRPr>
+            </a:lvl1pPr>
+            <a:lvl2pPr marL="685800" indent="-228600" algn="l" defTabSz="914400" rtl="0" eaLnBrk="1" latinLnBrk="0" hangingPunct="1">
+              <a:lnSpc>
+                <a:spcPct val="90000"/>
+              </a:lnSpc>
+              <a:spcBef>
+                <a:spcPts val="500"/>
+              </a:spcBef>
+              <a:buFont typeface="Arial" panose="020B0604020202020204" pitchFamily="34" charset="0"/>
+              <a:buChar char="•"/>
+              <a:defRPr sz="2400" kern="1200">
+                <a:solidFill>
+                  <a:schemeClr val="tx1"/>
+                </a:solidFill>
+                <a:latin typeface="+mn-lt"/>
+                <a:ea typeface="+mn-ea"/>
+                <a:cs typeface="+mn-cs"/>
+              </a:defRPr>
+            </a:lvl2pPr>
+            <a:lvl3pPr marL="1143000" indent="-228600" algn="l" defTabSz="914400" rtl="0" eaLnBrk="1" latinLnBrk="0" hangingPunct="1">
+              <a:lnSpc>
+                <a:spcPct val="90000"/>
+              </a:lnSpc>
+              <a:spcBef>
+                <a:spcPts val="500"/>
+              </a:spcBef>
+              <a:buFont typeface="Arial" panose="020B0604020202020204" pitchFamily="34" charset="0"/>
+              <a:buChar char="•"/>
+              <a:defRPr sz="2000" kern="1200">
+                <a:solidFill>
+                  <a:schemeClr val="tx1"/>
+                </a:solidFill>
+                <a:latin typeface="+mn-lt"/>
+                <a:ea typeface="+mn-ea"/>
+                <a:cs typeface="+mn-cs"/>
+              </a:defRPr>
+            </a:lvl3pPr>
+            <a:lvl4pPr marL="1600200" indent="-228600" algn="l" defTabSz="914400" rtl="0" eaLnBrk="1" latinLnBrk="0" hangingPunct="1">
+              <a:lnSpc>
+                <a:spcPct val="90000"/>
+              </a:lnSpc>
+              <a:spcBef>
+                <a:spcPts val="500"/>
+              </a:spcBef>
+              <a:buFont typeface="Arial" panose="020B0604020202020204" pitchFamily="34" charset="0"/>
+              <a:buChar char="•"/>
+              <a:defRPr sz="1800" kern="1200">
+                <a:solidFill>
+                  <a:schemeClr val="tx1"/>
+                </a:solidFill>
+                <a:latin typeface="+mn-lt"/>
+                <a:ea typeface="+mn-ea"/>
+                <a:cs typeface="+mn-cs"/>
+              </a:defRPr>
+            </a:lvl4pPr>
+            <a:lvl5pPr marL="2057400" indent="-228600" algn="l" defTabSz="914400" rtl="0" eaLnBrk="1" latinLnBrk="0" hangingPunct="1">
+              <a:lnSpc>
+                <a:spcPct val="90000"/>
+              </a:lnSpc>
+              <a:spcBef>
+                <a:spcPts val="500"/>
+              </a:spcBef>
+              <a:buFont typeface="Arial" panose="020B0604020202020204" pitchFamily="34" charset="0"/>
+              <a:buChar char="•"/>
+              <a:defRPr sz="1800" kern="1200">
+                <a:solidFill>
+                  <a:schemeClr val="tx1"/>
+                </a:solidFill>
+                <a:latin typeface="+mn-lt"/>
+                <a:ea typeface="+mn-ea"/>
+                <a:cs typeface="+mn-cs"/>
+              </a:defRPr>
+            </a:lvl5pPr>
+            <a:lvl6pPr marL="2514600" indent="-228600" algn="l" defTabSz="914400" rtl="0" eaLnBrk="1" latinLnBrk="0" hangingPunct="1">
+              <a:lnSpc>
+                <a:spcPct val="90000"/>
+              </a:lnSpc>
+              <a:spcBef>
+                <a:spcPts val="500"/>
+              </a:spcBef>
+              <a:buFont typeface="Arial" panose="020B0604020202020204" pitchFamily="34" charset="0"/>
+              <a:buChar char="•"/>
+              <a:defRPr sz="1800" kern="1200">
+                <a:solidFill>
+                  <a:schemeClr val="tx1"/>
+                </a:solidFill>
+                <a:latin typeface="+mn-lt"/>
+                <a:ea typeface="+mn-ea"/>
+                <a:cs typeface="+mn-cs"/>
+              </a:defRPr>
+            </a:lvl6pPr>
+            <a:lvl7pPr marL="2971800" indent="-228600" algn="l" defTabSz="914400" rtl="0" eaLnBrk="1" latinLnBrk="0" hangingPunct="1">
+              <a:lnSpc>
+                <a:spcPct val="90000"/>
+              </a:lnSpc>
+              <a:spcBef>
+                <a:spcPts val="500"/>
+              </a:spcBef>
+              <a:buFont typeface="Arial" panose="020B0604020202020204" pitchFamily="34" charset="0"/>
+              <a:buChar char="•"/>
+              <a:defRPr sz="1800" kern="1200">
+                <a:solidFill>
+                  <a:schemeClr val="tx1"/>
+                </a:solidFill>
+                <a:latin typeface="+mn-lt"/>
+                <a:ea typeface="+mn-ea"/>
+                <a:cs typeface="+mn-cs"/>
+              </a:defRPr>
+            </a:lvl7pPr>
+            <a:lvl8pPr marL="3429000" indent="-228600" algn="l" defTabSz="914400" rtl="0" eaLnBrk="1" latinLnBrk="0" hangingPunct="1">
+              <a:lnSpc>
+                <a:spcPct val="90000"/>
+              </a:lnSpc>
+              <a:spcBef>
+                <a:spcPts val="500"/>
+              </a:spcBef>
+              <a:buFont typeface="Arial" panose="020B0604020202020204" pitchFamily="34" charset="0"/>
+              <a:buChar char="•"/>
+              <a:defRPr sz="1800" kern="1200">
+                <a:solidFill>
+                  <a:schemeClr val="tx1"/>
+                </a:solidFill>
+                <a:latin typeface="+mn-lt"/>
+                <a:ea typeface="+mn-ea"/>
+                <a:cs typeface="+mn-cs"/>
+              </a:defRPr>
+            </a:lvl8pPr>
+            <a:lvl9pPr marL="3886200" indent="-228600" algn="l" defTabSz="914400" rtl="0" eaLnBrk="1" latinLnBrk="0" hangingPunct="1">
+              <a:lnSpc>
+                <a:spcPct val="90000"/>
+              </a:lnSpc>
+              <a:spcBef>
+                <a:spcPts val="500"/>
+              </a:spcBef>
+              <a:buFont typeface="Arial" panose="020B0604020202020204" pitchFamily="34" charset="0"/>
+              <a:buChar char="•"/>
+              <a:defRPr sz="1800" kern="1200">
+                <a:solidFill>
+                  <a:schemeClr val="tx1"/>
+                </a:solidFill>
+                <a:latin typeface="+mn-lt"/>
+                <a:ea typeface="+mn-ea"/>
+                <a:cs typeface="+mn-cs"/>
+              </a:defRPr>
+            </a:lvl9pPr>
+          </a:lstStyle>
+          <a:p>
+            <a:pPr>
+              <a:lnSpc>
+                <a:spcPct val="150000"/>
+              </a:lnSpc>
+            </a:pPr>
+            <a:r>
+              <a:rPr lang="zh-CN" altLang="en-US" sz="2000" b="1" dirty="0">
+                <a:latin typeface="微软雅黑" panose="020B0503020204020204" pitchFamily="34" charset="-122"/>
+                <a:ea typeface="微软雅黑" panose="020B0503020204020204" pitchFamily="34" charset="-122"/>
+              </a:rPr>
+              <a:t>结论</a:t>
+            </a:r>
+            <a:r>
+              <a:rPr lang="zh-CN" altLang="en-US" sz="2000" dirty="0">
+                <a:latin typeface="微软雅黑" panose="020B0503020204020204" pitchFamily="34" charset="-122"/>
+                <a:ea typeface="微软雅黑" panose="020B0503020204020204" pitchFamily="34" charset="-122"/>
+              </a:rPr>
+              <a:t>：调度算法速度由快到慢依次为：</a:t>
+            </a:r>
+            <a:r>
+              <a:rPr lang="en-US" altLang="zh-CN" sz="2000" dirty="0" err="1">
+                <a:latin typeface="微软雅黑" panose="020B0503020204020204" pitchFamily="34" charset="-122"/>
+                <a:ea typeface="微软雅黑" panose="020B0503020204020204" pitchFamily="34" charset="-122"/>
+              </a:rPr>
+              <a:t>fifo</a:t>
+            </a:r>
+            <a:r>
+              <a:rPr lang="en-US" altLang="zh-CN" sz="2000" dirty="0">
+                <a:latin typeface="微软雅黑" panose="020B0503020204020204" pitchFamily="34" charset="-122"/>
+                <a:ea typeface="微软雅黑" panose="020B0503020204020204" pitchFamily="34" charset="-122"/>
+              </a:rPr>
+              <a:t>, </a:t>
+            </a:r>
+            <a:r>
+              <a:rPr lang="en-US" altLang="zh-CN" sz="2000" dirty="0" err="1">
+                <a:latin typeface="微软雅黑" panose="020B0503020204020204" pitchFamily="34" charset="-122"/>
+                <a:ea typeface="微软雅黑" panose="020B0503020204020204" pitchFamily="34" charset="-122"/>
+              </a:rPr>
+              <a:t>mlfq</a:t>
+            </a:r>
+            <a:r>
+              <a:rPr lang="en-US" altLang="zh-CN" sz="2000" dirty="0">
+                <a:latin typeface="微软雅黑" panose="020B0503020204020204" pitchFamily="34" charset="-122"/>
+                <a:ea typeface="微软雅黑" panose="020B0503020204020204" pitchFamily="34" charset="-122"/>
+              </a:rPr>
+              <a:t>, </a:t>
+            </a:r>
+            <a:r>
+              <a:rPr lang="en-US" altLang="zh-CN" sz="2000" dirty="0" err="1">
+                <a:latin typeface="微软雅黑" panose="020B0503020204020204" pitchFamily="34" charset="-122"/>
+                <a:ea typeface="微软雅黑" panose="020B0503020204020204" pitchFamily="34" charset="-122"/>
+              </a:rPr>
+              <a:t>rr</a:t>
+            </a:r>
+            <a:r>
+              <a:rPr lang="en-US" altLang="zh-CN" sz="2000" dirty="0">
+                <a:latin typeface="微软雅黑" panose="020B0503020204020204" pitchFamily="34" charset="-122"/>
+                <a:ea typeface="微软雅黑" panose="020B0503020204020204" pitchFamily="34" charset="-122"/>
+              </a:rPr>
+              <a:t>, </a:t>
+            </a:r>
+            <a:r>
+              <a:rPr lang="en-US" altLang="zh-CN" sz="2000" dirty="0" err="1">
+                <a:latin typeface="微软雅黑" panose="020B0503020204020204" pitchFamily="34" charset="-122"/>
+                <a:ea typeface="微软雅黑" panose="020B0503020204020204" pitchFamily="34" charset="-122"/>
+              </a:rPr>
+              <a:t>sjf</a:t>
+            </a:r>
+            <a:r>
+              <a:rPr lang="en-US" altLang="zh-CN" sz="2000" dirty="0">
+                <a:latin typeface="微软雅黑" panose="020B0503020204020204" pitchFamily="34" charset="-122"/>
+                <a:ea typeface="微软雅黑" panose="020B0503020204020204" pitchFamily="34" charset="-122"/>
+              </a:rPr>
+              <a:t>, </a:t>
+            </a:r>
+            <a:r>
+              <a:rPr lang="en-US" altLang="zh-CN" sz="2000" dirty="0" err="1">
+                <a:latin typeface="微软雅黑" panose="020B0503020204020204" pitchFamily="34" charset="-122"/>
+                <a:ea typeface="微软雅黑" panose="020B0503020204020204" pitchFamily="34" charset="-122"/>
+              </a:rPr>
+              <a:t>cfs</a:t>
+            </a:r>
+            <a:r>
+              <a:rPr lang="zh-CN" altLang="en-US" sz="2000" dirty="0">
+                <a:latin typeface="微软雅黑" panose="020B0503020204020204" pitchFamily="34" charset="-122"/>
+                <a:ea typeface="微软雅黑" panose="020B0503020204020204" pitchFamily="34" charset="-122"/>
+              </a:rPr>
+              <a:t>。该顺序与算法计算复杂程度相关，</a:t>
+            </a:r>
+            <a:r>
+              <a:rPr lang="en-US" altLang="zh-CN" sz="2000" dirty="0" err="1">
+                <a:latin typeface="微软雅黑" panose="020B0503020204020204" pitchFamily="34" charset="-122"/>
+                <a:ea typeface="微软雅黑" panose="020B0503020204020204" pitchFamily="34" charset="-122"/>
+              </a:rPr>
+              <a:t>sjf</a:t>
+            </a:r>
+            <a:r>
+              <a:rPr lang="en-US" altLang="zh-CN" sz="2000" dirty="0">
+                <a:latin typeface="微软雅黑" panose="020B0503020204020204" pitchFamily="34" charset="-122"/>
+                <a:ea typeface="微软雅黑" panose="020B0503020204020204" pitchFamily="34" charset="-122"/>
+              </a:rPr>
+              <a:t> </a:t>
+            </a:r>
+            <a:r>
+              <a:rPr lang="zh-CN" altLang="en-US" sz="2000" dirty="0">
+                <a:latin typeface="微软雅黑" panose="020B0503020204020204" pitchFamily="34" charset="-122"/>
+                <a:ea typeface="微软雅黑" panose="020B0503020204020204" pitchFamily="34" charset="-122"/>
+              </a:rPr>
+              <a:t>和 </a:t>
+            </a:r>
+            <a:r>
+              <a:rPr lang="en-US" altLang="zh-CN" sz="2000" dirty="0" err="1">
+                <a:latin typeface="微软雅黑" panose="020B0503020204020204" pitchFamily="34" charset="-122"/>
+                <a:ea typeface="微软雅黑" panose="020B0503020204020204" pitchFamily="34" charset="-122"/>
+              </a:rPr>
+              <a:t>cfs</a:t>
+            </a:r>
+            <a:r>
+              <a:rPr lang="en-US" altLang="zh-CN" sz="2000" dirty="0">
+                <a:latin typeface="微软雅黑" panose="020B0503020204020204" pitchFamily="34" charset="-122"/>
+                <a:ea typeface="微软雅黑" panose="020B0503020204020204" pitchFamily="34" charset="-122"/>
+              </a:rPr>
+              <a:t> </a:t>
+            </a:r>
+            <a:r>
+              <a:rPr lang="zh-CN" altLang="en-US" sz="2000" dirty="0">
+                <a:latin typeface="微软雅黑" panose="020B0503020204020204" pitchFamily="34" charset="-122"/>
+                <a:ea typeface="微软雅黑" panose="020B0503020204020204" pitchFamily="34" charset="-122"/>
+              </a:rPr>
+              <a:t>由于需要使用优先队列，调度速度较慢。</a:t>
+            </a:r>
+            <a:endParaRPr lang="en-US" altLang="zh-CN" sz="2000" dirty="0">
+              <a:latin typeface="微软雅黑" panose="020B0503020204020204" pitchFamily="34" charset="-122"/>
+              <a:ea typeface="微软雅黑" panose="020B0503020204020204" pitchFamily="34" charset="-122"/>
+            </a:endParaRPr>
+          </a:p>
+        </p:txBody>
+      </p:sp>
+    </p:spTree>
+    <p:extLst>
+      <p:ext uri="{BB962C8B-B14F-4D97-AF65-F5344CB8AC3E}">
+        <p14:creationId xmlns:p14="http://schemas.microsoft.com/office/powerpoint/2010/main" val="2486973854"/>
+      </p:ext>
+    </p:extLst>
+  </p:cSld>
+  <p:clrMapOvr>
+    <a:masterClrMapping/>
+  </p:clrMapOvr>
+</p:sld>
+</file>
+
+<file path=ppt/slides/slide13.xml><?xml version="1.0" encoding="utf-8"?>
+<p:sld xmlns:a="http://schemas.openxmlformats.org/drawingml/2006/main" xmlns:r="http://schemas.openxmlformats.org/officeDocument/2006/relationships" xmlns:p="http://schemas.openxmlformats.org/presentationml/2006/main">
+  <p:cSld>
+    <p:spTree>
+      <p:nvGrpSpPr>
+        <p:cNvPr id="1" name=""/>
+        <p:cNvGrpSpPr/>
+        <p:nvPr/>
+      </p:nvGrpSpPr>
+      <p:grpSpPr>
+        <a:xfrm>
+          <a:off x="0" y="0"/>
+          <a:ext cx="0" cy="0"/>
+          <a:chOff x="0" y="0"/>
+          <a:chExt cx="0" cy="0"/>
+        </a:xfrm>
+      </p:grpSpPr>
+      <p:sp>
+        <p:nvSpPr>
+          <p:cNvPr id="2" name="标题 1">
+            <a:extLst>
+              <a:ext uri="{FF2B5EF4-FFF2-40B4-BE49-F238E27FC236}">
+                <a16:creationId xmlns:a16="http://schemas.microsoft.com/office/drawing/2014/main" id="{80DFE90A-A2E0-9AE6-F76D-10DC3FF105F1}"/>
+              </a:ext>
+            </a:extLst>
+          </p:cNvPr>
+          <p:cNvSpPr>
+            <a:spLocks noGrp="1"/>
+          </p:cNvSpPr>
+          <p:nvPr>
+            <p:ph type="title"/>
+          </p:nvPr>
+        </p:nvSpPr>
+        <p:spPr>
+          <a:xfrm>
+            <a:off x="722586" y="131378"/>
+            <a:ext cx="6356131" cy="777766"/>
+          </a:xfrm>
+        </p:spPr>
+        <p:txBody>
+          <a:bodyPr>
+            <a:normAutofit/>
+          </a:bodyPr>
+          <a:lstStyle/>
+          <a:p>
+            <a:r>
+              <a:rPr lang="en-US" altLang="zh-CN" sz="2800" b="1" dirty="0" err="1">
+                <a:latin typeface="微软雅黑" panose="020B0503020204020204" pitchFamily="34" charset="-122"/>
+                <a:ea typeface="微软雅黑" panose="020B0503020204020204" pitchFamily="34" charset="-122"/>
+              </a:rPr>
+              <a:t>ArceOS</a:t>
+            </a:r>
+            <a:r>
+              <a:rPr lang="en-US" altLang="zh-CN" sz="2800" b="1" dirty="0">
+                <a:latin typeface="微软雅黑" panose="020B0503020204020204" pitchFamily="34" charset="-122"/>
+                <a:ea typeface="微软雅黑" panose="020B0503020204020204" pitchFamily="34" charset="-122"/>
+              </a:rPr>
+              <a:t> </a:t>
+            </a:r>
+            <a:r>
+              <a:rPr lang="zh-CN" altLang="en-US" sz="2800" b="1" dirty="0">
+                <a:latin typeface="微软雅黑" panose="020B0503020204020204" pitchFamily="34" charset="-122"/>
+                <a:ea typeface="微软雅黑" panose="020B0503020204020204" pitchFamily="34" charset="-122"/>
+              </a:rPr>
+              <a:t>调度算法测试</a:t>
+            </a:r>
+            <a:r>
+              <a:rPr lang="en-US" altLang="zh-CN" sz="2800" b="1" dirty="0">
+                <a:latin typeface="微软雅黑" panose="020B0503020204020204" pitchFamily="34" charset="-122"/>
+                <a:ea typeface="微软雅黑" panose="020B0503020204020204" pitchFamily="34" charset="-122"/>
+              </a:rPr>
+              <a:t>——</a:t>
+            </a:r>
+            <a:r>
+              <a:rPr lang="en-US" altLang="zh-CN" sz="2800" b="1" dirty="0" err="1">
+                <a:latin typeface="微软雅黑" panose="020B0503020204020204" pitchFamily="34" charset="-122"/>
+                <a:ea typeface="微软雅黑" panose="020B0503020204020204" pitchFamily="34" charset="-122"/>
+              </a:rPr>
+              <a:t>realtime</a:t>
+            </a:r>
+            <a:endParaRPr lang="zh-CN" altLang="en-US" sz="2800" b="1" dirty="0">
+              <a:latin typeface="微软雅黑" panose="020B0503020204020204" pitchFamily="34" charset="-122"/>
+              <a:ea typeface="微软雅黑" panose="020B0503020204020204" pitchFamily="34" charset="-122"/>
+            </a:endParaRPr>
+          </a:p>
+        </p:txBody>
+      </p:sp>
+      <p:sp>
+        <p:nvSpPr>
+          <p:cNvPr id="3" name="内容占位符 2">
+            <a:extLst>
+              <a:ext uri="{FF2B5EF4-FFF2-40B4-BE49-F238E27FC236}">
+                <a16:creationId xmlns:a16="http://schemas.microsoft.com/office/drawing/2014/main" id="{C751BD92-A3AB-5B8B-346D-D89533801201}"/>
+              </a:ext>
+            </a:extLst>
+          </p:cNvPr>
+          <p:cNvSpPr>
+            <a:spLocks noGrp="1"/>
+          </p:cNvSpPr>
+          <p:nvPr>
+            <p:ph idx="1"/>
+          </p:nvPr>
+        </p:nvSpPr>
+        <p:spPr>
+          <a:xfrm>
+            <a:off x="722586" y="1045725"/>
+            <a:ext cx="10515600" cy="1009047"/>
+          </a:xfrm>
+        </p:spPr>
+        <p:txBody>
+          <a:bodyPr>
+            <a:noAutofit/>
+          </a:bodyPr>
+          <a:lstStyle/>
+          <a:p>
+            <a:pPr>
+              <a:lnSpc>
+                <a:spcPct val="150000"/>
+              </a:lnSpc>
+            </a:pPr>
+            <a:r>
+              <a:rPr lang="zh-CN" altLang="en-US" sz="2000" b="1" dirty="0">
+                <a:latin typeface="微软雅黑" panose="020B0503020204020204" pitchFamily="34" charset="-122"/>
+                <a:ea typeface="微软雅黑" panose="020B0503020204020204" pitchFamily="34" charset="-122"/>
+              </a:rPr>
+              <a:t>设计思路</a:t>
+            </a:r>
+            <a:r>
+              <a:rPr lang="zh-CN" altLang="en-US" sz="2000" dirty="0">
+                <a:latin typeface="微软雅黑" panose="020B0503020204020204" pitchFamily="34" charset="-122"/>
+                <a:ea typeface="微软雅黑" panose="020B0503020204020204" pitchFamily="34" charset="-122"/>
+              </a:rPr>
+              <a:t>：有 </a:t>
+            </a:r>
+            <a:r>
+              <a:rPr lang="en-US" altLang="zh-CN" sz="2000" dirty="0">
+                <a:latin typeface="微软雅黑" panose="020B0503020204020204" pitchFamily="34" charset="-122"/>
+                <a:ea typeface="微软雅黑" panose="020B0503020204020204" pitchFamily="34" charset="-122"/>
+              </a:rPr>
+              <a:t>4 </a:t>
+            </a:r>
+            <a:r>
+              <a:rPr lang="zh-CN" altLang="en-US" sz="2000" dirty="0">
+                <a:latin typeface="微软雅黑" panose="020B0503020204020204" pitchFamily="34" charset="-122"/>
+                <a:ea typeface="微软雅黑" panose="020B0503020204020204" pitchFamily="34" charset="-122"/>
+              </a:rPr>
+              <a:t>个短任务，</a:t>
+            </a:r>
+            <a:r>
+              <a:rPr lang="en-US" altLang="zh-CN" sz="2000" dirty="0">
+                <a:latin typeface="微软雅黑" panose="020B0503020204020204" pitchFamily="34" charset="-122"/>
+                <a:ea typeface="微软雅黑" panose="020B0503020204020204" pitchFamily="34" charset="-122"/>
+              </a:rPr>
+              <a:t>yield </a:t>
+            </a:r>
+            <a:r>
+              <a:rPr lang="zh-CN" altLang="en-US" sz="2000" dirty="0">
+                <a:latin typeface="微软雅黑" panose="020B0503020204020204" pitchFamily="34" charset="-122"/>
+                <a:ea typeface="微软雅黑" panose="020B0503020204020204" pitchFamily="34" charset="-122"/>
+              </a:rPr>
+              <a:t>次数分别是 </a:t>
+            </a:r>
+            <a:r>
+              <a:rPr lang="en-US" altLang="zh-CN" sz="2000" dirty="0">
+                <a:latin typeface="微软雅黑" panose="020B0503020204020204" pitchFamily="34" charset="-122"/>
+                <a:ea typeface="微软雅黑" panose="020B0503020204020204" pitchFamily="34" charset="-122"/>
+              </a:rPr>
+              <a:t>50000, 100000, 200000,</a:t>
+            </a:r>
+            <a:r>
+              <a:rPr lang="zh-CN" altLang="en-US" sz="2000" dirty="0">
+                <a:latin typeface="微软雅黑" panose="020B0503020204020204" pitchFamily="34" charset="-122"/>
+                <a:ea typeface="微软雅黑" panose="020B0503020204020204" pitchFamily="34" charset="-122"/>
+              </a:rPr>
+              <a:t> </a:t>
+            </a:r>
+            <a:r>
+              <a:rPr lang="en-US" altLang="zh-CN" sz="2000" dirty="0">
+                <a:latin typeface="微软雅黑" panose="020B0503020204020204" pitchFamily="34" charset="-122"/>
+                <a:ea typeface="微软雅黑" panose="020B0503020204020204" pitchFamily="34" charset="-122"/>
+              </a:rPr>
+              <a:t>500000</a:t>
+            </a:r>
+            <a:r>
+              <a:rPr lang="zh-CN" altLang="en-US" sz="2000" dirty="0">
+                <a:latin typeface="微软雅黑" panose="020B0503020204020204" pitchFamily="34" charset="-122"/>
+                <a:ea typeface="微软雅黑" panose="020B0503020204020204" pitchFamily="34" charset="-122"/>
+              </a:rPr>
+              <a:t>，循环长度分别是 </a:t>
+            </a:r>
+            <a:r>
+              <a:rPr lang="en-US" altLang="zh-CN" sz="2000" dirty="0">
+                <a:latin typeface="微软雅黑" panose="020B0503020204020204" pitchFamily="34" charset="-122"/>
+                <a:ea typeface="微软雅黑" panose="020B0503020204020204" pitchFamily="34" charset="-122"/>
+              </a:rPr>
+              <a:t>10, 5, 2, 1</a:t>
+            </a:r>
+            <a:r>
+              <a:rPr lang="zh-CN" altLang="en-US" sz="2000" dirty="0">
+                <a:latin typeface="微软雅黑" panose="020B0503020204020204" pitchFamily="34" charset="-122"/>
+                <a:ea typeface="微软雅黑" panose="020B0503020204020204" pitchFamily="34" charset="-122"/>
+              </a:rPr>
+              <a:t>。有一个长任务，</a:t>
+            </a:r>
+            <a:r>
+              <a:rPr lang="en-US" altLang="zh-CN" sz="2000" dirty="0">
+                <a:latin typeface="微软雅黑" panose="020B0503020204020204" pitchFamily="34" charset="-122"/>
+                <a:ea typeface="微软雅黑" panose="020B0503020204020204" pitchFamily="34" charset="-122"/>
+              </a:rPr>
+              <a:t>yield </a:t>
+            </a:r>
+            <a:r>
+              <a:rPr lang="zh-CN" altLang="en-US" sz="2000" dirty="0">
+                <a:latin typeface="微软雅黑" panose="020B0503020204020204" pitchFamily="34" charset="-122"/>
+                <a:ea typeface="微软雅黑" panose="020B0503020204020204" pitchFamily="34" charset="-122"/>
+              </a:rPr>
+              <a:t>次数 </a:t>
+            </a:r>
+            <a:r>
+              <a:rPr lang="en-US" altLang="zh-CN" sz="2000" dirty="0">
+                <a:latin typeface="微软雅黑" panose="020B0503020204020204" pitchFamily="34" charset="-122"/>
+                <a:ea typeface="微软雅黑" panose="020B0503020204020204" pitchFamily="34" charset="-122"/>
+              </a:rPr>
+              <a:t>8</a:t>
+            </a:r>
+            <a:r>
+              <a:rPr lang="zh-CN" altLang="en-US" sz="2000" dirty="0">
+                <a:latin typeface="微软雅黑" panose="020B0503020204020204" pitchFamily="34" charset="-122"/>
+                <a:ea typeface="微软雅黑" panose="020B0503020204020204" pitchFamily="34" charset="-122"/>
+              </a:rPr>
+              <a:t>，循环长度 </a:t>
+            </a:r>
+            <a:r>
+              <a:rPr lang="en-US" altLang="zh-CN" sz="2000" dirty="0">
+                <a:latin typeface="微软雅黑" panose="020B0503020204020204" pitchFamily="34" charset="-122"/>
+                <a:ea typeface="微软雅黑" panose="020B0503020204020204" pitchFamily="34" charset="-122"/>
+              </a:rPr>
+              <a:t>100000000</a:t>
+            </a:r>
+            <a:r>
+              <a:rPr lang="zh-CN" altLang="en-US" sz="2000" dirty="0">
+                <a:latin typeface="微软雅黑" panose="020B0503020204020204" pitchFamily="34" charset="-122"/>
+                <a:ea typeface="微软雅黑" panose="020B0503020204020204" pitchFamily="34" charset="-122"/>
+              </a:rPr>
+              <a:t>。</a:t>
+            </a:r>
+            <a:endParaRPr lang="en-US" altLang="zh-CN" sz="2000" dirty="0">
+              <a:latin typeface="微软雅黑" panose="020B0503020204020204" pitchFamily="34" charset="-122"/>
+              <a:ea typeface="微软雅黑" panose="020B0503020204020204" pitchFamily="34" charset="-122"/>
+            </a:endParaRPr>
+          </a:p>
+        </p:txBody>
+      </p:sp>
+      <p:sp>
+        <p:nvSpPr>
+          <p:cNvPr id="4" name="矩形 3">
+            <a:extLst>
+              <a:ext uri="{FF2B5EF4-FFF2-40B4-BE49-F238E27FC236}">
+                <a16:creationId xmlns:a16="http://schemas.microsoft.com/office/drawing/2014/main" id="{483A44BE-3CAA-59DC-E08B-5A21229BF8C2}"/>
+              </a:ext>
+            </a:extLst>
+          </p:cNvPr>
+          <p:cNvSpPr/>
+          <p:nvPr/>
+        </p:nvSpPr>
+        <p:spPr>
+          <a:xfrm flipH="1">
+            <a:off x="457200" y="286261"/>
+            <a:ext cx="73573" cy="468000"/>
+          </a:xfrm>
+          <a:prstGeom prst="rect">
+            <a:avLst/>
+          </a:prstGeom>
+          <a:solidFill>
+            <a:srgbClr val="7030A0"/>
+          </a:solidFill>
+          <a:ln>
+            <a:noFill/>
+          </a:ln>
+        </p:spPr>
+        <p:style>
+          <a:lnRef idx="2">
+            <a:schemeClr val="accent5"/>
+          </a:lnRef>
+          <a:fillRef idx="1">
+            <a:schemeClr val="lt1"/>
+          </a:fillRef>
+          <a:effectRef idx="0">
+            <a:schemeClr val="accent5"/>
+          </a:effectRef>
+          <a:fontRef idx="minor">
+            <a:schemeClr val="dk1"/>
+          </a:fontRef>
+        </p:style>
+        <p:txBody>
+          <a:bodyPr rtlCol="0" anchor="ctr"/>
+          <a:lstStyle/>
+          <a:p>
+            <a:pPr algn="ctr"/>
+            <a:endParaRPr lang="zh-CN" altLang="en-US" dirty="0"/>
+          </a:p>
+        </p:txBody>
+      </p:sp>
+      <p:sp>
+        <p:nvSpPr>
+          <p:cNvPr id="9" name="灯片编号占位符 8">
+            <a:extLst>
+              <a:ext uri="{FF2B5EF4-FFF2-40B4-BE49-F238E27FC236}">
+                <a16:creationId xmlns:a16="http://schemas.microsoft.com/office/drawing/2014/main" id="{C1420316-E664-87C8-DC84-30A1F34F120A}"/>
+              </a:ext>
+            </a:extLst>
+          </p:cNvPr>
+          <p:cNvSpPr>
+            <a:spLocks noGrp="1"/>
+          </p:cNvSpPr>
+          <p:nvPr>
+            <p:ph type="sldNum" sz="quarter" idx="12"/>
+          </p:nvPr>
+        </p:nvSpPr>
+        <p:spPr/>
+        <p:txBody>
+          <a:bodyPr/>
+          <a:lstStyle/>
+          <a:p>
+            <a:fld id="{64612D46-7F69-47CC-AB33-86E2C77428C3}" type="slidenum">
+              <a:rPr lang="zh-CN" altLang="en-US" smtClean="0"/>
               <a:t>13</a:t>
+            </a:fld>
+            <a:endParaRPr lang="zh-CN" altLang="en-US"/>
+          </a:p>
+        </p:txBody>
+      </p:sp>
+      <p:graphicFrame>
+        <p:nvGraphicFramePr>
+          <p:cNvPr id="6" name="表格 5">
+            <a:extLst>
+              <a:ext uri="{FF2B5EF4-FFF2-40B4-BE49-F238E27FC236}">
+                <a16:creationId xmlns:a16="http://schemas.microsoft.com/office/drawing/2014/main" id="{7DED68CD-6C5B-B6B6-E2FD-4B201A49C112}"/>
+              </a:ext>
+            </a:extLst>
+          </p:cNvPr>
+          <p:cNvGraphicFramePr>
+            <a:graphicFrameLocks noGrp="1"/>
+          </p:cNvGraphicFramePr>
+          <p:nvPr>
+            <p:extLst>
+              <p:ext uri="{D42A27DB-BD31-4B8C-83A1-F6EECF244321}">
+                <p14:modId xmlns:p14="http://schemas.microsoft.com/office/powerpoint/2010/main" val="3751588798"/>
+              </p:ext>
+            </p:extLst>
+          </p:nvPr>
+        </p:nvGraphicFramePr>
+        <p:xfrm>
+          <a:off x="1848942" y="2146045"/>
+          <a:ext cx="8262888" cy="2468880"/>
+        </p:xfrm>
+        <a:graphic>
+          <a:graphicData uri="http://schemas.openxmlformats.org/drawingml/2006/table">
+            <a:tbl>
+              <a:tblPr firstRow="1" bandRow="1">
+                <a:tableStyleId>{5C22544A-7EE6-4342-B048-85BDC9FD1C3A}</a:tableStyleId>
+              </a:tblPr>
+              <a:tblGrid>
+                <a:gridCol w="1377148">
+                  <a:extLst>
+                    <a:ext uri="{9D8B030D-6E8A-4147-A177-3AD203B41FA5}">
+                      <a16:colId xmlns:a16="http://schemas.microsoft.com/office/drawing/2014/main" val="2422364854"/>
+                    </a:ext>
+                  </a:extLst>
+                </a:gridCol>
+                <a:gridCol w="1377148">
+                  <a:extLst>
+                    <a:ext uri="{9D8B030D-6E8A-4147-A177-3AD203B41FA5}">
+                      <a16:colId xmlns:a16="http://schemas.microsoft.com/office/drawing/2014/main" val="746740908"/>
+                    </a:ext>
+                  </a:extLst>
+                </a:gridCol>
+                <a:gridCol w="1377148">
+                  <a:extLst>
+                    <a:ext uri="{9D8B030D-6E8A-4147-A177-3AD203B41FA5}">
+                      <a16:colId xmlns:a16="http://schemas.microsoft.com/office/drawing/2014/main" val="1119310147"/>
+                    </a:ext>
+                  </a:extLst>
+                </a:gridCol>
+                <a:gridCol w="1377148">
+                  <a:extLst>
+                    <a:ext uri="{9D8B030D-6E8A-4147-A177-3AD203B41FA5}">
+                      <a16:colId xmlns:a16="http://schemas.microsoft.com/office/drawing/2014/main" val="3797816791"/>
+                    </a:ext>
+                  </a:extLst>
+                </a:gridCol>
+                <a:gridCol w="1377148">
+                  <a:extLst>
+                    <a:ext uri="{9D8B030D-6E8A-4147-A177-3AD203B41FA5}">
+                      <a16:colId xmlns:a16="http://schemas.microsoft.com/office/drawing/2014/main" val="3398410451"/>
+                    </a:ext>
+                  </a:extLst>
+                </a:gridCol>
+                <a:gridCol w="1377148">
+                  <a:extLst>
+                    <a:ext uri="{9D8B030D-6E8A-4147-A177-3AD203B41FA5}">
+                      <a16:colId xmlns:a16="http://schemas.microsoft.com/office/drawing/2014/main" val="3704371952"/>
+                    </a:ext>
+                  </a:extLst>
+                </a:gridCol>
+              </a:tblGrid>
+              <a:tr h="576435">
+                <a:tc>
+                  <a:txBody>
+                    <a:bodyPr/>
+                    <a:lstStyle/>
+                    <a:p>
+                      <a:pPr algn="ctr"/>
+                      <a:r>
+                        <a:rPr lang="zh-CN" altLang="en-US" dirty="0"/>
+                        <a:t>完成时间（</a:t>
+                      </a:r>
+                      <a:r>
+                        <a:rPr lang="en-US" altLang="zh-CN" dirty="0" err="1"/>
+                        <a:t>ms</a:t>
+                      </a:r>
+                      <a:r>
+                        <a:rPr lang="zh-CN" altLang="en-US" dirty="0"/>
+                        <a:t>）</a:t>
+                      </a:r>
+                    </a:p>
+                  </a:txBody>
+                  <a:tcPr/>
+                </a:tc>
+                <a:tc>
+                  <a:txBody>
+                    <a:bodyPr/>
+                    <a:lstStyle/>
+                    <a:p>
+                      <a:pPr algn="ctr"/>
+                      <a:r>
+                        <a:rPr lang="zh-CN" altLang="en-US" dirty="0"/>
+                        <a:t>长任务</a:t>
+                      </a:r>
+                    </a:p>
+                  </a:txBody>
+                  <a:tcPr/>
+                </a:tc>
+                <a:tc>
+                  <a:txBody>
+                    <a:bodyPr/>
+                    <a:lstStyle/>
+                    <a:p>
+                      <a:pPr algn="ctr"/>
+                      <a:r>
+                        <a:rPr lang="zh-CN" altLang="en-US" dirty="0"/>
+                        <a:t>短任务 </a:t>
+                      </a:r>
+                      <a:r>
+                        <a:rPr lang="en-US" altLang="zh-CN" dirty="0"/>
+                        <a:t>1</a:t>
+                      </a:r>
+                      <a:endParaRPr lang="zh-CN" altLang="en-US" dirty="0"/>
+                    </a:p>
+                  </a:txBody>
+                  <a:tcPr/>
+                </a:tc>
+                <a:tc>
+                  <a:txBody>
+                    <a:bodyPr/>
+                    <a:lstStyle/>
+                    <a:p>
+                      <a:pPr algn="ctr"/>
+                      <a:r>
+                        <a:rPr lang="zh-CN" altLang="en-US" dirty="0"/>
+                        <a:t>短任务 </a:t>
+                      </a:r>
+                      <a:r>
+                        <a:rPr lang="en-US" altLang="zh-CN" dirty="0"/>
+                        <a:t>2</a:t>
+                      </a:r>
+                      <a:endParaRPr lang="zh-CN" altLang="en-US" dirty="0"/>
+                    </a:p>
+                  </a:txBody>
+                  <a:tcPr/>
+                </a:tc>
+                <a:tc>
+                  <a:txBody>
+                    <a:bodyPr/>
+                    <a:lstStyle/>
+                    <a:p>
+                      <a:pPr algn="ctr"/>
+                      <a:r>
+                        <a:rPr lang="zh-CN" altLang="en-US" dirty="0"/>
+                        <a:t>短任务 </a:t>
+                      </a:r>
+                      <a:r>
+                        <a:rPr lang="en-US" altLang="zh-CN" dirty="0"/>
+                        <a:t>3</a:t>
+                      </a:r>
+                      <a:endParaRPr lang="zh-CN" altLang="en-US" dirty="0"/>
+                    </a:p>
+                  </a:txBody>
+                  <a:tcPr/>
+                </a:tc>
+                <a:tc>
+                  <a:txBody>
+                    <a:bodyPr/>
+                    <a:lstStyle/>
+                    <a:p>
+                      <a:pPr algn="ctr"/>
+                      <a:r>
+                        <a:rPr lang="zh-CN" altLang="en-US" dirty="0"/>
+                        <a:t>短任务 </a:t>
+                      </a:r>
+                      <a:r>
+                        <a:rPr lang="en-US" altLang="zh-CN" dirty="0"/>
+                        <a:t>4</a:t>
+                      </a:r>
+                      <a:endParaRPr lang="zh-CN" altLang="en-US" dirty="0"/>
+                    </a:p>
+                  </a:txBody>
+                  <a:tcPr/>
+                </a:tc>
+                <a:extLst>
+                  <a:ext uri="{0D108BD9-81ED-4DB2-BD59-A6C34878D82A}">
+                    <a16:rowId xmlns:a16="http://schemas.microsoft.com/office/drawing/2014/main" val="41063219"/>
+                  </a:ext>
+                </a:extLst>
+              </a:tr>
+              <a:tr h="333966">
+                <a:tc>
+                  <a:txBody>
+                    <a:bodyPr/>
+                    <a:lstStyle/>
+                    <a:p>
+                      <a:pPr algn="ctr"/>
+                      <a:r>
+                        <a:rPr lang="en-US" altLang="zh-CN" dirty="0" err="1"/>
+                        <a:t>fifo</a:t>
+                      </a:r>
+                      <a:endParaRPr lang="zh-CN" altLang="en-US" dirty="0"/>
+                    </a:p>
+                  </a:txBody>
+                  <a:tcPr/>
+                </a:tc>
+                <a:tc>
+                  <a:txBody>
+                    <a:bodyPr/>
+                    <a:lstStyle/>
+                    <a:p>
+                      <a:pPr algn="ctr"/>
+                      <a:r>
+                        <a:rPr lang="en-US" altLang="zh-CN" dirty="0"/>
+                        <a:t>2719</a:t>
+                      </a:r>
+                      <a:endParaRPr lang="zh-CN" altLang="en-US" dirty="0"/>
+                    </a:p>
+                  </a:txBody>
+                  <a:tcPr/>
+                </a:tc>
+                <a:tc>
+                  <a:txBody>
+                    <a:bodyPr/>
+                    <a:lstStyle/>
+                    <a:p>
+                      <a:pPr algn="ctr"/>
+                      <a:r>
+                        <a:rPr lang="en-US" altLang="zh-CN" dirty="0"/>
+                        <a:t>385</a:t>
+                      </a:r>
+                      <a:endParaRPr lang="zh-CN" altLang="en-US" dirty="0"/>
+                    </a:p>
+                  </a:txBody>
+                  <a:tcPr/>
+                </a:tc>
+                <a:tc>
+                  <a:txBody>
+                    <a:bodyPr/>
+                    <a:lstStyle/>
+                    <a:p>
+                      <a:pPr algn="ctr"/>
+                      <a:r>
+                        <a:rPr lang="en-US" altLang="zh-CN" dirty="0"/>
+                        <a:t>492</a:t>
+                      </a:r>
+                      <a:endParaRPr lang="zh-CN" altLang="en-US" dirty="0"/>
+                    </a:p>
+                  </a:txBody>
+                  <a:tcPr/>
+                </a:tc>
+                <a:tc>
+                  <a:txBody>
+                    <a:bodyPr/>
+                    <a:lstStyle/>
+                    <a:p>
+                      <a:pPr algn="ctr"/>
+                      <a:r>
+                        <a:rPr lang="en-US" altLang="zh-CN" dirty="0"/>
+                        <a:t>745</a:t>
+                      </a:r>
+                      <a:endParaRPr lang="zh-CN" altLang="en-US" dirty="0"/>
+                    </a:p>
+                  </a:txBody>
+                  <a:tcPr/>
+                </a:tc>
+                <a:tc>
+                  <a:txBody>
+                    <a:bodyPr/>
+                    <a:lstStyle/>
+                    <a:p>
+                      <a:pPr algn="ctr"/>
+                      <a:r>
+                        <a:rPr lang="en-US" altLang="zh-CN" dirty="0"/>
+                        <a:t>1322</a:t>
+                      </a:r>
+                      <a:endParaRPr lang="zh-CN" altLang="en-US" dirty="0"/>
+                    </a:p>
+                  </a:txBody>
+                  <a:tcPr/>
+                </a:tc>
+                <a:extLst>
+                  <a:ext uri="{0D108BD9-81ED-4DB2-BD59-A6C34878D82A}">
+                    <a16:rowId xmlns:a16="http://schemas.microsoft.com/office/drawing/2014/main" val="1103445401"/>
+                  </a:ext>
+                </a:extLst>
+              </a:tr>
+              <a:tr h="333966">
+                <a:tc>
+                  <a:txBody>
+                    <a:bodyPr/>
+                    <a:lstStyle/>
+                    <a:p>
+                      <a:pPr algn="ctr"/>
+                      <a:r>
+                        <a:rPr lang="en-US" altLang="zh-CN" dirty="0" err="1"/>
+                        <a:t>rr</a:t>
+                      </a:r>
+                      <a:endParaRPr lang="en-US" altLang="zh-CN" dirty="0"/>
+                    </a:p>
+                  </a:txBody>
+                  <a:tcPr/>
+                </a:tc>
+                <a:tc>
+                  <a:txBody>
+                    <a:bodyPr/>
+                    <a:lstStyle/>
+                    <a:p>
+                      <a:pPr algn="ctr"/>
+                      <a:r>
+                        <a:rPr lang="en-US" altLang="zh-CN" dirty="0"/>
+                        <a:t>1859</a:t>
+                      </a:r>
+                      <a:endParaRPr lang="zh-CN" altLang="en-US" dirty="0"/>
+                    </a:p>
+                  </a:txBody>
+                  <a:tcPr/>
+                </a:tc>
+                <a:tc>
+                  <a:txBody>
+                    <a:bodyPr/>
+                    <a:lstStyle/>
+                    <a:p>
+                      <a:pPr algn="ctr"/>
+                      <a:r>
+                        <a:rPr lang="en-US" altLang="zh-CN" dirty="0"/>
+                        <a:t>1951</a:t>
+                      </a:r>
+                      <a:endParaRPr lang="zh-CN" altLang="en-US" dirty="0"/>
+                    </a:p>
+                  </a:txBody>
+                  <a:tcPr/>
+                </a:tc>
+                <a:tc>
+                  <a:txBody>
+                    <a:bodyPr/>
+                    <a:lstStyle/>
+                    <a:p>
+                      <a:pPr algn="ctr"/>
+                      <a:r>
+                        <a:rPr lang="en-US" altLang="zh-CN" dirty="0"/>
+                        <a:t>2057</a:t>
+                      </a:r>
+                      <a:endParaRPr lang="zh-CN" altLang="en-US" dirty="0"/>
+                    </a:p>
+                  </a:txBody>
+                  <a:tcPr/>
+                </a:tc>
+                <a:tc>
+                  <a:txBody>
+                    <a:bodyPr/>
+                    <a:lstStyle/>
+                    <a:p>
+                      <a:pPr algn="ctr"/>
+                      <a:r>
+                        <a:rPr lang="en-US" altLang="zh-CN" dirty="0"/>
+                        <a:t>2196</a:t>
+                      </a:r>
+                      <a:endParaRPr lang="zh-CN" altLang="en-US" dirty="0"/>
+                    </a:p>
+                  </a:txBody>
+                  <a:tcPr/>
+                </a:tc>
+                <a:tc>
+                  <a:txBody>
+                    <a:bodyPr/>
+                    <a:lstStyle/>
+                    <a:p>
+                      <a:pPr algn="ctr"/>
+                      <a:r>
+                        <a:rPr lang="en-US" altLang="zh-CN" dirty="0"/>
+                        <a:t>2375</a:t>
+                      </a:r>
+                      <a:endParaRPr lang="zh-CN" altLang="en-US" dirty="0"/>
+                    </a:p>
+                  </a:txBody>
+                  <a:tcPr/>
+                </a:tc>
+                <a:extLst>
+                  <a:ext uri="{0D108BD9-81ED-4DB2-BD59-A6C34878D82A}">
+                    <a16:rowId xmlns:a16="http://schemas.microsoft.com/office/drawing/2014/main" val="2219017797"/>
+                  </a:ext>
+                </a:extLst>
+              </a:tr>
+              <a:tr h="333966">
+                <a:tc>
+                  <a:txBody>
+                    <a:bodyPr/>
+                    <a:lstStyle/>
+                    <a:p>
+                      <a:pPr algn="ctr"/>
+                      <a:r>
+                        <a:rPr lang="en-US" altLang="zh-CN" dirty="0" err="1"/>
+                        <a:t>cfs</a:t>
+                      </a:r>
+                      <a:endParaRPr lang="zh-CN" altLang="en-US" dirty="0"/>
+                    </a:p>
+                  </a:txBody>
+                  <a:tcPr/>
+                </a:tc>
+                <a:tc>
+                  <a:txBody>
+                    <a:bodyPr/>
+                    <a:lstStyle/>
+                    <a:p>
+                      <a:pPr algn="ctr"/>
+                      <a:r>
+                        <a:rPr lang="en-US" altLang="zh-CN" dirty="0"/>
+                        <a:t>2754</a:t>
+                      </a:r>
+                      <a:endParaRPr lang="zh-CN" altLang="en-US" dirty="0"/>
+                    </a:p>
+                  </a:txBody>
+                  <a:tcPr/>
+                </a:tc>
+                <a:tc>
+                  <a:txBody>
+                    <a:bodyPr/>
+                    <a:lstStyle/>
+                    <a:p>
+                      <a:pPr algn="ctr"/>
+                      <a:r>
+                        <a:rPr lang="en-US" altLang="zh-CN" dirty="0"/>
+                        <a:t>262</a:t>
+                      </a:r>
+                      <a:endParaRPr lang="zh-CN" altLang="en-US" dirty="0"/>
+                    </a:p>
+                  </a:txBody>
+                  <a:tcPr/>
+                </a:tc>
+                <a:tc>
+                  <a:txBody>
+                    <a:bodyPr/>
+                    <a:lstStyle/>
+                    <a:p>
+                      <a:pPr algn="ctr"/>
+                      <a:r>
+                        <a:rPr lang="en-US" altLang="zh-CN" dirty="0"/>
+                        <a:t>439</a:t>
+                      </a:r>
+                      <a:endParaRPr lang="zh-CN" altLang="en-US" dirty="0"/>
+                    </a:p>
+                  </a:txBody>
+                  <a:tcPr/>
+                </a:tc>
+                <a:tc>
+                  <a:txBody>
+                    <a:bodyPr/>
+                    <a:lstStyle/>
+                    <a:p>
+                      <a:pPr algn="ctr"/>
+                      <a:r>
+                        <a:rPr lang="en-US" altLang="zh-CN" dirty="0"/>
+                        <a:t>784</a:t>
+                      </a:r>
+                      <a:endParaRPr lang="zh-CN" altLang="en-US" dirty="0"/>
+                    </a:p>
+                  </a:txBody>
+                  <a:tcPr/>
+                </a:tc>
+                <a:tc>
+                  <a:txBody>
+                    <a:bodyPr/>
+                    <a:lstStyle/>
+                    <a:p>
+                      <a:pPr algn="ctr"/>
+                      <a:r>
+                        <a:rPr lang="en-US" altLang="zh-CN" dirty="0"/>
+                        <a:t>1318</a:t>
+                      </a:r>
+                      <a:endParaRPr lang="zh-CN" altLang="en-US" dirty="0"/>
+                    </a:p>
+                  </a:txBody>
+                  <a:tcPr/>
+                </a:tc>
+                <a:extLst>
+                  <a:ext uri="{0D108BD9-81ED-4DB2-BD59-A6C34878D82A}">
+                    <a16:rowId xmlns:a16="http://schemas.microsoft.com/office/drawing/2014/main" val="3572013608"/>
+                  </a:ext>
+                </a:extLst>
+              </a:tr>
+              <a:tr h="333966">
+                <a:tc>
+                  <a:txBody>
+                    <a:bodyPr/>
+                    <a:lstStyle/>
+                    <a:p>
+                      <a:pPr algn="ctr"/>
+                      <a:r>
+                        <a:rPr lang="en-US" altLang="zh-CN" dirty="0" err="1"/>
+                        <a:t>sjf</a:t>
+                      </a:r>
+                      <a:endParaRPr lang="zh-CN" altLang="en-US" dirty="0"/>
+                    </a:p>
+                  </a:txBody>
+                  <a:tcPr/>
+                </a:tc>
+                <a:tc>
+                  <a:txBody>
+                    <a:bodyPr/>
+                    <a:lstStyle/>
+                    <a:p>
+                      <a:pPr algn="ctr"/>
+                      <a:r>
+                        <a:rPr lang="en-US" altLang="zh-CN" dirty="0"/>
+                        <a:t>2779</a:t>
+                      </a:r>
+                      <a:endParaRPr lang="zh-CN" altLang="en-US" dirty="0"/>
+                    </a:p>
+                  </a:txBody>
+                  <a:tcPr/>
+                </a:tc>
+                <a:tc>
+                  <a:txBody>
+                    <a:bodyPr/>
+                    <a:lstStyle/>
+                    <a:p>
+                      <a:pPr algn="ctr"/>
+                      <a:r>
+                        <a:rPr lang="en-US" altLang="zh-CN" dirty="0"/>
+                        <a:t>316</a:t>
+                      </a:r>
+                      <a:endParaRPr lang="zh-CN" altLang="en-US" dirty="0"/>
+                    </a:p>
+                  </a:txBody>
+                  <a:tcPr/>
+                </a:tc>
+                <a:tc>
+                  <a:txBody>
+                    <a:bodyPr/>
+                    <a:lstStyle/>
+                    <a:p>
+                      <a:pPr algn="ctr"/>
+                      <a:r>
+                        <a:rPr lang="en-US" altLang="zh-CN" dirty="0"/>
+                        <a:t>631</a:t>
+                      </a:r>
+                      <a:endParaRPr lang="zh-CN" altLang="en-US" dirty="0"/>
+                    </a:p>
+                  </a:txBody>
+                  <a:tcPr/>
+                </a:tc>
+                <a:tc>
+                  <a:txBody>
+                    <a:bodyPr/>
+                    <a:lstStyle/>
+                    <a:p>
+                      <a:pPr algn="ctr"/>
+                      <a:r>
+                        <a:rPr lang="en-US" altLang="zh-CN" dirty="0"/>
+                        <a:t>771</a:t>
+                      </a:r>
+                      <a:endParaRPr lang="zh-CN" altLang="en-US" dirty="0"/>
+                    </a:p>
+                  </a:txBody>
+                  <a:tcPr/>
+                </a:tc>
+                <a:tc>
+                  <a:txBody>
+                    <a:bodyPr/>
+                    <a:lstStyle/>
+                    <a:p>
+                      <a:pPr algn="ctr"/>
+                      <a:r>
+                        <a:rPr lang="en-US" altLang="zh-CN" dirty="0"/>
+                        <a:t>1379</a:t>
+                      </a:r>
+                      <a:endParaRPr lang="zh-CN" altLang="en-US" dirty="0"/>
+                    </a:p>
+                  </a:txBody>
+                  <a:tcPr/>
+                </a:tc>
+                <a:extLst>
+                  <a:ext uri="{0D108BD9-81ED-4DB2-BD59-A6C34878D82A}">
+                    <a16:rowId xmlns:a16="http://schemas.microsoft.com/office/drawing/2014/main" val="491370893"/>
+                  </a:ext>
+                </a:extLst>
+              </a:tr>
+              <a:tr h="333966">
+                <a:tc>
+                  <a:txBody>
+                    <a:bodyPr/>
+                    <a:lstStyle/>
+                    <a:p>
+                      <a:pPr algn="ctr"/>
+                      <a:r>
+                        <a:rPr lang="en-US" altLang="zh-CN" dirty="0" err="1"/>
+                        <a:t>mlfq</a:t>
+                      </a:r>
+                      <a:endParaRPr lang="zh-CN" altLang="en-US" dirty="0"/>
+                    </a:p>
+                  </a:txBody>
+                  <a:tcPr/>
+                </a:tc>
+                <a:tc>
+                  <a:txBody>
+                    <a:bodyPr/>
+                    <a:lstStyle/>
+                    <a:p>
+                      <a:pPr algn="ctr"/>
+                      <a:r>
+                        <a:rPr lang="en-US" altLang="zh-CN" dirty="0"/>
+                        <a:t>2722</a:t>
+                      </a:r>
+                      <a:endParaRPr lang="zh-CN" altLang="en-US" dirty="0"/>
+                    </a:p>
+                  </a:txBody>
+                  <a:tcPr/>
+                </a:tc>
+                <a:tc>
+                  <a:txBody>
+                    <a:bodyPr/>
+                    <a:lstStyle/>
+                    <a:p>
+                      <a:pPr algn="ctr"/>
+                      <a:r>
+                        <a:rPr lang="en-US" altLang="zh-CN" dirty="0"/>
+                        <a:t>495</a:t>
+                      </a:r>
+                      <a:endParaRPr lang="zh-CN" altLang="en-US" dirty="0"/>
+                    </a:p>
+                  </a:txBody>
+                  <a:tcPr/>
+                </a:tc>
+                <a:tc>
+                  <a:txBody>
+                    <a:bodyPr/>
+                    <a:lstStyle/>
+                    <a:p>
+                      <a:pPr algn="ctr"/>
+                      <a:r>
+                        <a:rPr lang="en-US" altLang="zh-CN" dirty="0"/>
+                        <a:t>466</a:t>
+                      </a:r>
+                      <a:endParaRPr lang="zh-CN" altLang="en-US" dirty="0"/>
+                    </a:p>
+                  </a:txBody>
+                  <a:tcPr/>
+                </a:tc>
+                <a:tc>
+                  <a:txBody>
+                    <a:bodyPr/>
+                    <a:lstStyle/>
+                    <a:p>
+                      <a:pPr algn="ctr"/>
+                      <a:r>
+                        <a:rPr lang="en-US" altLang="zh-CN" dirty="0"/>
+                        <a:t>805</a:t>
+                      </a:r>
+                      <a:endParaRPr lang="zh-CN" altLang="en-US" dirty="0"/>
+                    </a:p>
+                  </a:txBody>
+                  <a:tcPr/>
+                </a:tc>
+                <a:tc>
+                  <a:txBody>
+                    <a:bodyPr/>
+                    <a:lstStyle/>
+                    <a:p>
+                      <a:pPr algn="ctr"/>
+                      <a:r>
+                        <a:rPr lang="en-US" altLang="zh-CN" dirty="0"/>
+                        <a:t>1290</a:t>
+                      </a:r>
+                      <a:endParaRPr lang="zh-CN" altLang="en-US" dirty="0"/>
+                    </a:p>
+                  </a:txBody>
+                  <a:tcPr/>
+                </a:tc>
+                <a:extLst>
+                  <a:ext uri="{0D108BD9-81ED-4DB2-BD59-A6C34878D82A}">
+                    <a16:rowId xmlns:a16="http://schemas.microsoft.com/office/drawing/2014/main" val="4271129800"/>
+                  </a:ext>
+                </a:extLst>
+              </a:tr>
+            </a:tbl>
+          </a:graphicData>
+        </a:graphic>
+      </p:graphicFrame>
+      <p:sp>
+        <p:nvSpPr>
+          <p:cNvPr id="5" name="内容占位符 2">
+            <a:extLst>
+              <a:ext uri="{FF2B5EF4-FFF2-40B4-BE49-F238E27FC236}">
+                <a16:creationId xmlns:a16="http://schemas.microsoft.com/office/drawing/2014/main" id="{8EBCD865-6078-12E3-CEF3-BBB2896A84E5}"/>
+              </a:ext>
+            </a:extLst>
+          </p:cNvPr>
+          <p:cNvSpPr txBox="1">
+            <a:spLocks/>
+          </p:cNvSpPr>
+          <p:nvPr/>
+        </p:nvSpPr>
+        <p:spPr>
+          <a:xfrm>
+            <a:off x="722586" y="4706198"/>
+            <a:ext cx="10515600" cy="1009047"/>
+          </a:xfrm>
+          <a:prstGeom prst="rect">
+            <a:avLst/>
+          </a:prstGeom>
+        </p:spPr>
+        <p:txBody>
+          <a:bodyPr vert="horz" lIns="91440" tIns="45720" rIns="91440" bIns="45720" rtlCol="0">
+            <a:noAutofit/>
+          </a:bodyPr>
+          <a:lstStyle>
+            <a:lvl1pPr marL="228600" indent="-228600" algn="l" defTabSz="914400" rtl="0" eaLnBrk="1" latinLnBrk="0" hangingPunct="1">
+              <a:lnSpc>
+                <a:spcPct val="90000"/>
+              </a:lnSpc>
+              <a:spcBef>
+                <a:spcPts val="1000"/>
+              </a:spcBef>
+              <a:buFont typeface="Arial" panose="020B0604020202020204" pitchFamily="34" charset="0"/>
+              <a:buChar char="•"/>
+              <a:defRPr sz="2800" kern="1200">
+                <a:solidFill>
+                  <a:schemeClr val="tx1"/>
+                </a:solidFill>
+                <a:latin typeface="+mn-lt"/>
+                <a:ea typeface="+mn-ea"/>
+                <a:cs typeface="+mn-cs"/>
+              </a:defRPr>
+            </a:lvl1pPr>
+            <a:lvl2pPr marL="685800" indent="-228600" algn="l" defTabSz="914400" rtl="0" eaLnBrk="1" latinLnBrk="0" hangingPunct="1">
+              <a:lnSpc>
+                <a:spcPct val="90000"/>
+              </a:lnSpc>
+              <a:spcBef>
+                <a:spcPts val="500"/>
+              </a:spcBef>
+              <a:buFont typeface="Arial" panose="020B0604020202020204" pitchFamily="34" charset="0"/>
+              <a:buChar char="•"/>
+              <a:defRPr sz="2400" kern="1200">
+                <a:solidFill>
+                  <a:schemeClr val="tx1"/>
+                </a:solidFill>
+                <a:latin typeface="+mn-lt"/>
+                <a:ea typeface="+mn-ea"/>
+                <a:cs typeface="+mn-cs"/>
+              </a:defRPr>
+            </a:lvl2pPr>
+            <a:lvl3pPr marL="1143000" indent="-228600" algn="l" defTabSz="914400" rtl="0" eaLnBrk="1" latinLnBrk="0" hangingPunct="1">
+              <a:lnSpc>
+                <a:spcPct val="90000"/>
+              </a:lnSpc>
+              <a:spcBef>
+                <a:spcPts val="500"/>
+              </a:spcBef>
+              <a:buFont typeface="Arial" panose="020B0604020202020204" pitchFamily="34" charset="0"/>
+              <a:buChar char="•"/>
+              <a:defRPr sz="2000" kern="1200">
+                <a:solidFill>
+                  <a:schemeClr val="tx1"/>
+                </a:solidFill>
+                <a:latin typeface="+mn-lt"/>
+                <a:ea typeface="+mn-ea"/>
+                <a:cs typeface="+mn-cs"/>
+              </a:defRPr>
+            </a:lvl3pPr>
+            <a:lvl4pPr marL="1600200" indent="-228600" algn="l" defTabSz="914400" rtl="0" eaLnBrk="1" latinLnBrk="0" hangingPunct="1">
+              <a:lnSpc>
+                <a:spcPct val="90000"/>
+              </a:lnSpc>
+              <a:spcBef>
+                <a:spcPts val="500"/>
+              </a:spcBef>
+              <a:buFont typeface="Arial" panose="020B0604020202020204" pitchFamily="34" charset="0"/>
+              <a:buChar char="•"/>
+              <a:defRPr sz="1800" kern="1200">
+                <a:solidFill>
+                  <a:schemeClr val="tx1"/>
+                </a:solidFill>
+                <a:latin typeface="+mn-lt"/>
+                <a:ea typeface="+mn-ea"/>
+                <a:cs typeface="+mn-cs"/>
+              </a:defRPr>
+            </a:lvl4pPr>
+            <a:lvl5pPr marL="2057400" indent="-228600" algn="l" defTabSz="914400" rtl="0" eaLnBrk="1" latinLnBrk="0" hangingPunct="1">
+              <a:lnSpc>
+                <a:spcPct val="90000"/>
+              </a:lnSpc>
+              <a:spcBef>
+                <a:spcPts val="500"/>
+              </a:spcBef>
+              <a:buFont typeface="Arial" panose="020B0604020202020204" pitchFamily="34" charset="0"/>
+              <a:buChar char="•"/>
+              <a:defRPr sz="1800" kern="1200">
+                <a:solidFill>
+                  <a:schemeClr val="tx1"/>
+                </a:solidFill>
+                <a:latin typeface="+mn-lt"/>
+                <a:ea typeface="+mn-ea"/>
+                <a:cs typeface="+mn-cs"/>
+              </a:defRPr>
+            </a:lvl5pPr>
+            <a:lvl6pPr marL="2514600" indent="-228600" algn="l" defTabSz="914400" rtl="0" eaLnBrk="1" latinLnBrk="0" hangingPunct="1">
+              <a:lnSpc>
+                <a:spcPct val="90000"/>
+              </a:lnSpc>
+              <a:spcBef>
+                <a:spcPts val="500"/>
+              </a:spcBef>
+              <a:buFont typeface="Arial" panose="020B0604020202020204" pitchFamily="34" charset="0"/>
+              <a:buChar char="•"/>
+              <a:defRPr sz="1800" kern="1200">
+                <a:solidFill>
+                  <a:schemeClr val="tx1"/>
+                </a:solidFill>
+                <a:latin typeface="+mn-lt"/>
+                <a:ea typeface="+mn-ea"/>
+                <a:cs typeface="+mn-cs"/>
+              </a:defRPr>
+            </a:lvl6pPr>
+            <a:lvl7pPr marL="2971800" indent="-228600" algn="l" defTabSz="914400" rtl="0" eaLnBrk="1" latinLnBrk="0" hangingPunct="1">
+              <a:lnSpc>
+                <a:spcPct val="90000"/>
+              </a:lnSpc>
+              <a:spcBef>
+                <a:spcPts val="500"/>
+              </a:spcBef>
+              <a:buFont typeface="Arial" panose="020B0604020202020204" pitchFamily="34" charset="0"/>
+              <a:buChar char="•"/>
+              <a:defRPr sz="1800" kern="1200">
+                <a:solidFill>
+                  <a:schemeClr val="tx1"/>
+                </a:solidFill>
+                <a:latin typeface="+mn-lt"/>
+                <a:ea typeface="+mn-ea"/>
+                <a:cs typeface="+mn-cs"/>
+              </a:defRPr>
+            </a:lvl7pPr>
+            <a:lvl8pPr marL="3429000" indent="-228600" algn="l" defTabSz="914400" rtl="0" eaLnBrk="1" latinLnBrk="0" hangingPunct="1">
+              <a:lnSpc>
+                <a:spcPct val="90000"/>
+              </a:lnSpc>
+              <a:spcBef>
+                <a:spcPts val="500"/>
+              </a:spcBef>
+              <a:buFont typeface="Arial" panose="020B0604020202020204" pitchFamily="34" charset="0"/>
+              <a:buChar char="•"/>
+              <a:defRPr sz="1800" kern="1200">
+                <a:solidFill>
+                  <a:schemeClr val="tx1"/>
+                </a:solidFill>
+                <a:latin typeface="+mn-lt"/>
+                <a:ea typeface="+mn-ea"/>
+                <a:cs typeface="+mn-cs"/>
+              </a:defRPr>
+            </a:lvl8pPr>
+            <a:lvl9pPr marL="3886200" indent="-228600" algn="l" defTabSz="914400" rtl="0" eaLnBrk="1" latinLnBrk="0" hangingPunct="1">
+              <a:lnSpc>
+                <a:spcPct val="90000"/>
+              </a:lnSpc>
+              <a:spcBef>
+                <a:spcPts val="500"/>
+              </a:spcBef>
+              <a:buFont typeface="Arial" panose="020B0604020202020204" pitchFamily="34" charset="0"/>
+              <a:buChar char="•"/>
+              <a:defRPr sz="1800" kern="1200">
+                <a:solidFill>
+                  <a:schemeClr val="tx1"/>
+                </a:solidFill>
+                <a:latin typeface="+mn-lt"/>
+                <a:ea typeface="+mn-ea"/>
+                <a:cs typeface="+mn-cs"/>
+              </a:defRPr>
+            </a:lvl9pPr>
+          </a:lstStyle>
+          <a:p>
+            <a:pPr>
+              <a:lnSpc>
+                <a:spcPct val="150000"/>
+              </a:lnSpc>
+            </a:pPr>
+            <a:r>
+              <a:rPr lang="zh-CN" altLang="en-US" sz="2000" b="1" dirty="0">
+                <a:latin typeface="微软雅黑" panose="020B0503020204020204" pitchFamily="34" charset="-122"/>
+                <a:ea typeface="微软雅黑" panose="020B0503020204020204" pitchFamily="34" charset="-122"/>
+              </a:rPr>
+              <a:t>结论</a:t>
+            </a:r>
+            <a:r>
+              <a:rPr lang="zh-CN" altLang="en-US" sz="2000" dirty="0">
+                <a:latin typeface="微软雅黑" panose="020B0503020204020204" pitchFamily="34" charset="-122"/>
+                <a:ea typeface="微软雅黑" panose="020B0503020204020204" pitchFamily="34" charset="-122"/>
+              </a:rPr>
+              <a:t>：</a:t>
+            </a:r>
+            <a:endParaRPr lang="en-US" altLang="zh-CN" sz="2000" dirty="0">
+              <a:latin typeface="微软雅黑" panose="020B0503020204020204" pitchFamily="34" charset="-122"/>
+              <a:ea typeface="微软雅黑" panose="020B0503020204020204" pitchFamily="34" charset="-122"/>
+            </a:endParaRPr>
+          </a:p>
+          <a:p>
+            <a:pPr lvl="1">
+              <a:lnSpc>
+                <a:spcPct val="150000"/>
+              </a:lnSpc>
+            </a:pPr>
+            <a:r>
+              <a:rPr lang="en-US" altLang="zh-CN" sz="1600" dirty="0" err="1">
+                <a:latin typeface="微软雅黑" panose="020B0503020204020204" pitchFamily="34" charset="-122"/>
+                <a:ea typeface="微软雅黑" panose="020B0503020204020204" pitchFamily="34" charset="-122"/>
+              </a:rPr>
+              <a:t>fifo</a:t>
+            </a:r>
+            <a:r>
+              <a:rPr lang="en-US" altLang="zh-CN" sz="1600" dirty="0">
+                <a:latin typeface="微软雅黑" panose="020B0503020204020204" pitchFamily="34" charset="-122"/>
+                <a:ea typeface="微软雅黑" panose="020B0503020204020204" pitchFamily="34" charset="-122"/>
+              </a:rPr>
+              <a:t> </a:t>
+            </a:r>
+            <a:r>
+              <a:rPr lang="zh-CN" altLang="en-US" sz="1600" dirty="0">
+                <a:latin typeface="微软雅黑" panose="020B0503020204020204" pitchFamily="34" charset="-122"/>
+                <a:ea typeface="微软雅黑" panose="020B0503020204020204" pitchFamily="34" charset="-122"/>
+              </a:rPr>
+              <a:t>有较高不确定性，</a:t>
+            </a:r>
+            <a:r>
+              <a:rPr lang="en-US" altLang="zh-CN" sz="1600" dirty="0" err="1">
+                <a:latin typeface="微软雅黑" panose="020B0503020204020204" pitchFamily="34" charset="-122"/>
+                <a:ea typeface="微软雅黑" panose="020B0503020204020204" pitchFamily="34" charset="-122"/>
+              </a:rPr>
+              <a:t>rr</a:t>
+            </a:r>
+            <a:r>
+              <a:rPr lang="en-US" altLang="zh-CN" sz="1600" dirty="0">
+                <a:latin typeface="微软雅黑" panose="020B0503020204020204" pitchFamily="34" charset="-122"/>
+                <a:ea typeface="微软雅黑" panose="020B0503020204020204" pitchFamily="34" charset="-122"/>
+              </a:rPr>
+              <a:t> </a:t>
+            </a:r>
+            <a:r>
+              <a:rPr lang="zh-CN" altLang="en-US" sz="1600" dirty="0">
+                <a:latin typeface="微软雅黑" panose="020B0503020204020204" pitchFamily="34" charset="-122"/>
+                <a:ea typeface="微软雅黑" panose="020B0503020204020204" pitchFamily="34" charset="-122"/>
+              </a:rPr>
+              <a:t>会使短任务过多等待长任务，因此两者实时性较差。</a:t>
+            </a:r>
+            <a:endParaRPr lang="en-US" altLang="zh-CN" sz="1600" dirty="0">
+              <a:latin typeface="微软雅黑" panose="020B0503020204020204" pitchFamily="34" charset="-122"/>
+              <a:ea typeface="微软雅黑" panose="020B0503020204020204" pitchFamily="34" charset="-122"/>
+            </a:endParaRPr>
+          </a:p>
+          <a:p>
+            <a:pPr lvl="1">
+              <a:lnSpc>
+                <a:spcPct val="150000"/>
+              </a:lnSpc>
+            </a:pPr>
+            <a:r>
+              <a:rPr lang="en-US" altLang="zh-CN" sz="1600" dirty="0" err="1">
+                <a:latin typeface="微软雅黑" panose="020B0503020204020204" pitchFamily="34" charset="-122"/>
+                <a:ea typeface="微软雅黑" panose="020B0503020204020204" pitchFamily="34" charset="-122"/>
+              </a:rPr>
+              <a:t>cfs</a:t>
+            </a:r>
+            <a:r>
+              <a:rPr lang="en-US" altLang="zh-CN" sz="1600" dirty="0">
+                <a:latin typeface="微软雅黑" panose="020B0503020204020204" pitchFamily="34" charset="-122"/>
+                <a:ea typeface="微软雅黑" panose="020B0503020204020204" pitchFamily="34" charset="-122"/>
+              </a:rPr>
+              <a:t> </a:t>
+            </a:r>
+            <a:r>
+              <a:rPr lang="zh-CN" altLang="en-US" sz="1600" dirty="0">
+                <a:latin typeface="微软雅黑" panose="020B0503020204020204" pitchFamily="34" charset="-122"/>
+                <a:ea typeface="微软雅黑" panose="020B0503020204020204" pitchFamily="34" charset="-122"/>
+              </a:rPr>
+              <a:t>按照公平分配原则，</a:t>
+            </a:r>
+            <a:r>
+              <a:rPr lang="en-US" altLang="zh-CN" sz="1600" dirty="0" err="1">
+                <a:latin typeface="微软雅黑" panose="020B0503020204020204" pitchFamily="34" charset="-122"/>
+                <a:ea typeface="微软雅黑" panose="020B0503020204020204" pitchFamily="34" charset="-122"/>
+              </a:rPr>
+              <a:t>sjf</a:t>
+            </a:r>
+            <a:r>
+              <a:rPr lang="en-US" altLang="zh-CN" sz="1600" dirty="0">
+                <a:latin typeface="微软雅黑" panose="020B0503020204020204" pitchFamily="34" charset="-122"/>
+                <a:ea typeface="微软雅黑" panose="020B0503020204020204" pitchFamily="34" charset="-122"/>
+              </a:rPr>
+              <a:t> </a:t>
+            </a:r>
+            <a:r>
+              <a:rPr lang="zh-CN" altLang="en-US" sz="1600" dirty="0">
+                <a:latin typeface="微软雅黑" panose="020B0503020204020204" pitchFamily="34" charset="-122"/>
+                <a:ea typeface="微软雅黑" panose="020B0503020204020204" pitchFamily="34" charset="-122"/>
+              </a:rPr>
+              <a:t>按照谁快谁先的原则，</a:t>
+            </a:r>
+            <a:r>
+              <a:rPr lang="en-US" altLang="zh-CN" sz="1600" dirty="0" err="1">
+                <a:latin typeface="微软雅黑" panose="020B0503020204020204" pitchFamily="34" charset="-122"/>
+                <a:ea typeface="微软雅黑" panose="020B0503020204020204" pitchFamily="34" charset="-122"/>
+              </a:rPr>
+              <a:t>mlfq</a:t>
+            </a:r>
+            <a:r>
+              <a:rPr lang="en-US" altLang="zh-CN" sz="1600" dirty="0">
+                <a:latin typeface="微软雅黑" panose="020B0503020204020204" pitchFamily="34" charset="-122"/>
+                <a:ea typeface="微软雅黑" panose="020B0503020204020204" pitchFamily="34" charset="-122"/>
+              </a:rPr>
+              <a:t> </a:t>
+            </a:r>
+            <a:r>
+              <a:rPr lang="zh-CN" altLang="en-US" sz="1600" dirty="0">
+                <a:latin typeface="微软雅黑" panose="020B0503020204020204" pitchFamily="34" charset="-122"/>
+                <a:ea typeface="微软雅黑" panose="020B0503020204020204" pitchFamily="34" charset="-122"/>
+              </a:rPr>
+              <a:t>短任务会有更高的优先级，因此三者实时性较好。</a:t>
+            </a:r>
+            <a:endParaRPr lang="en-US" altLang="zh-CN" sz="1600" dirty="0">
+              <a:latin typeface="微软雅黑" panose="020B0503020204020204" pitchFamily="34" charset="-122"/>
+              <a:ea typeface="微软雅黑" panose="020B0503020204020204" pitchFamily="34" charset="-122"/>
+            </a:endParaRPr>
+          </a:p>
+        </p:txBody>
+      </p:sp>
+    </p:spTree>
+    <p:extLst>
+      <p:ext uri="{BB962C8B-B14F-4D97-AF65-F5344CB8AC3E}">
+        <p14:creationId xmlns:p14="http://schemas.microsoft.com/office/powerpoint/2010/main" val="1547759642"/>
+      </p:ext>
+    </p:extLst>
+  </p:cSld>
+  <p:clrMapOvr>
+    <a:masterClrMapping/>
+  </p:clrMapOvr>
+</p:sld>
+</file>
+
+<file path=ppt/slides/slide14.xml><?xml version="1.0" encoding="utf-8"?>
+<p:sld xmlns:a="http://schemas.openxmlformats.org/drawingml/2006/main" xmlns:r="http://schemas.openxmlformats.org/officeDocument/2006/relationships" xmlns:p="http://schemas.openxmlformats.org/presentationml/2006/main">
+  <p:cSld>
+    <p:spTree>
+      <p:nvGrpSpPr>
+        <p:cNvPr id="1" name=""/>
+        <p:cNvGrpSpPr/>
+        <p:nvPr/>
+      </p:nvGrpSpPr>
+      <p:grpSpPr>
+        <a:xfrm>
+          <a:off x="0" y="0"/>
+          <a:ext cx="0" cy="0"/>
+          <a:chOff x="0" y="0"/>
+          <a:chExt cx="0" cy="0"/>
+        </a:xfrm>
+      </p:grpSpPr>
+      <p:sp>
+        <p:nvSpPr>
+          <p:cNvPr id="2" name="标题 1">
+            <a:extLst>
+              <a:ext uri="{FF2B5EF4-FFF2-40B4-BE49-F238E27FC236}">
+                <a16:creationId xmlns:a16="http://schemas.microsoft.com/office/drawing/2014/main" id="{80DFE90A-A2E0-9AE6-F76D-10DC3FF105F1}"/>
+              </a:ext>
+            </a:extLst>
+          </p:cNvPr>
+          <p:cNvSpPr>
+            <a:spLocks noGrp="1"/>
+          </p:cNvSpPr>
+          <p:nvPr>
+            <p:ph type="title"/>
+          </p:nvPr>
+        </p:nvSpPr>
+        <p:spPr>
+          <a:xfrm>
+            <a:off x="722586" y="131378"/>
+            <a:ext cx="6356131" cy="777766"/>
+          </a:xfrm>
+        </p:spPr>
+        <p:txBody>
+          <a:bodyPr>
+            <a:normAutofit/>
+          </a:bodyPr>
+          <a:lstStyle/>
+          <a:p>
+            <a:r>
+              <a:rPr lang="en-US" altLang="zh-CN" sz="2800" b="1" dirty="0" err="1">
+                <a:latin typeface="微软雅黑" panose="020B0503020204020204" pitchFamily="34" charset="-122"/>
+                <a:ea typeface="微软雅黑" panose="020B0503020204020204" pitchFamily="34" charset="-122"/>
+              </a:rPr>
+              <a:t>ArceOS</a:t>
+            </a:r>
+            <a:r>
+              <a:rPr lang="en-US" altLang="zh-CN" sz="2800" b="1" dirty="0">
+                <a:latin typeface="微软雅黑" panose="020B0503020204020204" pitchFamily="34" charset="-122"/>
+                <a:ea typeface="微软雅黑" panose="020B0503020204020204" pitchFamily="34" charset="-122"/>
+              </a:rPr>
+              <a:t> </a:t>
+            </a:r>
+            <a:r>
+              <a:rPr lang="zh-CN" altLang="en-US" sz="2800" b="1" dirty="0">
+                <a:latin typeface="微软雅黑" panose="020B0503020204020204" pitchFamily="34" charset="-122"/>
+                <a:ea typeface="微软雅黑" panose="020B0503020204020204" pitchFamily="34" charset="-122"/>
+              </a:rPr>
+              <a:t>调度算法测试</a:t>
+            </a:r>
+            <a:r>
+              <a:rPr lang="en-US" altLang="zh-CN" sz="2800" b="1" dirty="0">
+                <a:latin typeface="微软雅黑" panose="020B0503020204020204" pitchFamily="34" charset="-122"/>
+                <a:ea typeface="微软雅黑" panose="020B0503020204020204" pitchFamily="34" charset="-122"/>
+              </a:rPr>
+              <a:t>——occupy</a:t>
+            </a:r>
+            <a:endParaRPr lang="zh-CN" altLang="en-US" sz="2800" b="1" dirty="0">
+              <a:latin typeface="微软雅黑" panose="020B0503020204020204" pitchFamily="34" charset="-122"/>
+              <a:ea typeface="微软雅黑" panose="020B0503020204020204" pitchFamily="34" charset="-122"/>
+            </a:endParaRPr>
+          </a:p>
+        </p:txBody>
+      </p:sp>
+      <p:sp>
+        <p:nvSpPr>
+          <p:cNvPr id="3" name="内容占位符 2">
+            <a:extLst>
+              <a:ext uri="{FF2B5EF4-FFF2-40B4-BE49-F238E27FC236}">
+                <a16:creationId xmlns:a16="http://schemas.microsoft.com/office/drawing/2014/main" id="{C751BD92-A3AB-5B8B-346D-D89533801201}"/>
+              </a:ext>
+            </a:extLst>
+          </p:cNvPr>
+          <p:cNvSpPr>
+            <a:spLocks noGrp="1"/>
+          </p:cNvSpPr>
+          <p:nvPr>
+            <p:ph idx="1"/>
+          </p:nvPr>
+        </p:nvSpPr>
+        <p:spPr>
+          <a:xfrm>
+            <a:off x="722586" y="1045725"/>
+            <a:ext cx="10515600" cy="1009047"/>
+          </a:xfrm>
+        </p:spPr>
+        <p:txBody>
+          <a:bodyPr>
+            <a:noAutofit/>
+          </a:bodyPr>
+          <a:lstStyle/>
+          <a:p>
+            <a:pPr>
+              <a:lnSpc>
+                <a:spcPct val="150000"/>
+              </a:lnSpc>
+            </a:pPr>
+            <a:r>
+              <a:rPr lang="zh-CN" altLang="en-US" sz="2000" b="1" dirty="0">
+                <a:latin typeface="微软雅黑" panose="020B0503020204020204" pitchFamily="34" charset="-122"/>
+                <a:ea typeface="微软雅黑" panose="020B0503020204020204" pitchFamily="34" charset="-122"/>
+              </a:rPr>
+              <a:t>设计思路</a:t>
+            </a:r>
+            <a:r>
+              <a:rPr lang="zh-CN" altLang="en-US" sz="2000" dirty="0">
+                <a:latin typeface="微软雅黑" panose="020B0503020204020204" pitchFamily="34" charset="-122"/>
+                <a:ea typeface="微软雅黑" panose="020B0503020204020204" pitchFamily="34" charset="-122"/>
+              </a:rPr>
+              <a:t>：有 </a:t>
+            </a:r>
+            <a:r>
+              <a:rPr lang="en-US" altLang="zh-CN" sz="2000" dirty="0">
+                <a:latin typeface="微软雅黑" panose="020B0503020204020204" pitchFamily="34" charset="-122"/>
+                <a:ea typeface="微软雅黑" panose="020B0503020204020204" pitchFamily="34" charset="-122"/>
+              </a:rPr>
+              <a:t>2 </a:t>
+            </a:r>
+            <a:r>
+              <a:rPr lang="zh-CN" altLang="en-US" sz="2000" dirty="0">
+                <a:latin typeface="微软雅黑" panose="020B0503020204020204" pitchFamily="34" charset="-122"/>
+                <a:ea typeface="微软雅黑" panose="020B0503020204020204" pitchFamily="34" charset="-122"/>
+              </a:rPr>
+              <a:t>个短进程，运行很多次；有一个长进程，运行 </a:t>
+            </a:r>
+            <a:r>
+              <a:rPr lang="en-US" altLang="zh-CN" sz="2000" dirty="0">
+                <a:latin typeface="微软雅黑" panose="020B0503020204020204" pitchFamily="34" charset="-122"/>
+                <a:ea typeface="微软雅黑" panose="020B0503020204020204" pitchFamily="34" charset="-122"/>
+              </a:rPr>
+              <a:t>80 </a:t>
+            </a:r>
+            <a:r>
+              <a:rPr lang="zh-CN" altLang="en-US" sz="2000" dirty="0">
+                <a:latin typeface="微软雅黑" panose="020B0503020204020204" pitchFamily="34" charset="-122"/>
+                <a:ea typeface="微软雅黑" panose="020B0503020204020204" pitchFamily="34" charset="-122"/>
+              </a:rPr>
+              <a:t>次，每次 </a:t>
+            </a:r>
+            <a:r>
+              <a:rPr lang="en-US" altLang="zh-CN" sz="2000" dirty="0">
+                <a:latin typeface="微软雅黑" panose="020B0503020204020204" pitchFamily="34" charset="-122"/>
+                <a:ea typeface="微软雅黑" panose="020B0503020204020204" pitchFamily="34" charset="-122"/>
+              </a:rPr>
+              <a:t>10000000 </a:t>
+            </a:r>
+            <a:r>
+              <a:rPr lang="zh-CN" altLang="en-US" sz="2000" dirty="0">
+                <a:latin typeface="微软雅黑" panose="020B0503020204020204" pitchFamily="34" charset="-122"/>
+                <a:ea typeface="微软雅黑" panose="020B0503020204020204" pitchFamily="34" charset="-122"/>
+              </a:rPr>
+              <a:t>长度的循环。测试长进程什么时候结束，反映在有实时任务的情况下的响应时间。</a:t>
+            </a:r>
+            <a:endParaRPr lang="en-US" altLang="zh-CN" sz="2000" dirty="0">
+              <a:latin typeface="微软雅黑" panose="020B0503020204020204" pitchFamily="34" charset="-122"/>
+              <a:ea typeface="微软雅黑" panose="020B0503020204020204" pitchFamily="34" charset="-122"/>
+            </a:endParaRPr>
+          </a:p>
+        </p:txBody>
+      </p:sp>
+      <p:sp>
+        <p:nvSpPr>
+          <p:cNvPr id="4" name="矩形 3">
+            <a:extLst>
+              <a:ext uri="{FF2B5EF4-FFF2-40B4-BE49-F238E27FC236}">
+                <a16:creationId xmlns:a16="http://schemas.microsoft.com/office/drawing/2014/main" id="{483A44BE-3CAA-59DC-E08B-5A21229BF8C2}"/>
+              </a:ext>
+            </a:extLst>
+          </p:cNvPr>
+          <p:cNvSpPr/>
+          <p:nvPr/>
+        </p:nvSpPr>
+        <p:spPr>
+          <a:xfrm flipH="1">
+            <a:off x="457200" y="286261"/>
+            <a:ext cx="73573" cy="468000"/>
+          </a:xfrm>
+          <a:prstGeom prst="rect">
+            <a:avLst/>
+          </a:prstGeom>
+          <a:solidFill>
+            <a:srgbClr val="7030A0"/>
+          </a:solidFill>
+          <a:ln>
+            <a:noFill/>
+          </a:ln>
+        </p:spPr>
+        <p:style>
+          <a:lnRef idx="2">
+            <a:schemeClr val="accent5"/>
+          </a:lnRef>
+          <a:fillRef idx="1">
+            <a:schemeClr val="lt1"/>
+          </a:fillRef>
+          <a:effectRef idx="0">
+            <a:schemeClr val="accent5"/>
+          </a:effectRef>
+          <a:fontRef idx="minor">
+            <a:schemeClr val="dk1"/>
+          </a:fontRef>
+        </p:style>
+        <p:txBody>
+          <a:bodyPr rtlCol="0" anchor="ctr"/>
+          <a:lstStyle/>
+          <a:p>
+            <a:pPr algn="ctr"/>
+            <a:endParaRPr lang="zh-CN" altLang="en-US" dirty="0"/>
+          </a:p>
+        </p:txBody>
+      </p:sp>
+      <p:sp>
+        <p:nvSpPr>
+          <p:cNvPr id="9" name="灯片编号占位符 8">
+            <a:extLst>
+              <a:ext uri="{FF2B5EF4-FFF2-40B4-BE49-F238E27FC236}">
+                <a16:creationId xmlns:a16="http://schemas.microsoft.com/office/drawing/2014/main" id="{C1420316-E664-87C8-DC84-30A1F34F120A}"/>
+              </a:ext>
+            </a:extLst>
+          </p:cNvPr>
+          <p:cNvSpPr>
+            <a:spLocks noGrp="1"/>
+          </p:cNvSpPr>
+          <p:nvPr>
+            <p:ph type="sldNum" sz="quarter" idx="12"/>
+          </p:nvPr>
+        </p:nvSpPr>
+        <p:spPr/>
+        <p:txBody>
+          <a:bodyPr/>
+          <a:lstStyle/>
+          <a:p>
+            <a:fld id="{64612D46-7F69-47CC-AB33-86E2C77428C3}" type="slidenum">
+              <a:rPr lang="zh-CN" altLang="en-US" smtClean="0"/>
+              <a:t>14</a:t>
+            </a:fld>
+            <a:endParaRPr lang="zh-CN" altLang="en-US"/>
+          </a:p>
+        </p:txBody>
+      </p:sp>
+      <p:graphicFrame>
+        <p:nvGraphicFramePr>
+          <p:cNvPr id="6" name="表格 5">
+            <a:extLst>
+              <a:ext uri="{FF2B5EF4-FFF2-40B4-BE49-F238E27FC236}">
+                <a16:creationId xmlns:a16="http://schemas.microsoft.com/office/drawing/2014/main" id="{7DED68CD-6C5B-B6B6-E2FD-4B201A49C112}"/>
+              </a:ext>
+            </a:extLst>
+          </p:cNvPr>
+          <p:cNvGraphicFramePr>
+            <a:graphicFrameLocks noGrp="1"/>
+          </p:cNvGraphicFramePr>
+          <p:nvPr>
+            <p:extLst>
+              <p:ext uri="{D42A27DB-BD31-4B8C-83A1-F6EECF244321}">
+                <p14:modId xmlns:p14="http://schemas.microsoft.com/office/powerpoint/2010/main" val="2823221952"/>
+              </p:ext>
+            </p:extLst>
+          </p:nvPr>
+        </p:nvGraphicFramePr>
+        <p:xfrm>
+          <a:off x="3189889" y="2164749"/>
+          <a:ext cx="5150070" cy="2405235"/>
+        </p:xfrm>
+        <a:graphic>
+          <a:graphicData uri="http://schemas.openxmlformats.org/drawingml/2006/table">
+            <a:tbl>
+              <a:tblPr firstRow="1" bandRow="1">
+                <a:tableStyleId>{5C22544A-7EE6-4342-B048-85BDC9FD1C3A}</a:tableStyleId>
+              </a:tblPr>
+              <a:tblGrid>
+                <a:gridCol w="2575035">
+                  <a:extLst>
+                    <a:ext uri="{9D8B030D-6E8A-4147-A177-3AD203B41FA5}">
+                      <a16:colId xmlns:a16="http://schemas.microsoft.com/office/drawing/2014/main" val="2422364854"/>
+                    </a:ext>
+                  </a:extLst>
+                </a:gridCol>
+                <a:gridCol w="2575035">
+                  <a:extLst>
+                    <a:ext uri="{9D8B030D-6E8A-4147-A177-3AD203B41FA5}">
+                      <a16:colId xmlns:a16="http://schemas.microsoft.com/office/drawing/2014/main" val="746740908"/>
+                    </a:ext>
+                  </a:extLst>
+                </a:gridCol>
+              </a:tblGrid>
+              <a:tr h="576435">
+                <a:tc>
+                  <a:txBody>
+                    <a:bodyPr/>
+                    <a:lstStyle/>
+                    <a:p>
+                      <a:pPr algn="ctr"/>
+                      <a:r>
+                        <a:rPr lang="zh-CN" altLang="en-US" dirty="0"/>
+                        <a:t>完成时间（</a:t>
+                      </a:r>
+                      <a:r>
+                        <a:rPr lang="en-US" altLang="zh-CN" dirty="0" err="1"/>
+                        <a:t>ms</a:t>
+                      </a:r>
+                      <a:r>
+                        <a:rPr lang="zh-CN" altLang="en-US" dirty="0"/>
+                        <a:t>）</a:t>
+                      </a:r>
+                    </a:p>
+                  </a:txBody>
+                  <a:tcPr/>
+                </a:tc>
+                <a:tc>
+                  <a:txBody>
+                    <a:bodyPr/>
+                    <a:lstStyle/>
+                    <a:p>
+                      <a:pPr algn="ctr"/>
+                      <a:r>
+                        <a:rPr lang="zh-CN" altLang="en-US" dirty="0"/>
+                        <a:t>长任务</a:t>
+                      </a:r>
+                    </a:p>
+                  </a:txBody>
+                  <a:tcPr/>
+                </a:tc>
+                <a:extLst>
+                  <a:ext uri="{0D108BD9-81ED-4DB2-BD59-A6C34878D82A}">
+                    <a16:rowId xmlns:a16="http://schemas.microsoft.com/office/drawing/2014/main" val="41063219"/>
+                  </a:ext>
+                </a:extLst>
+              </a:tr>
+              <a:tr h="333966">
+                <a:tc>
+                  <a:txBody>
+                    <a:bodyPr/>
+                    <a:lstStyle/>
+                    <a:p>
+                      <a:pPr algn="ctr"/>
+                      <a:r>
+                        <a:rPr lang="en-US" altLang="zh-CN" dirty="0" err="1"/>
+                        <a:t>fifo</a:t>
+                      </a:r>
+                      <a:endParaRPr lang="zh-CN" altLang="en-US" dirty="0"/>
+                    </a:p>
+                  </a:txBody>
+                  <a:tcPr/>
+                </a:tc>
+                <a:tc>
+                  <a:txBody>
+                    <a:bodyPr/>
+                    <a:lstStyle/>
+                    <a:p>
+                      <a:pPr algn="ctr"/>
+                      <a:r>
+                        <a:rPr lang="en-US" altLang="zh-CN" dirty="0"/>
+                        <a:t>2023</a:t>
+                      </a:r>
+                      <a:endParaRPr lang="zh-CN" altLang="en-US" dirty="0"/>
+                    </a:p>
+                  </a:txBody>
+                  <a:tcPr/>
+                </a:tc>
+                <a:extLst>
+                  <a:ext uri="{0D108BD9-81ED-4DB2-BD59-A6C34878D82A}">
+                    <a16:rowId xmlns:a16="http://schemas.microsoft.com/office/drawing/2014/main" val="1103445401"/>
+                  </a:ext>
+                </a:extLst>
+              </a:tr>
+              <a:tr h="333966">
+                <a:tc>
+                  <a:txBody>
+                    <a:bodyPr/>
+                    <a:lstStyle/>
+                    <a:p>
+                      <a:pPr algn="ctr"/>
+                      <a:r>
+                        <a:rPr lang="en-US" altLang="zh-CN" dirty="0" err="1"/>
+                        <a:t>rr</a:t>
+                      </a:r>
+                      <a:endParaRPr lang="en-US" altLang="zh-CN" dirty="0"/>
+                    </a:p>
+                  </a:txBody>
+                  <a:tcPr/>
+                </a:tc>
+                <a:tc>
+                  <a:txBody>
+                    <a:bodyPr/>
+                    <a:lstStyle/>
+                    <a:p>
+                      <a:pPr algn="ctr"/>
+                      <a:r>
+                        <a:rPr lang="en-US" altLang="zh-CN" dirty="0"/>
+                        <a:t>2019</a:t>
+                      </a:r>
+                      <a:endParaRPr lang="zh-CN" altLang="en-US" dirty="0"/>
+                    </a:p>
+                  </a:txBody>
+                  <a:tcPr/>
+                </a:tc>
+                <a:extLst>
+                  <a:ext uri="{0D108BD9-81ED-4DB2-BD59-A6C34878D82A}">
+                    <a16:rowId xmlns:a16="http://schemas.microsoft.com/office/drawing/2014/main" val="2219017797"/>
+                  </a:ext>
+                </a:extLst>
+              </a:tr>
+              <a:tr h="333966">
+                <a:tc>
+                  <a:txBody>
+                    <a:bodyPr/>
+                    <a:lstStyle/>
+                    <a:p>
+                      <a:pPr algn="ctr"/>
+                      <a:r>
+                        <a:rPr lang="en-US" altLang="zh-CN" dirty="0" err="1"/>
+                        <a:t>cfs</a:t>
+                      </a:r>
+                      <a:endParaRPr lang="zh-CN" altLang="en-US" dirty="0"/>
+                    </a:p>
+                  </a:txBody>
+                  <a:tcPr/>
+                </a:tc>
+                <a:tc>
+                  <a:txBody>
+                    <a:bodyPr/>
+                    <a:lstStyle/>
+                    <a:p>
+                      <a:pPr algn="ctr"/>
+                      <a:r>
+                        <a:rPr lang="en-US" altLang="zh-CN" dirty="0"/>
+                        <a:t>4828</a:t>
+                      </a:r>
+                      <a:endParaRPr lang="zh-CN" altLang="en-US" dirty="0"/>
+                    </a:p>
+                  </a:txBody>
+                  <a:tcPr/>
+                </a:tc>
+                <a:extLst>
+                  <a:ext uri="{0D108BD9-81ED-4DB2-BD59-A6C34878D82A}">
+                    <a16:rowId xmlns:a16="http://schemas.microsoft.com/office/drawing/2014/main" val="3572013608"/>
+                  </a:ext>
+                </a:extLst>
+              </a:tr>
+              <a:tr h="333966">
+                <a:tc>
+                  <a:txBody>
+                    <a:bodyPr/>
+                    <a:lstStyle/>
+                    <a:p>
+                      <a:pPr algn="ctr"/>
+                      <a:r>
+                        <a:rPr lang="en-US" altLang="zh-CN" dirty="0" err="1"/>
+                        <a:t>sjf</a:t>
+                      </a:r>
+                      <a:endParaRPr lang="zh-CN" altLang="en-US" dirty="0"/>
+                    </a:p>
+                  </a:txBody>
+                  <a:tcPr/>
+                </a:tc>
+                <a:tc>
+                  <a:txBody>
+                    <a:bodyPr/>
+                    <a:lstStyle/>
+                    <a:p>
+                      <a:pPr algn="ctr"/>
+                      <a:r>
+                        <a:rPr lang="en-US" altLang="zh-CN" dirty="0"/>
+                        <a:t>6740</a:t>
+                      </a:r>
+                      <a:endParaRPr lang="zh-CN" altLang="en-US" dirty="0"/>
+                    </a:p>
+                  </a:txBody>
+                  <a:tcPr/>
+                </a:tc>
+                <a:extLst>
+                  <a:ext uri="{0D108BD9-81ED-4DB2-BD59-A6C34878D82A}">
+                    <a16:rowId xmlns:a16="http://schemas.microsoft.com/office/drawing/2014/main" val="491370893"/>
+                  </a:ext>
+                </a:extLst>
+              </a:tr>
+              <a:tr h="333966">
+                <a:tc>
+                  <a:txBody>
+                    <a:bodyPr/>
+                    <a:lstStyle/>
+                    <a:p>
+                      <a:pPr algn="ctr"/>
+                      <a:r>
+                        <a:rPr lang="en-US" altLang="zh-CN" dirty="0" err="1"/>
+                        <a:t>mlfq</a:t>
+                      </a:r>
+                      <a:endParaRPr lang="zh-CN" altLang="en-US" dirty="0"/>
+                    </a:p>
+                  </a:txBody>
+                  <a:tcPr/>
+                </a:tc>
+                <a:tc>
+                  <a:txBody>
+                    <a:bodyPr/>
+                    <a:lstStyle/>
+                    <a:p>
+                      <a:pPr algn="ctr"/>
+                      <a:r>
+                        <a:rPr lang="en-US" altLang="zh-CN" dirty="0"/>
+                        <a:t>5416</a:t>
+                      </a:r>
+                      <a:endParaRPr lang="zh-CN" altLang="en-US" dirty="0"/>
+                    </a:p>
+                  </a:txBody>
+                  <a:tcPr/>
+                </a:tc>
+                <a:extLst>
+                  <a:ext uri="{0D108BD9-81ED-4DB2-BD59-A6C34878D82A}">
+                    <a16:rowId xmlns:a16="http://schemas.microsoft.com/office/drawing/2014/main" val="4271129800"/>
+                  </a:ext>
+                </a:extLst>
+              </a:tr>
+            </a:tbl>
+          </a:graphicData>
+        </a:graphic>
+      </p:graphicFrame>
+      <p:sp>
+        <p:nvSpPr>
+          <p:cNvPr id="5" name="内容占位符 2">
+            <a:extLst>
+              <a:ext uri="{FF2B5EF4-FFF2-40B4-BE49-F238E27FC236}">
+                <a16:creationId xmlns:a16="http://schemas.microsoft.com/office/drawing/2014/main" id="{8EBCD865-6078-12E3-CEF3-BBB2896A84E5}"/>
+              </a:ext>
+            </a:extLst>
+          </p:cNvPr>
+          <p:cNvSpPr txBox="1">
+            <a:spLocks/>
+          </p:cNvSpPr>
+          <p:nvPr/>
+        </p:nvSpPr>
+        <p:spPr>
+          <a:xfrm>
+            <a:off x="722586" y="4706198"/>
+            <a:ext cx="10515600" cy="1009047"/>
+          </a:xfrm>
+          <a:prstGeom prst="rect">
+            <a:avLst/>
+          </a:prstGeom>
+        </p:spPr>
+        <p:txBody>
+          <a:bodyPr vert="horz" lIns="91440" tIns="45720" rIns="91440" bIns="45720" rtlCol="0">
+            <a:noAutofit/>
+          </a:bodyPr>
+          <a:lstStyle>
+            <a:lvl1pPr marL="228600" indent="-228600" algn="l" defTabSz="914400" rtl="0" eaLnBrk="1" latinLnBrk="0" hangingPunct="1">
+              <a:lnSpc>
+                <a:spcPct val="90000"/>
+              </a:lnSpc>
+              <a:spcBef>
+                <a:spcPts val="1000"/>
+              </a:spcBef>
+              <a:buFont typeface="Arial" panose="020B0604020202020204" pitchFamily="34" charset="0"/>
+              <a:buChar char="•"/>
+              <a:defRPr sz="2800" kern="1200">
+                <a:solidFill>
+                  <a:schemeClr val="tx1"/>
+                </a:solidFill>
+                <a:latin typeface="+mn-lt"/>
+                <a:ea typeface="+mn-ea"/>
+                <a:cs typeface="+mn-cs"/>
+              </a:defRPr>
+            </a:lvl1pPr>
+            <a:lvl2pPr marL="685800" indent="-228600" algn="l" defTabSz="914400" rtl="0" eaLnBrk="1" latinLnBrk="0" hangingPunct="1">
+              <a:lnSpc>
+                <a:spcPct val="90000"/>
+              </a:lnSpc>
+              <a:spcBef>
+                <a:spcPts val="500"/>
+              </a:spcBef>
+              <a:buFont typeface="Arial" panose="020B0604020202020204" pitchFamily="34" charset="0"/>
+              <a:buChar char="•"/>
+              <a:defRPr sz="2400" kern="1200">
+                <a:solidFill>
+                  <a:schemeClr val="tx1"/>
+                </a:solidFill>
+                <a:latin typeface="+mn-lt"/>
+                <a:ea typeface="+mn-ea"/>
+                <a:cs typeface="+mn-cs"/>
+              </a:defRPr>
+            </a:lvl2pPr>
+            <a:lvl3pPr marL="1143000" indent="-228600" algn="l" defTabSz="914400" rtl="0" eaLnBrk="1" latinLnBrk="0" hangingPunct="1">
+              <a:lnSpc>
+                <a:spcPct val="90000"/>
+              </a:lnSpc>
+              <a:spcBef>
+                <a:spcPts val="500"/>
+              </a:spcBef>
+              <a:buFont typeface="Arial" panose="020B0604020202020204" pitchFamily="34" charset="0"/>
+              <a:buChar char="•"/>
+              <a:defRPr sz="2000" kern="1200">
+                <a:solidFill>
+                  <a:schemeClr val="tx1"/>
+                </a:solidFill>
+                <a:latin typeface="+mn-lt"/>
+                <a:ea typeface="+mn-ea"/>
+                <a:cs typeface="+mn-cs"/>
+              </a:defRPr>
+            </a:lvl3pPr>
+            <a:lvl4pPr marL="1600200" indent="-228600" algn="l" defTabSz="914400" rtl="0" eaLnBrk="1" latinLnBrk="0" hangingPunct="1">
+              <a:lnSpc>
+                <a:spcPct val="90000"/>
+              </a:lnSpc>
+              <a:spcBef>
+                <a:spcPts val="500"/>
+              </a:spcBef>
+              <a:buFont typeface="Arial" panose="020B0604020202020204" pitchFamily="34" charset="0"/>
+              <a:buChar char="•"/>
+              <a:defRPr sz="1800" kern="1200">
+                <a:solidFill>
+                  <a:schemeClr val="tx1"/>
+                </a:solidFill>
+                <a:latin typeface="+mn-lt"/>
+                <a:ea typeface="+mn-ea"/>
+                <a:cs typeface="+mn-cs"/>
+              </a:defRPr>
+            </a:lvl4pPr>
+            <a:lvl5pPr marL="2057400" indent="-228600" algn="l" defTabSz="914400" rtl="0" eaLnBrk="1" latinLnBrk="0" hangingPunct="1">
+              <a:lnSpc>
+                <a:spcPct val="90000"/>
+              </a:lnSpc>
+              <a:spcBef>
+                <a:spcPts val="500"/>
+              </a:spcBef>
+              <a:buFont typeface="Arial" panose="020B0604020202020204" pitchFamily="34" charset="0"/>
+              <a:buChar char="•"/>
+              <a:defRPr sz="1800" kern="1200">
+                <a:solidFill>
+                  <a:schemeClr val="tx1"/>
+                </a:solidFill>
+                <a:latin typeface="+mn-lt"/>
+                <a:ea typeface="+mn-ea"/>
+                <a:cs typeface="+mn-cs"/>
+              </a:defRPr>
+            </a:lvl5pPr>
+            <a:lvl6pPr marL="2514600" indent="-228600" algn="l" defTabSz="914400" rtl="0" eaLnBrk="1" latinLnBrk="0" hangingPunct="1">
+              <a:lnSpc>
+                <a:spcPct val="90000"/>
+              </a:lnSpc>
+              <a:spcBef>
+                <a:spcPts val="500"/>
+              </a:spcBef>
+              <a:buFont typeface="Arial" panose="020B0604020202020204" pitchFamily="34" charset="0"/>
+              <a:buChar char="•"/>
+              <a:defRPr sz="1800" kern="1200">
+                <a:solidFill>
+                  <a:schemeClr val="tx1"/>
+                </a:solidFill>
+                <a:latin typeface="+mn-lt"/>
+                <a:ea typeface="+mn-ea"/>
+                <a:cs typeface="+mn-cs"/>
+              </a:defRPr>
+            </a:lvl6pPr>
+            <a:lvl7pPr marL="2971800" indent="-228600" algn="l" defTabSz="914400" rtl="0" eaLnBrk="1" latinLnBrk="0" hangingPunct="1">
+              <a:lnSpc>
+                <a:spcPct val="90000"/>
+              </a:lnSpc>
+              <a:spcBef>
+                <a:spcPts val="500"/>
+              </a:spcBef>
+              <a:buFont typeface="Arial" panose="020B0604020202020204" pitchFamily="34" charset="0"/>
+              <a:buChar char="•"/>
+              <a:defRPr sz="1800" kern="1200">
+                <a:solidFill>
+                  <a:schemeClr val="tx1"/>
+                </a:solidFill>
+                <a:latin typeface="+mn-lt"/>
+                <a:ea typeface="+mn-ea"/>
+                <a:cs typeface="+mn-cs"/>
+              </a:defRPr>
+            </a:lvl7pPr>
+            <a:lvl8pPr marL="3429000" indent="-228600" algn="l" defTabSz="914400" rtl="0" eaLnBrk="1" latinLnBrk="0" hangingPunct="1">
+              <a:lnSpc>
+                <a:spcPct val="90000"/>
+              </a:lnSpc>
+              <a:spcBef>
+                <a:spcPts val="500"/>
+              </a:spcBef>
+              <a:buFont typeface="Arial" panose="020B0604020202020204" pitchFamily="34" charset="0"/>
+              <a:buChar char="•"/>
+              <a:defRPr sz="1800" kern="1200">
+                <a:solidFill>
+                  <a:schemeClr val="tx1"/>
+                </a:solidFill>
+                <a:latin typeface="+mn-lt"/>
+                <a:ea typeface="+mn-ea"/>
+                <a:cs typeface="+mn-cs"/>
+              </a:defRPr>
+            </a:lvl8pPr>
+            <a:lvl9pPr marL="3886200" indent="-228600" algn="l" defTabSz="914400" rtl="0" eaLnBrk="1" latinLnBrk="0" hangingPunct="1">
+              <a:lnSpc>
+                <a:spcPct val="90000"/>
+              </a:lnSpc>
+              <a:spcBef>
+                <a:spcPts val="500"/>
+              </a:spcBef>
+              <a:buFont typeface="Arial" panose="020B0604020202020204" pitchFamily="34" charset="0"/>
+              <a:buChar char="•"/>
+              <a:defRPr sz="1800" kern="1200">
+                <a:solidFill>
+                  <a:schemeClr val="tx1"/>
+                </a:solidFill>
+                <a:latin typeface="+mn-lt"/>
+                <a:ea typeface="+mn-ea"/>
+                <a:cs typeface="+mn-cs"/>
+              </a:defRPr>
+            </a:lvl9pPr>
+          </a:lstStyle>
+          <a:p>
+            <a:pPr>
+              <a:lnSpc>
+                <a:spcPct val="150000"/>
+              </a:lnSpc>
+            </a:pPr>
+            <a:r>
+              <a:rPr lang="zh-CN" altLang="en-US" sz="2000" b="1" dirty="0">
+                <a:latin typeface="微软雅黑" panose="020B0503020204020204" pitchFamily="34" charset="-122"/>
+                <a:ea typeface="微软雅黑" panose="020B0503020204020204" pitchFamily="34" charset="-122"/>
+              </a:rPr>
+              <a:t>结论</a:t>
+            </a:r>
+            <a:r>
+              <a:rPr lang="zh-CN" altLang="en-US" sz="2000" dirty="0">
+                <a:latin typeface="微软雅黑" panose="020B0503020204020204" pitchFamily="34" charset="-122"/>
+                <a:ea typeface="微软雅黑" panose="020B0503020204020204" pitchFamily="34" charset="-122"/>
+              </a:rPr>
+              <a:t>：</a:t>
+            </a:r>
+            <a:r>
+              <a:rPr lang="en-US" altLang="zh-CN" sz="2000" dirty="0" err="1">
+                <a:latin typeface="微软雅黑" panose="020B0503020204020204" pitchFamily="34" charset="-122"/>
+                <a:ea typeface="微软雅黑" panose="020B0503020204020204" pitchFamily="34" charset="-122"/>
+              </a:rPr>
+              <a:t>rr</a:t>
+            </a:r>
+            <a:r>
+              <a:rPr lang="en-US" altLang="zh-CN" sz="2000" dirty="0">
+                <a:latin typeface="微软雅黑" panose="020B0503020204020204" pitchFamily="34" charset="-122"/>
+                <a:ea typeface="微软雅黑" panose="020B0503020204020204" pitchFamily="34" charset="-122"/>
+              </a:rPr>
+              <a:t> </a:t>
+            </a:r>
+            <a:r>
+              <a:rPr lang="zh-CN" altLang="en-US" sz="2000" dirty="0">
+                <a:latin typeface="微软雅黑" panose="020B0503020204020204" pitchFamily="34" charset="-122"/>
+                <a:ea typeface="微软雅黑" panose="020B0503020204020204" pitchFamily="34" charset="-122"/>
+              </a:rPr>
+              <a:t>和 </a:t>
+            </a:r>
+            <a:r>
+              <a:rPr lang="en-US" altLang="zh-CN" sz="2000" dirty="0" err="1">
+                <a:latin typeface="微软雅黑" panose="020B0503020204020204" pitchFamily="34" charset="-122"/>
+                <a:ea typeface="微软雅黑" panose="020B0503020204020204" pitchFamily="34" charset="-122"/>
+              </a:rPr>
+              <a:t>fifo</a:t>
+            </a:r>
+            <a:r>
+              <a:rPr lang="en-US" altLang="zh-CN" sz="2000" dirty="0">
+                <a:latin typeface="微软雅黑" panose="020B0503020204020204" pitchFamily="34" charset="-122"/>
+                <a:ea typeface="微软雅黑" panose="020B0503020204020204" pitchFamily="34" charset="-122"/>
+              </a:rPr>
+              <a:t> </a:t>
+            </a:r>
+            <a:r>
+              <a:rPr lang="zh-CN" altLang="en-US" sz="2000" dirty="0">
+                <a:latin typeface="微软雅黑" panose="020B0503020204020204" pitchFamily="34" charset="-122"/>
+                <a:ea typeface="微软雅黑" panose="020B0503020204020204" pitchFamily="34" charset="-122"/>
+              </a:rPr>
+              <a:t>响应时间短，</a:t>
+            </a:r>
+            <a:r>
+              <a:rPr lang="en-US" altLang="zh-CN" sz="2000" dirty="0" err="1">
+                <a:latin typeface="微软雅黑" panose="020B0503020204020204" pitchFamily="34" charset="-122"/>
+                <a:ea typeface="微软雅黑" panose="020B0503020204020204" pitchFamily="34" charset="-122"/>
+              </a:rPr>
+              <a:t>cfs</a:t>
+            </a:r>
+            <a:r>
+              <a:rPr lang="en-US" altLang="zh-CN" sz="2000" dirty="0">
+                <a:latin typeface="微软雅黑" panose="020B0503020204020204" pitchFamily="34" charset="-122"/>
+                <a:ea typeface="微软雅黑" panose="020B0503020204020204" pitchFamily="34" charset="-122"/>
+              </a:rPr>
+              <a:t> </a:t>
+            </a:r>
+            <a:r>
+              <a:rPr lang="zh-CN" altLang="en-US" sz="2000" dirty="0">
+                <a:latin typeface="微软雅黑" panose="020B0503020204020204" pitchFamily="34" charset="-122"/>
+                <a:ea typeface="微软雅黑" panose="020B0503020204020204" pitchFamily="34" charset="-122"/>
+              </a:rPr>
+              <a:t>响应时间一般，</a:t>
+            </a:r>
+            <a:r>
+              <a:rPr lang="en-US" altLang="zh-CN" sz="2000" dirty="0" err="1">
+                <a:latin typeface="微软雅黑" panose="020B0503020204020204" pitchFamily="34" charset="-122"/>
+                <a:ea typeface="微软雅黑" panose="020B0503020204020204" pitchFamily="34" charset="-122"/>
+              </a:rPr>
+              <a:t>sjf</a:t>
+            </a:r>
+            <a:r>
+              <a:rPr lang="en-US" altLang="zh-CN" sz="2000" dirty="0">
+                <a:latin typeface="微软雅黑" panose="020B0503020204020204" pitchFamily="34" charset="-122"/>
+                <a:ea typeface="微软雅黑" panose="020B0503020204020204" pitchFamily="34" charset="-122"/>
+              </a:rPr>
+              <a:t> </a:t>
+            </a:r>
+            <a:r>
+              <a:rPr lang="zh-CN" altLang="en-US" sz="2000" dirty="0">
+                <a:latin typeface="微软雅黑" panose="020B0503020204020204" pitchFamily="34" charset="-122"/>
+                <a:ea typeface="微软雅黑" panose="020B0503020204020204" pitchFamily="34" charset="-122"/>
+              </a:rPr>
+              <a:t>响应时间长。</a:t>
+            </a:r>
+            <a:r>
+              <a:rPr lang="zh-CN" altLang="en-US" sz="1600" dirty="0">
+                <a:latin typeface="微软雅黑" panose="020B0503020204020204" pitchFamily="34" charset="-122"/>
+                <a:ea typeface="微软雅黑" panose="020B0503020204020204" pitchFamily="34" charset="-122"/>
+              </a:rPr>
+              <a:t>。</a:t>
+            </a:r>
+            <a:endParaRPr lang="en-US" altLang="zh-CN" sz="1600" dirty="0">
+              <a:latin typeface="微软雅黑" panose="020B0503020204020204" pitchFamily="34" charset="-122"/>
+              <a:ea typeface="微软雅黑" panose="020B0503020204020204" pitchFamily="34" charset="-122"/>
+            </a:endParaRPr>
+          </a:p>
+        </p:txBody>
+      </p:sp>
+    </p:spTree>
+    <p:extLst>
+      <p:ext uri="{BB962C8B-B14F-4D97-AF65-F5344CB8AC3E}">
+        <p14:creationId xmlns:p14="http://schemas.microsoft.com/office/powerpoint/2010/main" val="3958518083"/>
+      </p:ext>
+    </p:extLst>
+  </p:cSld>
+  <p:clrMapOvr>
+    <a:masterClrMapping/>
+  </p:clrMapOvr>
+</p:sld>
+</file>
+
+<file path=ppt/slides/slide15.xml><?xml version="1.0" encoding="utf-8"?>
+<p:sld xmlns:a="http://schemas.openxmlformats.org/drawingml/2006/main" xmlns:r="http://schemas.openxmlformats.org/officeDocument/2006/relationships" xmlns:p="http://schemas.openxmlformats.org/presentationml/2006/main">
+  <p:cSld>
+    <p:spTree>
+      <p:nvGrpSpPr>
+        <p:cNvPr id="1" name=""/>
+        <p:cNvGrpSpPr/>
+        <p:nvPr/>
+      </p:nvGrpSpPr>
+      <p:grpSpPr>
+        <a:xfrm>
+          <a:off x="0" y="0"/>
+          <a:ext cx="0" cy="0"/>
+          <a:chOff x="0" y="0"/>
+          <a:chExt cx="0" cy="0"/>
+        </a:xfrm>
+      </p:grpSpPr>
+      <p:sp>
+        <p:nvSpPr>
+          <p:cNvPr id="2" name="标题 1">
+            <a:extLst>
+              <a:ext uri="{FF2B5EF4-FFF2-40B4-BE49-F238E27FC236}">
+                <a16:creationId xmlns:a16="http://schemas.microsoft.com/office/drawing/2014/main" id="{80DFE90A-A2E0-9AE6-F76D-10DC3FF105F1}"/>
+              </a:ext>
+            </a:extLst>
+          </p:cNvPr>
+          <p:cNvSpPr>
+            <a:spLocks noGrp="1"/>
+          </p:cNvSpPr>
+          <p:nvPr>
+            <p:ph type="title"/>
+          </p:nvPr>
+        </p:nvSpPr>
+        <p:spPr>
+          <a:xfrm>
+            <a:off x="722586" y="131378"/>
+            <a:ext cx="5975131" cy="777766"/>
+          </a:xfrm>
+        </p:spPr>
+        <p:txBody>
+          <a:bodyPr>
+            <a:normAutofit/>
+          </a:bodyPr>
+          <a:lstStyle/>
+          <a:p>
+            <a:r>
+              <a:rPr lang="zh-CN" altLang="en-US" sz="2800" b="1" dirty="0">
+                <a:latin typeface="微软雅黑" panose="020B0503020204020204" pitchFamily="34" charset="-122"/>
+                <a:ea typeface="微软雅黑" panose="020B0503020204020204" pitchFamily="34" charset="-122"/>
+              </a:rPr>
+              <a:t>后续计划</a:t>
+            </a:r>
+          </a:p>
+        </p:txBody>
+      </p:sp>
+      <p:sp>
+        <p:nvSpPr>
+          <p:cNvPr id="3" name="内容占位符 2">
+            <a:extLst>
+              <a:ext uri="{FF2B5EF4-FFF2-40B4-BE49-F238E27FC236}">
+                <a16:creationId xmlns:a16="http://schemas.microsoft.com/office/drawing/2014/main" id="{C751BD92-A3AB-5B8B-346D-D89533801201}"/>
+              </a:ext>
+            </a:extLst>
+          </p:cNvPr>
+          <p:cNvSpPr>
+            <a:spLocks noGrp="1"/>
+          </p:cNvSpPr>
+          <p:nvPr>
+            <p:ph idx="1"/>
+          </p:nvPr>
+        </p:nvSpPr>
+        <p:spPr>
+          <a:xfrm>
+            <a:off x="722586" y="1045725"/>
+            <a:ext cx="10515600" cy="4351338"/>
+          </a:xfrm>
+        </p:spPr>
+        <p:txBody>
+          <a:bodyPr>
+            <a:noAutofit/>
+          </a:bodyPr>
+          <a:lstStyle/>
+          <a:p>
+            <a:pPr>
+              <a:lnSpc>
+                <a:spcPct val="150000"/>
+              </a:lnSpc>
+            </a:pPr>
+            <a:r>
+              <a:rPr lang="zh-CN" altLang="en-US" sz="2000" dirty="0">
+                <a:latin typeface="微软雅黑" panose="020B0503020204020204" pitchFamily="34" charset="-122"/>
+                <a:ea typeface="微软雅黑" panose="020B0503020204020204" pitchFamily="34" charset="-122"/>
+              </a:rPr>
+              <a:t>完成</a:t>
+            </a:r>
+            <a:r>
+              <a:rPr lang="zh-CN" altLang="en-US" sz="2000" b="1" dirty="0">
+                <a:latin typeface="微软雅黑" panose="020B0503020204020204" pitchFamily="34" charset="-122"/>
+                <a:ea typeface="微软雅黑" panose="020B0503020204020204" pitchFamily="34" charset="-122"/>
+              </a:rPr>
+              <a:t>多核多队列</a:t>
+            </a:r>
+            <a:r>
+              <a:rPr lang="zh-CN" altLang="en-US" sz="2000" dirty="0">
+                <a:latin typeface="微软雅黑" panose="020B0503020204020204" pitchFamily="34" charset="-122"/>
+                <a:ea typeface="微软雅黑" panose="020B0503020204020204" pitchFamily="34" charset="-122"/>
+              </a:rPr>
+              <a:t>的调度设计</a:t>
+            </a:r>
+            <a:endParaRPr lang="en-US" altLang="zh-CN" sz="2000" dirty="0">
+              <a:latin typeface="微软雅黑" panose="020B0503020204020204" pitchFamily="34" charset="-122"/>
+              <a:ea typeface="微软雅黑" panose="020B0503020204020204" pitchFamily="34" charset="-122"/>
+            </a:endParaRPr>
+          </a:p>
+          <a:p>
+            <a:pPr lvl="1">
+              <a:lnSpc>
+                <a:spcPct val="150000"/>
+              </a:lnSpc>
+            </a:pPr>
+            <a:r>
+              <a:rPr lang="zh-CN" altLang="en-US" sz="1600" dirty="0">
+                <a:latin typeface="微软雅黑" panose="020B0503020204020204" pitchFamily="34" charset="-122"/>
+                <a:ea typeface="微软雅黑" panose="020B0503020204020204" pitchFamily="34" charset="-122"/>
+              </a:rPr>
+              <a:t>设计负载均衡框架</a:t>
+            </a:r>
+            <a:endParaRPr lang="en-US" altLang="zh-CN" sz="1600" dirty="0">
+              <a:latin typeface="微软雅黑" panose="020B0503020204020204" pitchFamily="34" charset="-122"/>
+              <a:ea typeface="微软雅黑" panose="020B0503020204020204" pitchFamily="34" charset="-122"/>
+            </a:endParaRPr>
+          </a:p>
+          <a:p>
+            <a:pPr lvl="1">
+              <a:lnSpc>
+                <a:spcPct val="150000"/>
+              </a:lnSpc>
+            </a:pPr>
+            <a:r>
+              <a:rPr lang="zh-CN" altLang="en-US" sz="1600" dirty="0">
+                <a:latin typeface="微软雅黑" panose="020B0503020204020204" pitchFamily="34" charset="-122"/>
+                <a:ea typeface="微软雅黑" panose="020B0503020204020204" pitchFamily="34" charset="-122"/>
+              </a:rPr>
+              <a:t>改进调度与抢占机制</a:t>
+            </a:r>
+          </a:p>
+          <a:p>
+            <a:pPr>
+              <a:lnSpc>
+                <a:spcPct val="150000"/>
+              </a:lnSpc>
+            </a:pPr>
+            <a:r>
+              <a:rPr lang="zh-CN" altLang="en-US" sz="2000" dirty="0">
+                <a:latin typeface="微软雅黑" panose="020B0503020204020204" pitchFamily="34" charset="-122"/>
+                <a:ea typeface="微软雅黑" panose="020B0503020204020204" pitchFamily="34" charset="-122"/>
+              </a:rPr>
+              <a:t>构建调度算法测试标准框架</a:t>
+            </a:r>
+            <a:endParaRPr lang="en-US" altLang="zh-CN" sz="2000" dirty="0">
+              <a:latin typeface="微软雅黑" panose="020B0503020204020204" pitchFamily="34" charset="-122"/>
+              <a:ea typeface="微软雅黑" panose="020B0503020204020204" pitchFamily="34" charset="-122"/>
+            </a:endParaRPr>
+          </a:p>
+          <a:p>
+            <a:pPr lvl="1">
+              <a:lnSpc>
+                <a:spcPct val="150000"/>
+              </a:lnSpc>
+            </a:pPr>
+            <a:r>
+              <a:rPr lang="zh-CN" altLang="en-US" sz="1600" dirty="0">
+                <a:latin typeface="微软雅黑" panose="020B0503020204020204" pitchFamily="34" charset="-122"/>
+                <a:ea typeface="微软雅黑" panose="020B0503020204020204" pitchFamily="34" charset="-122"/>
+              </a:rPr>
+              <a:t>调研 </a:t>
+            </a:r>
+            <a:r>
+              <a:rPr lang="en-US" altLang="zh-CN" sz="1600" dirty="0">
+                <a:latin typeface="微软雅黑" panose="020B0503020204020204" pitchFamily="34" charset="-122"/>
+                <a:ea typeface="微软雅黑" panose="020B0503020204020204" pitchFamily="34" charset="-122"/>
+              </a:rPr>
+              <a:t>Linux </a:t>
+            </a:r>
+            <a:r>
+              <a:rPr lang="zh-CN" altLang="en-US" sz="1600" dirty="0">
+                <a:latin typeface="微软雅黑" panose="020B0503020204020204" pitchFamily="34" charset="-122"/>
+                <a:ea typeface="微软雅黑" panose="020B0503020204020204" pitchFamily="34" charset="-122"/>
+              </a:rPr>
+              <a:t>调度算法标准测例，适配至 </a:t>
+            </a:r>
+            <a:r>
+              <a:rPr lang="en-US" altLang="zh-CN" sz="1600" dirty="0" err="1">
+                <a:latin typeface="微软雅黑" panose="020B0503020204020204" pitchFamily="34" charset="-122"/>
+                <a:ea typeface="微软雅黑" panose="020B0503020204020204" pitchFamily="34" charset="-122"/>
+              </a:rPr>
+              <a:t>ArceOS</a:t>
+            </a:r>
+            <a:r>
+              <a:rPr lang="en-US" altLang="zh-CN" sz="1600" dirty="0">
+                <a:latin typeface="微软雅黑" panose="020B0503020204020204" pitchFamily="34" charset="-122"/>
+                <a:ea typeface="微软雅黑" panose="020B0503020204020204" pitchFamily="34" charset="-122"/>
+              </a:rPr>
+              <a:t> </a:t>
+            </a:r>
+            <a:r>
+              <a:rPr lang="zh-CN" altLang="en-US" sz="1600" dirty="0">
+                <a:latin typeface="微软雅黑" panose="020B0503020204020204" pitchFamily="34" charset="-122"/>
+                <a:ea typeface="微软雅黑" panose="020B0503020204020204" pitchFamily="34" charset="-122"/>
+              </a:rPr>
+              <a:t>系统</a:t>
+            </a:r>
+            <a:endParaRPr lang="en-US" altLang="zh-CN" sz="1600" dirty="0">
+              <a:latin typeface="微软雅黑" panose="020B0503020204020204" pitchFamily="34" charset="-122"/>
+              <a:ea typeface="微软雅黑" panose="020B0503020204020204" pitchFamily="34" charset="-122"/>
+            </a:endParaRPr>
+          </a:p>
+          <a:p>
+            <a:pPr lvl="1">
+              <a:lnSpc>
+                <a:spcPct val="150000"/>
+              </a:lnSpc>
+            </a:pPr>
+            <a:r>
+              <a:rPr lang="zh-CN" altLang="en-US" sz="1600" dirty="0">
+                <a:latin typeface="微软雅黑" panose="020B0503020204020204" pitchFamily="34" charset="-122"/>
+                <a:ea typeface="微软雅黑" panose="020B0503020204020204" pitchFamily="34" charset="-122"/>
+              </a:rPr>
+              <a:t>对 </a:t>
+            </a:r>
+            <a:r>
+              <a:rPr lang="en-US" altLang="zh-CN" sz="1600" dirty="0">
+                <a:latin typeface="微软雅黑" panose="020B0503020204020204" pitchFamily="34" charset="-122"/>
+                <a:ea typeface="微软雅黑" panose="020B0503020204020204" pitchFamily="34" charset="-122"/>
+              </a:rPr>
+              <a:t>Linux </a:t>
+            </a:r>
+            <a:r>
+              <a:rPr lang="zh-CN" altLang="en-US" sz="1600" dirty="0">
+                <a:latin typeface="微软雅黑" panose="020B0503020204020204" pitchFamily="34" charset="-122"/>
+                <a:ea typeface="微软雅黑" panose="020B0503020204020204" pitchFamily="34" charset="-122"/>
+              </a:rPr>
+              <a:t>和 </a:t>
+            </a:r>
+            <a:r>
+              <a:rPr lang="en-US" altLang="zh-CN" sz="1600" dirty="0" err="1">
+                <a:latin typeface="微软雅黑" panose="020B0503020204020204" pitchFamily="34" charset="-122"/>
+                <a:ea typeface="微软雅黑" panose="020B0503020204020204" pitchFamily="34" charset="-122"/>
+              </a:rPr>
+              <a:t>ArceOS</a:t>
+            </a:r>
+            <a:r>
+              <a:rPr lang="en-US" altLang="zh-CN" sz="1600" dirty="0">
+                <a:latin typeface="微软雅黑" panose="020B0503020204020204" pitchFamily="34" charset="-122"/>
+                <a:ea typeface="微软雅黑" panose="020B0503020204020204" pitchFamily="34" charset="-122"/>
+              </a:rPr>
+              <a:t> </a:t>
+            </a:r>
+            <a:r>
+              <a:rPr lang="zh-CN" altLang="en-US" sz="1600" dirty="0">
+                <a:latin typeface="微软雅黑" panose="020B0503020204020204" pitchFamily="34" charset="-122"/>
+                <a:ea typeface="微软雅黑" panose="020B0503020204020204" pitchFamily="34" charset="-122"/>
+              </a:rPr>
+              <a:t>用统一的框架进行测试，并报告性能</a:t>
+            </a:r>
+            <a:endParaRPr lang="en-US" altLang="zh-CN" sz="1600" dirty="0">
+              <a:latin typeface="微软雅黑" panose="020B0503020204020204" pitchFamily="34" charset="-122"/>
+              <a:ea typeface="微软雅黑" panose="020B0503020204020204" pitchFamily="34" charset="-122"/>
+            </a:endParaRPr>
+          </a:p>
+        </p:txBody>
+      </p:sp>
+      <p:sp>
+        <p:nvSpPr>
+          <p:cNvPr id="4" name="矩形 3">
+            <a:extLst>
+              <a:ext uri="{FF2B5EF4-FFF2-40B4-BE49-F238E27FC236}">
+                <a16:creationId xmlns:a16="http://schemas.microsoft.com/office/drawing/2014/main" id="{483A44BE-3CAA-59DC-E08B-5A21229BF8C2}"/>
+              </a:ext>
+            </a:extLst>
+          </p:cNvPr>
+          <p:cNvSpPr/>
+          <p:nvPr/>
+        </p:nvSpPr>
+        <p:spPr>
+          <a:xfrm flipH="1">
+            <a:off x="457200" y="286261"/>
+            <a:ext cx="73573" cy="468000"/>
+          </a:xfrm>
+          <a:prstGeom prst="rect">
+            <a:avLst/>
+          </a:prstGeom>
+          <a:solidFill>
+            <a:srgbClr val="7030A0"/>
+          </a:solidFill>
+          <a:ln>
+            <a:noFill/>
+          </a:ln>
+        </p:spPr>
+        <p:style>
+          <a:lnRef idx="2">
+            <a:schemeClr val="accent5"/>
+          </a:lnRef>
+          <a:fillRef idx="1">
+            <a:schemeClr val="lt1"/>
+          </a:fillRef>
+          <a:effectRef idx="0">
+            <a:schemeClr val="accent5"/>
+          </a:effectRef>
+          <a:fontRef idx="minor">
+            <a:schemeClr val="dk1"/>
+          </a:fontRef>
+        </p:style>
+        <p:txBody>
+          <a:bodyPr rtlCol="0" anchor="ctr"/>
+          <a:lstStyle/>
+          <a:p>
+            <a:pPr algn="ctr"/>
+            <a:endParaRPr lang="zh-CN" altLang="en-US" dirty="0"/>
+          </a:p>
+        </p:txBody>
+      </p:sp>
+      <p:sp>
+        <p:nvSpPr>
+          <p:cNvPr id="9" name="灯片编号占位符 8">
+            <a:extLst>
+              <a:ext uri="{FF2B5EF4-FFF2-40B4-BE49-F238E27FC236}">
+                <a16:creationId xmlns:a16="http://schemas.microsoft.com/office/drawing/2014/main" id="{C1420316-E664-87C8-DC84-30A1F34F120A}"/>
+              </a:ext>
+            </a:extLst>
+          </p:cNvPr>
+          <p:cNvSpPr>
+            <a:spLocks noGrp="1"/>
+          </p:cNvSpPr>
+          <p:nvPr>
+            <p:ph type="sldNum" sz="quarter" idx="12"/>
+          </p:nvPr>
+        </p:nvSpPr>
+        <p:spPr/>
+        <p:txBody>
+          <a:bodyPr/>
+          <a:lstStyle/>
+          <a:p>
+            <a:fld id="{64612D46-7F69-47CC-AB33-86E2C77428C3}" type="slidenum">
+              <a:rPr lang="zh-CN" altLang="en-US" smtClean="0"/>
+              <a:t>15</a:t>
             </a:fld>
             <a:endParaRPr lang="zh-CN" altLang="en-US"/>
           </a:p>
@@ -7728,7 +10607,7 @@
 </p:sld>
 </file>
 
-<file path=ppt/slides/slide14.xml><?xml version="1.0" encoding="utf-8"?>
+<file path=ppt/slides/slide16.xml><?xml version="1.0" encoding="utf-8"?>
 <p:sld xmlns:a="http://schemas.openxmlformats.org/drawingml/2006/main" xmlns:r="http://schemas.openxmlformats.org/officeDocument/2006/relationships" xmlns:p="http://schemas.openxmlformats.org/presentationml/2006/main">
   <p:cSld>
     <p:spTree>
@@ -8718,8 +11597,19 @@
                 <a:latin typeface="微软雅黑" panose="020B0503020204020204" pitchFamily="34" charset="-122"/>
                 <a:ea typeface="微软雅黑" panose="020B0503020204020204" pitchFamily="34" charset="-122"/>
               </a:rPr>
-              <a:t>调度流程</a:t>
-            </a:r>
+              <a:t>调度算法简介</a:t>
+            </a:r>
+            <a:r>
+              <a:rPr lang="en-US" altLang="zh-CN" sz="2800" b="1" dirty="0">
+                <a:latin typeface="微软雅黑" panose="020B0503020204020204" pitchFamily="34" charset="-122"/>
+                <a:ea typeface="微软雅黑" panose="020B0503020204020204" pitchFamily="34" charset="-122"/>
+              </a:rPr>
+              <a:t>——FIFO</a:t>
+            </a:r>
+            <a:endParaRPr lang="zh-CN" altLang="en-US" sz="2800" b="1" dirty="0">
+              <a:latin typeface="微软雅黑" panose="020B0503020204020204" pitchFamily="34" charset="-122"/>
+              <a:ea typeface="微软雅黑" panose="020B0503020204020204" pitchFamily="34" charset="-122"/>
+            </a:endParaRPr>
           </a:p>
         </p:txBody>
       </p:sp>
@@ -8757,32 +11647,18 @@
               </a:lnSpc>
             </a:pPr>
             <a:r>
-              <a:rPr lang="en-US" altLang="zh-CN" sz="2000" dirty="0" err="1">
-                <a:latin typeface="微软雅黑" panose="020B0503020204020204" pitchFamily="34" charset="-122"/>
-                <a:ea typeface="微软雅黑" panose="020B0503020204020204" pitchFamily="34" charset="-122"/>
-              </a:rPr>
-              <a:t>axruntime</a:t>
-            </a:r>
-            <a:r>
               <a:rPr lang="en-US" altLang="zh-CN" sz="2000" dirty="0">
                 <a:latin typeface="微软雅黑" panose="020B0503020204020204" pitchFamily="34" charset="-122"/>
                 <a:ea typeface="微软雅黑" panose="020B0503020204020204" pitchFamily="34" charset="-122"/>
               </a:rPr>
-              <a:t> </a:t>
+              <a:t>FIFO (First-In, First-Out)</a:t>
             </a:r>
             <a:r>
               <a:rPr lang="zh-CN" altLang="en-US" sz="2000" dirty="0">
                 <a:latin typeface="微软雅黑" panose="020B0503020204020204" pitchFamily="34" charset="-122"/>
                 <a:ea typeface="微软雅黑" panose="020B0503020204020204" pitchFamily="34" charset="-122"/>
               </a:rPr>
-              <a:t>中启动了调度器，并开启了中断请求，这样能固定地在一个设定的时间片后提醒 </a:t>
-            </a:r>
-            <a:r>
-              <a:rPr lang="en-US" altLang="zh-CN" sz="2000" dirty="0" err="1">
-                <a:latin typeface="微软雅黑" panose="020B0503020204020204" pitchFamily="34" charset="-122"/>
-                <a:ea typeface="微软雅黑" panose="020B0503020204020204" pitchFamily="34" charset="-122"/>
-              </a:rPr>
-              <a:t>axtask</a:t>
+              <a:t>，即先进先出调度器</a:t>
             </a:r>
             <a:endParaRPr lang="en-US" altLang="zh-CN" sz="2000" dirty="0">
               <a:latin typeface="微软雅黑" panose="020B0503020204020204" pitchFamily="34" charset="-122"/>
@@ -8796,74 +11672,32 @@
               </a:lnSpc>
             </a:pPr>
             <a:r>
-              <a:rPr lang="en-US" altLang="zh-CN" sz="2000" dirty="0" err="1">
-                <a:latin typeface="微软雅黑" panose="020B0503020204020204" pitchFamily="34" charset="-122"/>
-                <a:ea typeface="微软雅黑" panose="020B0503020204020204" pitchFamily="34" charset="-122"/>
-              </a:rPr>
-              <a:t>axtask</a:t>
+              <a:rPr lang="zh-CN" altLang="en-US" sz="2000" b="1" dirty="0">
+                <a:latin typeface="微软雅黑" panose="020B0503020204020204" pitchFamily="34" charset="-122"/>
+                <a:ea typeface="微软雅黑" panose="020B0503020204020204" pitchFamily="34" charset="-122"/>
+              </a:rPr>
+              <a:t>原理</a:t>
+            </a:r>
+            <a:r>
+              <a:rPr lang="zh-CN" altLang="en-US" sz="2000" dirty="0">
+                <a:latin typeface="微软雅黑" panose="020B0503020204020204" pitchFamily="34" charset="-122"/>
+                <a:ea typeface="微软雅黑" panose="020B0503020204020204" pitchFamily="34" charset="-122"/>
+              </a:rPr>
+              <a:t>：按照进程到达的顺序进行调度，先到达的进程先获得 </a:t>
             </a:r>
             <a:r>
               <a:rPr lang="en-US" altLang="zh-CN" sz="2000" dirty="0">
                 <a:latin typeface="微软雅黑" panose="020B0503020204020204" pitchFamily="34" charset="-122"/>
                 <a:ea typeface="微软雅黑" panose="020B0503020204020204" pitchFamily="34" charset="-122"/>
               </a:rPr>
-              <a:t> </a:t>
+              <a:t>CPU</a:t>
             </a:r>
             <a:r>
               <a:rPr lang="zh-CN" altLang="en-US" sz="2000" dirty="0">
                 <a:latin typeface="微软雅黑" panose="020B0503020204020204" pitchFamily="34" charset="-122"/>
                 <a:ea typeface="微软雅黑" panose="020B0503020204020204" pitchFamily="34" charset="-122"/>
               </a:rPr>
-              <a:t>定义包括 </a:t>
-            </a:r>
-            <a:r>
-              <a:rPr lang="en-US" altLang="zh-CN" sz="2000" dirty="0">
-                <a:latin typeface="微软雅黑" panose="020B0503020204020204" pitchFamily="34" charset="-122"/>
-                <a:ea typeface="微软雅黑" panose="020B0503020204020204" pitchFamily="34" charset="-122"/>
-              </a:rPr>
-              <a:t>sleep, yield </a:t>
-            </a:r>
-            <a:r>
-              <a:rPr lang="zh-CN" altLang="en-US" sz="2000" dirty="0">
-                <a:latin typeface="微软雅黑" panose="020B0503020204020204" pitchFamily="34" charset="-122"/>
-                <a:ea typeface="微软雅黑" panose="020B0503020204020204" pitchFamily="34" charset="-122"/>
-              </a:rPr>
-              <a:t>等系统调用，</a:t>
-            </a:r>
-            <a:r>
-              <a:rPr lang="en-US" altLang="zh-CN" sz="2000" dirty="0" err="1">
-                <a:latin typeface="微软雅黑" panose="020B0503020204020204" pitchFamily="34" charset="-122"/>
-                <a:ea typeface="微软雅黑" panose="020B0503020204020204" pitchFamily="34" charset="-122"/>
-              </a:rPr>
-              <a:t>arceos</a:t>
-            </a:r>
-            <a:r>
-              <a:rPr lang="en-US" altLang="zh-CN" sz="2000" dirty="0">
-                <a:latin typeface="微软雅黑" panose="020B0503020204020204" pitchFamily="34" charset="-122"/>
-                <a:ea typeface="微软雅黑" panose="020B0503020204020204" pitchFamily="34" charset="-122"/>
-              </a:rPr>
-              <a:t> </a:t>
-            </a:r>
-            <a:r>
-              <a:rPr lang="zh-CN" altLang="en-US" sz="2000" dirty="0">
-                <a:latin typeface="微软雅黑" panose="020B0503020204020204" pitchFamily="34" charset="-122"/>
-                <a:ea typeface="微软雅黑" panose="020B0503020204020204" pitchFamily="34" charset="-122"/>
-              </a:rPr>
-              <a:t>中根据是否包含 </a:t>
-            </a:r>
-            <a:r>
-              <a:rPr lang="en-US" altLang="zh-CN" sz="2000" dirty="0">
-                <a:latin typeface="微软雅黑" panose="020B0503020204020204" pitchFamily="34" charset="-122"/>
-                <a:ea typeface="微软雅黑" panose="020B0503020204020204" pitchFamily="34" charset="-122"/>
-              </a:rPr>
-              <a:t>multitask feature, </a:t>
-            </a:r>
-            <a:r>
-              <a:rPr lang="zh-CN" altLang="en-US" sz="2000" dirty="0">
-                <a:latin typeface="微软雅黑" panose="020B0503020204020204" pitchFamily="34" charset="-122"/>
-                <a:ea typeface="微软雅黑" panose="020B0503020204020204" pitchFamily="34" charset="-122"/>
-              </a:rPr>
-              <a:t>决定是否调用调度队列</a:t>
+              <a:t>，直至其执行完毕</a:t>
             </a:r>
             <a:endParaRPr lang="en-US" altLang="zh-CN" sz="2000" dirty="0">
               <a:latin typeface="微软雅黑" panose="020B0503020204020204" pitchFamily="34" charset="-122"/>
@@ -8877,88 +11711,18 @@
               </a:lnSpc>
             </a:pPr>
             <a:r>
+              <a:rPr lang="zh-CN" altLang="en-US" sz="2000" b="1" dirty="0">
+                <a:latin typeface="微软雅黑" panose="020B0503020204020204" pitchFamily="34" charset="-122"/>
+                <a:ea typeface="微软雅黑" panose="020B0503020204020204" pitchFamily="34" charset="-122"/>
+              </a:rPr>
+              <a:t>优点</a:t>
+            </a:r>
+            <a:r>
               <a:rPr lang="zh-CN" altLang="en-US" sz="2000" dirty="0">
                 <a:latin typeface="微软雅黑" panose="020B0503020204020204" pitchFamily="34" charset="-122"/>
                 <a:ea typeface="微软雅黑" panose="020B0503020204020204" pitchFamily="34" charset="-122"/>
               </a:rPr>
-              <a:t>在 </a:t>
-            </a:r>
-            <a:r>
-              <a:rPr lang="en-US" altLang="zh-CN" sz="2000" dirty="0" err="1">
-                <a:latin typeface="微软雅黑" panose="020B0503020204020204" pitchFamily="34" charset="-122"/>
-                <a:ea typeface="微软雅黑" panose="020B0503020204020204" pitchFamily="34" charset="-122"/>
-              </a:rPr>
-              <a:t>axtask</a:t>
-            </a:r>
-            <a:r>
-              <a:rPr lang="en-US" altLang="zh-CN" sz="2000" dirty="0">
-                <a:latin typeface="微软雅黑" panose="020B0503020204020204" pitchFamily="34" charset="-122"/>
-                <a:ea typeface="微软雅黑" panose="020B0503020204020204" pitchFamily="34" charset="-122"/>
-              </a:rPr>
-              <a:t>::</a:t>
-            </a:r>
-            <a:r>
-              <a:rPr lang="en-US" altLang="zh-CN" sz="2000" dirty="0" err="1">
-                <a:latin typeface="微软雅黑" panose="020B0503020204020204" pitchFamily="34" charset="-122"/>
-                <a:ea typeface="微软雅黑" panose="020B0503020204020204" pitchFamily="34" charset="-122"/>
-              </a:rPr>
-              <a:t>run_queue</a:t>
-            </a:r>
-            <a:r>
-              <a:rPr lang="en-US" altLang="zh-CN" sz="2000" dirty="0">
-                <a:latin typeface="微软雅黑" panose="020B0503020204020204" pitchFamily="34" charset="-122"/>
-                <a:ea typeface="微软雅黑" panose="020B0503020204020204" pitchFamily="34" charset="-122"/>
-              </a:rPr>
-              <a:t> </a:t>
-            </a:r>
-            <a:r>
-              <a:rPr lang="zh-CN" altLang="en-US" sz="2000" dirty="0">
-                <a:latin typeface="微软雅黑" panose="020B0503020204020204" pitchFamily="34" charset="-122"/>
-                <a:ea typeface="微软雅黑" panose="020B0503020204020204" pitchFamily="34" charset="-122"/>
-              </a:rPr>
-              <a:t>中针对每个 </a:t>
-            </a:r>
-            <a:r>
-              <a:rPr lang="en-US" altLang="zh-CN" sz="2000" dirty="0">
-                <a:latin typeface="微软雅黑" panose="020B0503020204020204" pitchFamily="34" charset="-122"/>
-                <a:ea typeface="微软雅黑" panose="020B0503020204020204" pitchFamily="34" charset="-122"/>
-              </a:rPr>
-              <a:t>hart </a:t>
-            </a:r>
-            <a:r>
-              <a:rPr lang="zh-CN" altLang="en-US" sz="2000" dirty="0">
-                <a:latin typeface="微软雅黑" panose="020B0503020204020204" pitchFamily="34" charset="-122"/>
-                <a:ea typeface="微软雅黑" panose="020B0503020204020204" pitchFamily="34" charset="-122"/>
-              </a:rPr>
-              <a:t>定义了一个调度队列。只要当前任务非 </a:t>
-            </a:r>
-            <a:r>
-              <a:rPr lang="en-US" altLang="zh-CN" sz="2000" dirty="0">
-                <a:latin typeface="微软雅黑" panose="020B0503020204020204" pitchFamily="34" charset="-122"/>
-                <a:ea typeface="微软雅黑" panose="020B0503020204020204" pitchFamily="34" charset="-122"/>
-              </a:rPr>
-              <a:t>idle </a:t>
-            </a:r>
-            <a:r>
-              <a:rPr lang="zh-CN" altLang="en-US" sz="2000" dirty="0">
-                <a:latin typeface="微软雅黑" panose="020B0503020204020204" pitchFamily="34" charset="-122"/>
-                <a:ea typeface="微软雅黑" panose="020B0503020204020204" pitchFamily="34" charset="-122"/>
-              </a:rPr>
-              <a:t>就会触发一次 </a:t>
-            </a:r>
-            <a:r>
-              <a:rPr lang="en-US" altLang="zh-CN" sz="2000" dirty="0" err="1">
-                <a:latin typeface="微软雅黑" panose="020B0503020204020204" pitchFamily="34" charset="-122"/>
-                <a:ea typeface="微软雅黑" panose="020B0503020204020204" pitchFamily="34" charset="-122"/>
-              </a:rPr>
-              <a:t>scheduler.task_tick</a:t>
-            </a:r>
-            <a:r>
-              <a:rPr lang="zh-CN" altLang="en-US" sz="2000" dirty="0">
-                <a:latin typeface="微软雅黑" panose="020B0503020204020204" pitchFamily="34" charset="-122"/>
-                <a:ea typeface="微软雅黑" panose="020B0503020204020204" pitchFamily="34" charset="-122"/>
-              </a:rPr>
-              <a:t>，用于任务在时间片尺度上的计时</a:t>
+              <a:t>：算法简单，容易实现</a:t>
             </a:r>
             <a:endParaRPr lang="en-US" altLang="zh-CN" sz="2000" dirty="0">
               <a:latin typeface="微软雅黑" panose="020B0503020204020204" pitchFamily="34" charset="-122"/>
@@ -8972,46 +11736,85 @@
               </a:lnSpc>
             </a:pPr>
             <a:r>
+              <a:rPr lang="zh-CN" altLang="en-US" sz="2000" b="1" dirty="0">
+                <a:latin typeface="微软雅黑" panose="020B0503020204020204" pitchFamily="34" charset="-122"/>
+                <a:ea typeface="微软雅黑" panose="020B0503020204020204" pitchFamily="34" charset="-122"/>
+              </a:rPr>
+              <a:t>缺点</a:t>
+            </a:r>
+            <a:r>
               <a:rPr lang="zh-CN" altLang="en-US" sz="2000" dirty="0">
                 <a:latin typeface="微软雅黑" panose="020B0503020204020204" pitchFamily="34" charset="-122"/>
                 <a:ea typeface="微软雅黑" panose="020B0503020204020204" pitchFamily="34" charset="-122"/>
               </a:rPr>
-              <a:t>每次 </a:t>
-            </a:r>
-            <a:r>
-              <a:rPr lang="en-US" altLang="zh-CN" sz="2000" dirty="0" err="1">
-                <a:latin typeface="微软雅黑" panose="020B0503020204020204" pitchFamily="34" charset="-122"/>
-                <a:ea typeface="微软雅黑" panose="020B0503020204020204" pitchFamily="34" charset="-122"/>
-              </a:rPr>
-              <a:t>yield_current</a:t>
+              <a:t>：可能产生</a:t>
             </a:r>
             <a:r>
               <a:rPr lang="en-US" altLang="zh-CN" sz="2000" dirty="0">
                 <a:latin typeface="微软雅黑" panose="020B0503020204020204" pitchFamily="34" charset="-122"/>
                 <a:ea typeface="微软雅黑" panose="020B0503020204020204" pitchFamily="34" charset="-122"/>
               </a:rPr>
-              <a:t> </a:t>
+              <a:t>"</a:t>
             </a:r>
             <a:r>
               <a:rPr lang="zh-CN" altLang="en-US" sz="2000" dirty="0">
                 <a:latin typeface="微软雅黑" panose="020B0503020204020204" pitchFamily="34" charset="-122"/>
                 <a:ea typeface="微软雅黑" panose="020B0503020204020204" pitchFamily="34" charset="-122"/>
               </a:rPr>
-              <a:t>的时候会触发一次 </a:t>
-            </a:r>
-            <a:r>
-              <a:rPr lang="en-US" altLang="zh-CN" sz="2000" dirty="0" err="1">
-                <a:latin typeface="微软雅黑" panose="020B0503020204020204" pitchFamily="34" charset="-122"/>
-                <a:ea typeface="微软雅黑" panose="020B0503020204020204" pitchFamily="34" charset="-122"/>
-              </a:rPr>
-              <a:t>resched</a:t>
+              <a:t>饥饿</a:t>
+            </a:r>
+            <a:r>
+              <a:rPr lang="en-US" altLang="zh-CN" sz="2000" dirty="0">
+                <a:latin typeface="微软雅黑" panose="020B0503020204020204" pitchFamily="34" charset="-122"/>
+                <a:ea typeface="微软雅黑" panose="020B0503020204020204" pitchFamily="34" charset="-122"/>
+              </a:rPr>
+              <a:t>"</a:t>
             </a:r>
             <a:r>
               <a:rPr lang="zh-CN" altLang="en-US" sz="2000" dirty="0">
                 <a:latin typeface="微软雅黑" panose="020B0503020204020204" pitchFamily="34" charset="-122"/>
                 <a:ea typeface="微软雅黑" panose="020B0503020204020204" pitchFamily="34" charset="-122"/>
               </a:rPr>
-              <a:t>，会将当前任务放回队列，选取下一个任务并切换任务</a:t>
+              <a:t>现象，即某些进程长时间得不到执行。不利于短进程，因为短进程可能被长进程阻塞</a:t>
+            </a:r>
+            <a:endParaRPr lang="en-US" altLang="zh-CN" sz="2000" dirty="0">
+              <a:latin typeface="微软雅黑" panose="020B0503020204020204" pitchFamily="34" charset="-122"/>
+              <a:ea typeface="微软雅黑" panose="020B0503020204020204" pitchFamily="34" charset="-122"/>
+            </a:endParaRPr>
+          </a:p>
+          <a:p>
+            <a:pPr>
+              <a:lnSpc>
+                <a:spcPct val="150000"/>
+              </a:lnSpc>
+            </a:pPr>
+            <a:r>
+              <a:rPr lang="zh-CN" altLang="en-US" sz="2000" b="1" dirty="0">
+                <a:latin typeface="微软雅黑" panose="020B0503020204020204" pitchFamily="34" charset="-122"/>
+                <a:ea typeface="微软雅黑" panose="020B0503020204020204" pitchFamily="34" charset="-122"/>
+              </a:rPr>
+              <a:t>实现方式</a:t>
+            </a:r>
+            <a:r>
+              <a:rPr lang="zh-CN" altLang="en-US" sz="2000" dirty="0">
+                <a:latin typeface="微软雅黑" panose="020B0503020204020204" pitchFamily="34" charset="-122"/>
+                <a:ea typeface="微软雅黑" panose="020B0503020204020204" pitchFamily="34" charset="-122"/>
+              </a:rPr>
+              <a:t>：队列（</a:t>
+            </a:r>
+            <a:r>
+              <a:rPr lang="en-US" altLang="zh-CN" sz="2000" dirty="0">
+                <a:latin typeface="微软雅黑" panose="020B0503020204020204" pitchFamily="34" charset="-122"/>
+                <a:ea typeface="微软雅黑" panose="020B0503020204020204" pitchFamily="34" charset="-122"/>
+              </a:rPr>
+              <a:t>Queue</a:t>
+            </a:r>
+            <a:r>
+              <a:rPr lang="zh-CN" altLang="en-US" sz="2000" dirty="0">
+                <a:latin typeface="微软雅黑" panose="020B0503020204020204" pitchFamily="34" charset="-122"/>
+                <a:ea typeface="微软雅黑" panose="020B0503020204020204" pitchFamily="34" charset="-122"/>
+              </a:rPr>
+              <a:t>），执行时出队，新加入或让出时入队</a:t>
             </a:r>
             <a:endParaRPr lang="en-US" altLang="zh-CN" sz="2000" dirty="0">
               <a:latin typeface="微软雅黑" panose="020B0503020204020204" pitchFamily="34" charset="-122"/>
@@ -9099,10 +11902,76 @@
           </a:p>
         </p:txBody>
       </p:sp>
+      <p:sp>
+        <p:nvSpPr>
+          <p:cNvPr id="5" name="文本框 4">
+            <a:extLst>
+              <a:ext uri="{FF2B5EF4-FFF2-40B4-BE49-F238E27FC236}">
+                <a16:creationId xmlns:a16="http://schemas.microsoft.com/office/drawing/2014/main" id="{9F06D355-E401-EF96-0563-6D094CFB9416}"/>
+              </a:ext>
+            </a:extLst>
+          </p:cNvPr>
+          <p:cNvSpPr txBox="1"/>
+          <p:nvPr/>
+        </p:nvSpPr>
+        <p:spPr>
+          <a:xfrm>
+            <a:off x="0" y="6519446"/>
+            <a:ext cx="7961586" cy="338554"/>
+          </a:xfrm>
+          <a:prstGeom prst="rect">
+            <a:avLst/>
+          </a:prstGeom>
+          <a:noFill/>
+        </p:spPr>
+        <p:txBody>
+          <a:bodyPr wrap="square" rtlCol="0">
+            <a:spAutoFit/>
+          </a:bodyPr>
+          <a:lstStyle/>
+          <a:p>
+            <a:r>
+              <a:rPr lang="zh-CN" altLang="en-US" sz="1400" dirty="0">
+                <a:solidFill>
+                  <a:schemeClr val="accent3">
+                    <a:lumMod val="75000"/>
+                  </a:schemeClr>
+                </a:solidFill>
+                <a:latin typeface="等线" panose="02010600030101010101" pitchFamily="2" charset="-122"/>
+                <a:ea typeface="等线" panose="02010600030101010101" pitchFamily="2" charset="-122"/>
+              </a:rPr>
+              <a:t>详细文档见 </a:t>
+            </a:r>
+            <a:r>
+              <a:rPr lang="en-US" altLang="zh-CN" sz="1600" dirty="0">
+                <a:solidFill>
+                  <a:schemeClr val="accent3">
+                    <a:lumMod val="75000"/>
+                  </a:schemeClr>
+                </a:solidFill>
+                <a:latin typeface="Times New Roman" panose="02020603050405020304" pitchFamily="18" charset="0"/>
+                <a:ea typeface="宋体" panose="02010600030101010101" pitchFamily="2" charset="-122"/>
+                <a:cs typeface="Times New Roman" panose="02020603050405020304" pitchFamily="18" charset="0"/>
+              </a:rPr>
+              <a:t>https://github.com/chestnut-Q/arceos-X/tree/dev/doc/crates</a:t>
+            </a:r>
+            <a:endParaRPr lang="zh-CN" altLang="en-US" sz="1600" dirty="0">
+              <a:solidFill>
+                <a:schemeClr val="accent3">
+                  <a:lumMod val="75000"/>
+                </a:schemeClr>
+              </a:solidFill>
+              <a:latin typeface="Times New Roman" panose="02020603050405020304" pitchFamily="18" charset="0"/>
+              <a:ea typeface="宋体" panose="02010600030101010101" pitchFamily="2" charset="-122"/>
+              <a:cs typeface="Times New Roman" panose="02020603050405020304" pitchFamily="18" charset="0"/>
+            </a:endParaRPr>
+          </a:p>
+        </p:txBody>
+      </p:sp>
     </p:spTree>
     <p:extLst>
       <p:ext uri="{BB962C8B-B14F-4D97-AF65-F5344CB8AC3E}">
-        <p14:creationId xmlns:p14="http://schemas.microsoft.com/office/powerpoint/2010/main" val="3753181804"/>
+        <p14:creationId xmlns:p14="http://schemas.microsoft.com/office/powerpoint/2010/main" val="631417721"/>
       </p:ext>
     </p:extLst>
   </p:cSld>
@@ -9183,7 +12052,7 @@
                 <a:latin typeface="微软雅黑" panose="020B0503020204020204" pitchFamily="34" charset="-122"/>
                 <a:ea typeface="微软雅黑" panose="020B0503020204020204" pitchFamily="34" charset="-122"/>
               </a:rPr>
-              <a:t>——FIFO</a:t>
+              <a:t>——RR</a:t>
             </a:r>
             <a:endParaRPr lang="zh-CN" altLang="en-US" sz="2800" b="1" dirty="0">
               <a:latin typeface="微软雅黑" panose="020B0503020204020204" pitchFamily="34" charset="-122"/>
@@ -9230,14 +12099,14 @@
                 <a:latin typeface="微软雅黑" panose="020B0503020204020204" pitchFamily="34" charset="-122"/>
                 <a:ea typeface="微软雅黑" panose="020B0503020204020204" pitchFamily="34" charset="-122"/>
               </a:rPr>
-              <a:t>FIFO (First-In, First-Out)</a:t>
+              <a:t>RR (Round Robin)</a:t>
             </a:r>
             <a:r>
               <a:rPr lang="zh-CN" altLang="en-US" sz="2000" dirty="0">
                 <a:latin typeface="微软雅黑" panose="020B0503020204020204" pitchFamily="34" charset="-122"/>
                 <a:ea typeface="微软雅黑" panose="020B0503020204020204" pitchFamily="34" charset="-122"/>
               </a:rPr>
-              <a:t>，即先进先出调度器</a:t>
+              <a:t>，即轮转法调度器</a:t>
             </a:r>
             <a:endParaRPr lang="en-US" altLang="zh-CN" sz="2000" dirty="0">
               <a:latin typeface="微软雅黑" panose="020B0503020204020204" pitchFamily="34" charset="-122"/>
@@ -9262,7 +12131,7 @@
                 <a:latin typeface="微软雅黑" panose="020B0503020204020204" pitchFamily="34" charset="-122"/>
                 <a:ea typeface="微软雅黑" panose="020B0503020204020204" pitchFamily="34" charset="-122"/>
               </a:rPr>
-              <a:t>：按照进程到达的顺序进行调度，先到达的进程先获得 </a:t>
+              <a:t>：每个进程分配一个固定大小的时间片，进程的执行时间超过时间片后，将其移出</a:t>
             </a:r>
             <a:r>
               <a:rPr lang="en-US" altLang="zh-CN" sz="2000" dirty="0">
@@ -9276,7 +12145,7 @@
                 <a:latin typeface="微软雅黑" panose="020B0503020204020204" pitchFamily="34" charset="-122"/>
                 <a:ea typeface="微软雅黑" panose="020B0503020204020204" pitchFamily="34" charset="-122"/>
               </a:rPr>
-              <a:t>，直至其执行完毕</a:t>
+              <a:t>，让下一个进程执行</a:t>
             </a:r>
             <a:endParaRPr lang="en-US" altLang="zh-CN" sz="2000" dirty="0">
               <a:latin typeface="微软雅黑" panose="020B0503020204020204" pitchFamily="34" charset="-122"/>
@@ -9301,7 +12170,7 @@
                 <a:latin typeface="微软雅黑" panose="020B0503020204020204" pitchFamily="34" charset="-122"/>
                 <a:ea typeface="微软雅黑" panose="020B0503020204020204" pitchFamily="34" charset="-122"/>
               </a:rPr>
-              <a:t>：算法简单，容易实现</a:t>
+              <a:t>：公平性好，避免了长进程阻塞短进程的问题</a:t>
             </a:r>
             <a:endParaRPr lang="en-US" altLang="zh-CN" sz="2000" dirty="0">
               <a:latin typeface="微软雅黑" panose="020B0503020204020204" pitchFamily="34" charset="-122"/>
@@ -9326,40 +12195,15 @@
                 <a:latin typeface="微软雅黑" panose="020B0503020204020204" pitchFamily="34" charset="-122"/>
                 <a:ea typeface="微软雅黑" panose="020B0503020204020204" pitchFamily="34" charset="-122"/>
               </a:rPr>
-              <a:t>：可能产生</a:t>
+              <a:t>：时间片大小的选择会影响性能：太小可能导致频繁的上下文切换，太大则可能退化为</a:t>
             </a:r>
             <a:r>
               <a:rPr lang="en-US" altLang="zh-CN" sz="2000" dirty="0">
                 <a:latin typeface="微软雅黑" panose="020B0503020204020204" pitchFamily="34" charset="-122"/>
                 <a:ea typeface="微软雅黑" panose="020B0503020204020204" pitchFamily="34" charset="-122"/>
               </a:rPr>
-              <a:t>"</a:t>
-            </a:r>
-            <a:r>
-              <a:rPr lang="zh-CN" altLang="en-US" sz="2000" dirty="0">
-                <a:latin typeface="微软雅黑" panose="020B0503020204020204" pitchFamily="34" charset="-122"/>
-                <a:ea typeface="微软雅黑" panose="020B0503020204020204" pitchFamily="34" charset="-122"/>
-              </a:rPr>
-              <a:t>饥饿</a:t>
-            </a:r>
-            <a:r>
-              <a:rPr lang="en-US" altLang="zh-CN" sz="2000" dirty="0">
-                <a:latin typeface="微软雅黑" panose="020B0503020204020204" pitchFamily="34" charset="-122"/>
-                <a:ea typeface="微软雅黑" panose="020B0503020204020204" pitchFamily="34" charset="-122"/>
-              </a:rPr>
-              <a:t>"</a:t>
-            </a:r>
-            <a:r>
-              <a:rPr lang="zh-CN" altLang="en-US" sz="2000" dirty="0">
-                <a:latin typeface="微软雅黑" panose="020B0503020204020204" pitchFamily="34" charset="-122"/>
-                <a:ea typeface="微软雅黑" panose="020B0503020204020204" pitchFamily="34" charset="-122"/>
-              </a:rPr>
-              <a:t>现象，即某些进程长时间得不到执行。不利于短进程，因为短进程可能被长进程阻塞</a:t>
-            </a:r>
-            <a:endParaRPr lang="en-US" altLang="zh-CN" sz="2000" dirty="0">
-              <a:latin typeface="微软雅黑" panose="020B0503020204020204" pitchFamily="34" charset="-122"/>
-              <a:ea typeface="微软雅黑" panose="020B0503020204020204" pitchFamily="34" charset="-122"/>
-            </a:endParaRPr>
+              <a:t>FIFO</a:t>
+            </a:r>
           </a:p>
           <a:p>
             <a:pPr>
@@ -9372,14 +12216,42 @@
                 <a:latin typeface="微软雅黑" panose="020B0503020204020204" pitchFamily="34" charset="-122"/>
                 <a:ea typeface="微软雅黑" panose="020B0503020204020204" pitchFamily="34" charset="-122"/>
               </a:rPr>
-              <a:t>应用场景</a:t>
+              <a:t>实现方式：</a:t>
             </a:r>
             <a:r>
               <a:rPr lang="zh-CN" altLang="en-US" sz="2000" dirty="0">
                 <a:latin typeface="微软雅黑" panose="020B0503020204020204" pitchFamily="34" charset="-122"/>
                 <a:ea typeface="微软雅黑" panose="020B0503020204020204" pitchFamily="34" charset="-122"/>
               </a:rPr>
-              <a:t>：简单系统或教学实例</a:t>
+              <a:t>双端队列</a:t>
+            </a:r>
+            <a:r>
+              <a:rPr lang="en-US" altLang="zh-CN" sz="2000" dirty="0">
+                <a:latin typeface="微软雅黑" panose="020B0503020204020204" pitchFamily="34" charset="-122"/>
+                <a:ea typeface="微软雅黑" panose="020B0503020204020204" pitchFamily="34" charset="-122"/>
+              </a:rPr>
+              <a:t>+</a:t>
+            </a:r>
+            <a:r>
+              <a:rPr lang="zh-CN" altLang="en-US" sz="2000" dirty="0">
+                <a:latin typeface="微软雅黑" panose="020B0503020204020204" pitchFamily="34" charset="-122"/>
+                <a:ea typeface="微软雅黑" panose="020B0503020204020204" pitchFamily="34" charset="-122"/>
+              </a:rPr>
+              <a:t>时间片（</a:t>
+            </a:r>
+            <a:r>
+              <a:rPr lang="en-US" altLang="zh-CN" sz="2000" dirty="0">
+                <a:latin typeface="微软雅黑" panose="020B0503020204020204" pitchFamily="34" charset="-122"/>
+                <a:ea typeface="微软雅黑" panose="020B0503020204020204" pitchFamily="34" charset="-122"/>
+              </a:rPr>
+              <a:t>MAX_TIME_SLICE=5</a:t>
+            </a:r>
+            <a:r>
+              <a:rPr lang="zh-CN" altLang="en-US" sz="2000" dirty="0">
+                <a:latin typeface="微软雅黑" panose="020B0503020204020204" pitchFamily="34" charset="-122"/>
+                <a:ea typeface="微软雅黑" panose="020B0503020204020204" pitchFamily="34" charset="-122"/>
+              </a:rPr>
+              <a:t>），时间片用完时会被放回尾部</a:t>
             </a:r>
             <a:endParaRPr lang="en-US" altLang="zh-CN" sz="2000" dirty="0">
               <a:latin typeface="微软雅黑" panose="020B0503020204020204" pitchFamily="34" charset="-122"/>
@@ -9470,7 +12342,7 @@
     </p:spTree>
     <p:extLst>
       <p:ext uri="{BB962C8B-B14F-4D97-AF65-F5344CB8AC3E}">
-        <p14:creationId xmlns:p14="http://schemas.microsoft.com/office/powerpoint/2010/main" val="631417721"/>
+        <p14:creationId xmlns:p14="http://schemas.microsoft.com/office/powerpoint/2010/main" val="2406729977"/>
       </p:ext>
     </p:extLst>
   </p:cSld>
@@ -9551,7 +12423,7 @@
                 <a:latin typeface="微软雅黑" panose="020B0503020204020204" pitchFamily="34" charset="-122"/>
                 <a:ea typeface="微软雅黑" panose="020B0503020204020204" pitchFamily="34" charset="-122"/>
               </a:rPr>
-              <a:t>——RR</a:t>
+              <a:t>——CFS</a:t>
             </a:r>
             <a:endParaRPr lang="zh-CN" altLang="en-US" sz="2800" b="1" dirty="0">
               <a:latin typeface="微软雅黑" panose="020B0503020204020204" pitchFamily="34" charset="-122"/>
@@ -9598,14 +12470,14 @@
                 <a:latin typeface="微软雅黑" panose="020B0503020204020204" pitchFamily="34" charset="-122"/>
                 <a:ea typeface="微软雅黑" panose="020B0503020204020204" pitchFamily="34" charset="-122"/>
               </a:rPr>
-              <a:t>RR (Round Robin)</a:t>
+              <a:t>CFS (Completely Fair Scheduler)</a:t>
             </a:r>
             <a:r>
               <a:rPr lang="zh-CN" altLang="en-US" sz="2000" dirty="0">
                 <a:latin typeface="微软雅黑" panose="020B0503020204020204" pitchFamily="34" charset="-122"/>
                 <a:ea typeface="微软雅黑" panose="020B0503020204020204" pitchFamily="34" charset="-122"/>
               </a:rPr>
-              <a:t>，即轮转法调度器</a:t>
+              <a:t>，即完全公平调度器</a:t>
             </a:r>
             <a:endParaRPr lang="en-US" altLang="zh-CN" sz="2000" dirty="0">
               <a:latin typeface="微软雅黑" panose="020B0503020204020204" pitchFamily="34" charset="-122"/>
@@ -9630,21 +12502,35 @@
                 <a:latin typeface="微软雅黑" panose="020B0503020204020204" pitchFamily="34" charset="-122"/>
                 <a:ea typeface="微软雅黑" panose="020B0503020204020204" pitchFamily="34" charset="-122"/>
               </a:rPr>
-              <a:t>：每个进程分配一个固定大小的时间片，进程的执行时间超过时间片后，将其移出</a:t>
+              <a:t>：为每个进程提供均等的 </a:t>
             </a:r>
             <a:r>
               <a:rPr lang="en-US" altLang="zh-CN" sz="2000" dirty="0">
                 <a:latin typeface="微软雅黑" panose="020B0503020204020204" pitchFamily="34" charset="-122"/>
                 <a:ea typeface="微软雅黑" panose="020B0503020204020204" pitchFamily="34" charset="-122"/>
               </a:rPr>
-              <a:t>CPU</a:t>
+              <a:t>CPU </a:t>
             </a:r>
             <a:r>
               <a:rPr lang="zh-CN" altLang="en-US" sz="2000" dirty="0">
                 <a:latin typeface="微软雅黑" panose="020B0503020204020204" pitchFamily="34" charset="-122"/>
                 <a:ea typeface="微软雅黑" panose="020B0503020204020204" pitchFamily="34" charset="-122"/>
               </a:rPr>
-              <a:t>，让下一个进程执行</a:t>
+              <a:t>访问机会，跟踪进程的虚拟运行时间以确保每个进程获得公平的 </a:t>
+            </a:r>
+            <a:r>
+              <a:rPr lang="en-US" altLang="zh-CN" sz="2000" dirty="0">
+                <a:latin typeface="微软雅黑" panose="020B0503020204020204" pitchFamily="34" charset="-122"/>
+                <a:ea typeface="微软雅黑" panose="020B0503020204020204" pitchFamily="34" charset="-122"/>
+              </a:rPr>
+              <a:t>CPU </a:t>
+            </a:r>
+            <a:r>
+              <a:rPr lang="zh-CN" altLang="en-US" sz="2000" dirty="0">
+                <a:latin typeface="微软雅黑" panose="020B0503020204020204" pitchFamily="34" charset="-122"/>
+                <a:ea typeface="微软雅黑" panose="020B0503020204020204" pitchFamily="34" charset="-122"/>
+              </a:rPr>
+              <a:t>时间</a:t>
             </a:r>
             <a:endParaRPr lang="en-US" altLang="zh-CN" sz="2000" dirty="0">
               <a:latin typeface="微软雅黑" panose="020B0503020204020204" pitchFamily="34" charset="-122"/>
@@ -9669,7 +12555,7 @@
                 <a:latin typeface="微软雅黑" panose="020B0503020204020204" pitchFamily="34" charset="-122"/>
                 <a:ea typeface="微软雅黑" panose="020B0503020204020204" pitchFamily="34" charset="-122"/>
               </a:rPr>
-              <a:t>：公平性好，避免了长进程阻塞短进程的问题</a:t>
+              <a:t>：公平，响应性好</a:t>
             </a:r>
             <a:endParaRPr lang="en-US" altLang="zh-CN" sz="2000" dirty="0">
               <a:latin typeface="微软雅黑" panose="020B0503020204020204" pitchFamily="34" charset="-122"/>
@@ -9694,15 +12580,12 @@
                 <a:latin typeface="微软雅黑" panose="020B0503020204020204" pitchFamily="34" charset="-122"/>
                 <a:ea typeface="微软雅黑" panose="020B0503020204020204" pitchFamily="34" charset="-122"/>
               </a:rPr>
-              <a:t>：时间片大小的选择会影响性能：太小可能导致频繁的上下文切换，太大则可能退化为</a:t>
-            </a:r>
-            <a:r>
-              <a:rPr lang="en-US" altLang="zh-CN" sz="2000" dirty="0">
-                <a:latin typeface="微软雅黑" panose="020B0503020204020204" pitchFamily="34" charset="-122"/>
-                <a:ea typeface="微软雅黑" panose="020B0503020204020204" pitchFamily="34" charset="-122"/>
-              </a:rPr>
-              <a:t>FIFO</a:t>
-            </a:r>
+              <a:t>：对于某些特定类型的负载，可能不如其他策略高效</a:t>
+            </a:r>
+            <a:endParaRPr lang="en-US" altLang="zh-CN" sz="2000" dirty="0">
+              <a:latin typeface="微软雅黑" panose="020B0503020204020204" pitchFamily="34" charset="-122"/>
+              <a:ea typeface="微软雅黑" panose="020B0503020204020204" pitchFamily="34" charset="-122"/>
+            </a:endParaRPr>
           </a:p>
           <a:p>
             <a:pPr>
@@ -9715,14 +12598,35 @@
                 <a:latin typeface="微软雅黑" panose="020B0503020204020204" pitchFamily="34" charset="-122"/>
                 <a:ea typeface="微软雅黑" panose="020B0503020204020204" pitchFamily="34" charset="-122"/>
               </a:rPr>
-              <a:t>应用场景</a:t>
+              <a:t>实现方式</a:t>
             </a:r>
             <a:r>
               <a:rPr lang="zh-CN" altLang="en-US" sz="2000" dirty="0">
                 <a:latin typeface="微软雅黑" panose="020B0503020204020204" pitchFamily="34" charset="-122"/>
                 <a:ea typeface="微软雅黑" panose="020B0503020204020204" pitchFamily="34" charset="-122"/>
               </a:rPr>
-              <a:t>：时间共享系统（即时间片轮转系统）</a:t>
+              <a:t>：</a:t>
+            </a:r>
+            <a:r>
+              <a:rPr lang="en-US" altLang="zh-CN" sz="2000" dirty="0" err="1">
+                <a:latin typeface="微软雅黑" panose="020B0503020204020204" pitchFamily="34" charset="-122"/>
+                <a:ea typeface="微软雅黑" panose="020B0503020204020204" pitchFamily="34" charset="-122"/>
+              </a:rPr>
+              <a:t>BTreeMap</a:t>
+            </a:r>
+            <a:r>
+              <a:rPr lang="en-US" altLang="zh-CN" sz="2000" dirty="0">
+                <a:latin typeface="微软雅黑" panose="020B0503020204020204" pitchFamily="34" charset="-122"/>
+                <a:ea typeface="微软雅黑" panose="020B0503020204020204" pitchFamily="34" charset="-122"/>
+              </a:rPr>
+              <a:t> </a:t>
+            </a:r>
+            <a:r>
+              <a:rPr lang="zh-CN" altLang="en-US" sz="2000" dirty="0">
+                <a:latin typeface="微软雅黑" panose="020B0503020204020204" pitchFamily="34" charset="-122"/>
+                <a:ea typeface="微软雅黑" panose="020B0503020204020204" pitchFamily="34" charset="-122"/>
+              </a:rPr>
+              <a:t>维护带有虚拟运行时间的等待队列，以保证始终选虚拟运行时间最小的任务运行</a:t>
             </a:r>
             <a:endParaRPr lang="en-US" altLang="zh-CN" sz="2000" dirty="0">
               <a:latin typeface="微软雅黑" panose="020B0503020204020204" pitchFamily="34" charset="-122"/>
@@ -9813,7 +12717,7 @@
     </p:spTree>
     <p:extLst>
       <p:ext uri="{BB962C8B-B14F-4D97-AF65-F5344CB8AC3E}">
-        <p14:creationId xmlns:p14="http://schemas.microsoft.com/office/powerpoint/2010/main" val="2406729977"/>
+        <p14:creationId xmlns:p14="http://schemas.microsoft.com/office/powerpoint/2010/main" val="3644579709"/>
       </p:ext>
     </p:extLst>
   </p:cSld>
@@ -9894,7 +12798,7 @@
                 <a:latin typeface="微软雅黑" panose="020B0503020204020204" pitchFamily="34" charset="-122"/>
                 <a:ea typeface="微软雅黑" panose="020B0503020204020204" pitchFamily="34" charset="-122"/>
               </a:rPr>
-              <a:t>——CFS</a:t>
+              <a:t>——SJF</a:t>
             </a:r>
             <a:endParaRPr lang="zh-CN" altLang="en-US" sz="2800" b="1" dirty="0">
               <a:latin typeface="微软雅黑" panose="020B0503020204020204" pitchFamily="34" charset="-122"/>
@@ -9941,14 +12845,14 @@
                 <a:latin typeface="微软雅黑" panose="020B0503020204020204" pitchFamily="34" charset="-122"/>
                 <a:ea typeface="微软雅黑" panose="020B0503020204020204" pitchFamily="34" charset="-122"/>
               </a:rPr>
-              <a:t>CFS (Completely Fair Scheduler)</a:t>
+              <a:t>SJF (Shortest Job First)</a:t>
             </a:r>
             <a:r>
               <a:rPr lang="zh-CN" altLang="en-US" sz="2000" dirty="0">
                 <a:latin typeface="微软雅黑" panose="020B0503020204020204" pitchFamily="34" charset="-122"/>
                 <a:ea typeface="微软雅黑" panose="020B0503020204020204" pitchFamily="34" charset="-122"/>
               </a:rPr>
-              <a:t>，即完全公平调度器</a:t>
+              <a:t>，即最短作业优先调度器</a:t>
             </a:r>
             <a:endParaRPr lang="en-US" altLang="zh-CN" sz="2000" dirty="0">
               <a:latin typeface="微软雅黑" panose="020B0503020204020204" pitchFamily="34" charset="-122"/>
@@ -9973,35 +12877,7 @@
                 <a:latin typeface="微软雅黑" panose="020B0503020204020204" pitchFamily="34" charset="-122"/>
                 <a:ea typeface="微软雅黑" panose="020B0503020204020204" pitchFamily="34" charset="-122"/>
               </a:rPr>
-              <a:t>：为每个进程提供均等的 </a:t>
-            </a:r>
-            <a:r>
-              <a:rPr lang="en-US" altLang="zh-CN" sz="2000" dirty="0">
-                <a:latin typeface="微软雅黑" panose="020B0503020204020204" pitchFamily="34" charset="-122"/>
-                <a:ea typeface="微软雅黑" panose="020B0503020204020204" pitchFamily="34" charset="-122"/>
-              </a:rPr>
-              <a:t>CPU </a:t>
-            </a:r>
-            <a:r>
-              <a:rPr lang="zh-CN" altLang="en-US" sz="2000" dirty="0">
-                <a:latin typeface="微软雅黑" panose="020B0503020204020204" pitchFamily="34" charset="-122"/>
-                <a:ea typeface="微软雅黑" panose="020B0503020204020204" pitchFamily="34" charset="-122"/>
-              </a:rPr>
-              <a:t>访问机会；使用红黑树来跟踪进程的虚拟运行时间，确保每个进程获得公平的 </a:t>
-            </a:r>
-            <a:r>
-              <a:rPr lang="en-US" altLang="zh-CN" sz="2000" dirty="0">
-                <a:latin typeface="微软雅黑" panose="020B0503020204020204" pitchFamily="34" charset="-122"/>
-                <a:ea typeface="微软雅黑" panose="020B0503020204020204" pitchFamily="34" charset="-122"/>
-              </a:rPr>
-              <a:t>CPU </a:t>
-            </a:r>
-            <a:r>
-              <a:rPr lang="zh-CN" altLang="en-US" sz="2000" dirty="0">
-                <a:latin typeface="微软雅黑" panose="020B0503020204020204" pitchFamily="34" charset="-122"/>
-                <a:ea typeface="微软雅黑" panose="020B0503020204020204" pitchFamily="34" charset="-122"/>
-              </a:rPr>
-              <a:t>时间</a:t>
+              <a:t>：优先调度预估执行时间最短的进程</a:t>
             </a:r>
             <a:endParaRPr lang="en-US" altLang="zh-CN" sz="2000" dirty="0">
               <a:latin typeface="微软雅黑" panose="020B0503020204020204" pitchFamily="34" charset="-122"/>
@@ -10026,7 +12902,7 @@
                 <a:latin typeface="微软雅黑" panose="020B0503020204020204" pitchFamily="34" charset="-122"/>
                 <a:ea typeface="微软雅黑" panose="020B0503020204020204" pitchFamily="34" charset="-122"/>
               </a:rPr>
-              <a:t>：公平，响应性好</a:t>
+              <a:t>：平均等待时间最小</a:t>
             </a:r>
             <a:endParaRPr lang="en-US" altLang="zh-CN" sz="2000" dirty="0">
               <a:latin typeface="微软雅黑" panose="020B0503020204020204" pitchFamily="34" charset="-122"/>
@@ -10051,7 +12927,7 @@
                 <a:latin typeface="微软雅黑" panose="020B0503020204020204" pitchFamily="34" charset="-122"/>
                 <a:ea typeface="微软雅黑" panose="020B0503020204020204" pitchFamily="34" charset="-122"/>
               </a:rPr>
-              <a:t>：对于某些特定类型的负载，可能不如其他策略高效</a:t>
+              <a:t>：可能产生饥饿现象，且进程的执行时间实际上难以预估</a:t>
             </a:r>
             <a:endParaRPr lang="en-US" altLang="zh-CN" sz="2000" dirty="0">
               <a:latin typeface="微软雅黑" panose="020B0503020204020204" pitchFamily="34" charset="-122"/>
@@ -10069,7 +12945,7 @@
                 <a:latin typeface="微软雅黑" panose="020B0503020204020204" pitchFamily="34" charset="-122"/>
                 <a:ea typeface="微软雅黑" panose="020B0503020204020204" pitchFamily="34" charset="-122"/>
               </a:rPr>
-              <a:t>应用场景</a:t>
+              <a:t>实现方式</a:t>
             </a:r>
             <a:r>
               <a:rPr lang="zh-CN" altLang="en-US" sz="2000" dirty="0">
@@ -10079,18 +12955,25 @@
               <a:t>：</a:t>
             </a:r>
             <a:r>
+              <a:rPr lang="en-US" altLang="zh-CN" sz="2000" dirty="0" err="1">
+                <a:latin typeface="微软雅黑" panose="020B0503020204020204" pitchFamily="34" charset="-122"/>
+                <a:ea typeface="微软雅黑" panose="020B0503020204020204" pitchFamily="34" charset="-122"/>
+              </a:rPr>
+              <a:t>BTreeMap</a:t>
+            </a:r>
+            <a:r>
               <a:rPr lang="en-US" altLang="zh-CN" sz="2000" dirty="0">
                 <a:latin typeface="微软雅黑" panose="020B0503020204020204" pitchFamily="34" charset="-122"/>
                 <a:ea typeface="微软雅黑" panose="020B0503020204020204" pitchFamily="34" charset="-122"/>
               </a:rPr>
-              <a:t>Linux</a:t>
+              <a:t> </a:t>
             </a:r>
             <a:r>
               <a:rPr lang="zh-CN" altLang="en-US" sz="2000" dirty="0">
                 <a:latin typeface="微软雅黑" panose="020B0503020204020204" pitchFamily="34" charset="-122"/>
                 <a:ea typeface="微软雅黑" panose="020B0503020204020204" pitchFamily="34" charset="-122"/>
               </a:rPr>
-              <a:t>内核</a:t>
+              <a:t>维护带有期望运行时间的优先队列，期望运行时间由移动平均计算得出</a:t>
             </a:r>
             <a:endParaRPr lang="en-US" altLang="zh-CN" sz="2000" dirty="0">
               <a:latin typeface="微软雅黑" panose="020B0503020204020204" pitchFamily="34" charset="-122"/>
@@ -10181,7 +13064,7 @@
     </p:spTree>
     <p:extLst>
       <p:ext uri="{BB962C8B-B14F-4D97-AF65-F5344CB8AC3E}">
-        <p14:creationId xmlns:p14="http://schemas.microsoft.com/office/powerpoint/2010/main" val="3644579709"/>
+        <p14:creationId xmlns:p14="http://schemas.microsoft.com/office/powerpoint/2010/main" val="1190073430"/>
       </p:ext>
     </p:extLst>
   </p:cSld>
@@ -10262,7 +13145,7 @@
                 <a:latin typeface="微软雅黑" panose="020B0503020204020204" pitchFamily="34" charset="-122"/>
                 <a:ea typeface="微软雅黑" panose="020B0503020204020204" pitchFamily="34" charset="-122"/>
               </a:rPr>
-              <a:t>——SJF</a:t>
+              <a:t>——MLFQ</a:t>
             </a:r>
             <a:endParaRPr lang="zh-CN" altLang="en-US" sz="2800" b="1" dirty="0">
               <a:latin typeface="微软雅黑" panose="020B0503020204020204" pitchFamily="34" charset="-122"/>
@@ -10309,14 +13192,14 @@
                 <a:latin typeface="微软雅黑" panose="020B0503020204020204" pitchFamily="34" charset="-122"/>
                 <a:ea typeface="微软雅黑" panose="020B0503020204020204" pitchFamily="34" charset="-122"/>
               </a:rPr>
-              <a:t>SJF (Shortest Job First)</a:t>
+              <a:t>MLFQ (Multi-Level Feedback Queue)</a:t>
             </a:r>
             <a:r>
               <a:rPr lang="zh-CN" altLang="en-US" sz="2000" dirty="0">
                 <a:latin typeface="微软雅黑" panose="020B0503020204020204" pitchFamily="34" charset="-122"/>
                 <a:ea typeface="微软雅黑" panose="020B0503020204020204" pitchFamily="34" charset="-122"/>
               </a:rPr>
-              <a:t>，即最短作业优先调度器</a:t>
+              <a:t>，即多级反馈队列调度器</a:t>
             </a:r>
             <a:endParaRPr lang="en-US" altLang="zh-CN" sz="2000" dirty="0">
               <a:latin typeface="微软雅黑" panose="020B0503020204020204" pitchFamily="34" charset="-122"/>
@@ -10341,7 +13224,21 @@
                 <a:latin typeface="微软雅黑" panose="020B0503020204020204" pitchFamily="34" charset="-122"/>
                 <a:ea typeface="微软雅黑" panose="020B0503020204020204" pitchFamily="34" charset="-122"/>
               </a:rPr>
-              <a:t>：优先调度预估执行时间最短的进程</a:t>
+              <a:t>：根据进程的行为和估计的执行时间将其放入不同的队列中，通常在前面的队列中分配更多的</a:t>
+            </a:r>
+            <a:r>
+              <a:rPr lang="en-US" altLang="zh-CN" sz="2000" dirty="0">
+                <a:latin typeface="微软雅黑" panose="020B0503020204020204" pitchFamily="34" charset="-122"/>
+                <a:ea typeface="微软雅黑" panose="020B0503020204020204" pitchFamily="34" charset="-122"/>
+              </a:rPr>
+              <a:t>CPU</a:t>
+            </a:r>
+            <a:r>
+              <a:rPr lang="zh-CN" altLang="en-US" sz="2000" dirty="0">
+                <a:latin typeface="微软雅黑" panose="020B0503020204020204" pitchFamily="34" charset="-122"/>
+                <a:ea typeface="微软雅黑" panose="020B0503020204020204" pitchFamily="34" charset="-122"/>
+              </a:rPr>
+              <a:t>时间；如果进程在一个队列中消耗了其全部时间片，则被移至下一个队列</a:t>
             </a:r>
             <a:endParaRPr lang="en-US" altLang="zh-CN" sz="2000" dirty="0">
               <a:latin typeface="微软雅黑" panose="020B0503020204020204" pitchFamily="34" charset="-122"/>
@@ -10366,7 +13263,7 @@
                 <a:latin typeface="微软雅黑" panose="020B0503020204020204" pitchFamily="34" charset="-122"/>
                 <a:ea typeface="微软雅黑" panose="020B0503020204020204" pitchFamily="34" charset="-122"/>
               </a:rPr>
-              <a:t>：平均等待时间最小</a:t>
+              <a:t>：既能优先处理短进程，又能保证长进程得到执行机会</a:t>
             </a:r>
             <a:endParaRPr lang="en-US" altLang="zh-CN" sz="2000" dirty="0">
               <a:latin typeface="微软雅黑" panose="020B0503020204020204" pitchFamily="34" charset="-122"/>
@@ -10391,7 +13288,7 @@
                 <a:latin typeface="微软雅黑" panose="020B0503020204020204" pitchFamily="34" charset="-122"/>
                 <a:ea typeface="微软雅黑" panose="020B0503020204020204" pitchFamily="34" charset="-122"/>
               </a:rPr>
-              <a:t>：可能产生饥饿现象，且进程的执行时间实际上难以预估</a:t>
+              <a:t>：需要维护多个队列，较为复杂</a:t>
             </a:r>
             <a:endParaRPr lang="en-US" altLang="zh-CN" sz="2000" dirty="0">
               <a:latin typeface="微软雅黑" panose="020B0503020204020204" pitchFamily="34" charset="-122"/>
@@ -10409,14 +13306,70 @@
                 <a:latin typeface="微软雅黑" panose="020B0503020204020204" pitchFamily="34" charset="-122"/>
                 <a:ea typeface="微软雅黑" panose="020B0503020204020204" pitchFamily="34" charset="-122"/>
               </a:rPr>
-              <a:t>应用场景</a:t>
+              <a:t>实现方式</a:t>
             </a:r>
             <a:r>
               <a:rPr lang="zh-CN" altLang="en-US" sz="2000" dirty="0">
                 <a:latin typeface="微软雅黑" panose="020B0503020204020204" pitchFamily="34" charset="-122"/>
                 <a:ea typeface="微软雅黑" panose="020B0503020204020204" pitchFamily="34" charset="-122"/>
               </a:rPr>
-              <a:t>：批处理系统</a:t>
+              <a:t>：</a:t>
+            </a:r>
+            <a:r>
+              <a:rPr lang="en-US" altLang="zh-CN" sz="2000" dirty="0">
+                <a:latin typeface="微软雅黑" panose="020B0503020204020204" pitchFamily="34" charset="-122"/>
+                <a:ea typeface="微软雅黑" panose="020B0503020204020204" pitchFamily="34" charset="-122"/>
+              </a:rPr>
+              <a:t>8</a:t>
+            </a:r>
+            <a:r>
+              <a:rPr lang="zh-CN" altLang="en-US" sz="2000" dirty="0">
+                <a:latin typeface="微软雅黑" panose="020B0503020204020204" pitchFamily="34" charset="-122"/>
+                <a:ea typeface="微软雅黑" panose="020B0503020204020204" pitchFamily="34" charset="-122"/>
+              </a:rPr>
+              <a:t>级优先级队列，第 </a:t>
+            </a:r>
+            <a:r>
+              <a:rPr lang="en-US" altLang="zh-CN" sz="2000" dirty="0">
+                <a:latin typeface="微软雅黑" panose="020B0503020204020204" pitchFamily="34" charset="-122"/>
+                <a:ea typeface="微软雅黑" panose="020B0503020204020204" pitchFamily="34" charset="-122"/>
+              </a:rPr>
+              <a:t>0 </a:t>
+            </a:r>
+            <a:r>
+              <a:rPr lang="zh-CN" altLang="en-US" sz="2000" dirty="0">
+                <a:latin typeface="微软雅黑" panose="020B0503020204020204" pitchFamily="34" charset="-122"/>
+                <a:ea typeface="微软雅黑" panose="020B0503020204020204" pitchFamily="34" charset="-122"/>
+              </a:rPr>
+              <a:t>级队列分到 </a:t>
+            </a:r>
+            <a:r>
+              <a:rPr lang="en-US" altLang="zh-CN" sz="2000" dirty="0">
+                <a:latin typeface="微软雅黑" panose="020B0503020204020204" pitchFamily="34" charset="-122"/>
+                <a:ea typeface="微软雅黑" panose="020B0503020204020204" pitchFamily="34" charset="-122"/>
+              </a:rPr>
+              <a:t>1 </a:t>
+            </a:r>
+            <a:r>
+              <a:rPr lang="zh-CN" altLang="en-US" sz="2000" dirty="0">
+                <a:latin typeface="微软雅黑" panose="020B0503020204020204" pitchFamily="34" charset="-122"/>
+                <a:ea typeface="微软雅黑" panose="020B0503020204020204" pitchFamily="34" charset="-122"/>
+              </a:rPr>
+              <a:t>个时间片，过 </a:t>
+            </a:r>
+            <a:r>
+              <a:rPr lang="en-US" altLang="zh-CN" sz="2000" dirty="0">
+                <a:latin typeface="微软雅黑" panose="020B0503020204020204" pitchFamily="34" charset="-122"/>
+                <a:ea typeface="微软雅黑" panose="020B0503020204020204" pitchFamily="34" charset="-122"/>
+              </a:rPr>
+              <a:t>100000 </a:t>
+            </a:r>
+            <a:r>
+              <a:rPr lang="zh-CN" altLang="en-US" sz="2000" dirty="0">
+                <a:latin typeface="微软雅黑" panose="020B0503020204020204" pitchFamily="34" charset="-122"/>
+                <a:ea typeface="微软雅黑" panose="020B0503020204020204" pitchFamily="34" charset="-122"/>
+              </a:rPr>
+              <a:t>个时间片重置队列。同优先级抢占式调度。</a:t>
             </a:r>
             <a:endParaRPr lang="en-US" altLang="zh-CN" sz="2000" dirty="0">
               <a:latin typeface="微软雅黑" panose="020B0503020204020204" pitchFamily="34" charset="-122"/>
@@ -10507,7 +13460,7 @@
     </p:spTree>
     <p:extLst>
       <p:ext uri="{BB962C8B-B14F-4D97-AF65-F5344CB8AC3E}">
-        <p14:creationId xmlns:p14="http://schemas.microsoft.com/office/powerpoint/2010/main" val="1190073430"/>
+        <p14:creationId xmlns:p14="http://schemas.microsoft.com/office/powerpoint/2010/main" val="3197164932"/>
       </p:ext>
     </p:extLst>
   </p:cSld>
@@ -10581,14 +13534,14 @@
                 <a:latin typeface="微软雅黑" panose="020B0503020204020204" pitchFamily="34" charset="-122"/>
                 <a:ea typeface="微软雅黑" panose="020B0503020204020204" pitchFamily="34" charset="-122"/>
               </a:rPr>
-              <a:t>调度算法简介</a:t>
+              <a:t>调度算法测试</a:t>
             </a:r>
             <a:r>
               <a:rPr lang="en-US" altLang="zh-CN" sz="2800" b="1" dirty="0">
                 <a:latin typeface="微软雅黑" panose="020B0503020204020204" pitchFamily="34" charset="-122"/>
                 <a:ea typeface="微软雅黑" panose="020B0503020204020204" pitchFamily="34" charset="-122"/>
               </a:rPr>
-              <a:t>——MLFQ</a:t>
+              <a:t>——equal</a:t>
             </a:r>
             <a:endParaRPr lang="zh-CN" altLang="en-US" sz="2800" b="1" dirty="0">
               <a:latin typeface="微软雅黑" panose="020B0503020204020204" pitchFamily="34" charset="-122"/>
@@ -10631,18 +13584,60 @@
               </a:lnSpc>
             </a:pPr>
             <a:r>
+              <a:rPr lang="zh-CN" altLang="en-US" sz="2000" b="1" dirty="0">
+                <a:latin typeface="微软雅黑" panose="020B0503020204020204" pitchFamily="34" charset="-122"/>
+                <a:ea typeface="微软雅黑" panose="020B0503020204020204" pitchFamily="34" charset="-122"/>
+              </a:rPr>
+              <a:t>设计思路</a:t>
+            </a:r>
+            <a:r>
+              <a:rPr lang="zh-CN" altLang="en-US" sz="2000" dirty="0">
+                <a:latin typeface="微软雅黑" panose="020B0503020204020204" pitchFamily="34" charset="-122"/>
+                <a:ea typeface="微软雅黑" panose="020B0503020204020204" pitchFamily="34" charset="-122"/>
+              </a:rPr>
+              <a:t>：</a:t>
+            </a:r>
+            <a:r>
               <a:rPr lang="en-US" altLang="zh-CN" sz="2000" dirty="0">
                 <a:latin typeface="微软雅黑" panose="020B0503020204020204" pitchFamily="34" charset="-122"/>
                 <a:ea typeface="微软雅黑" panose="020B0503020204020204" pitchFamily="34" charset="-122"/>
               </a:rPr>
-              <a:t>MLFQ (Multi-Level Feedback Queue)</a:t>
+              <a:t>4 </a:t>
             </a:r>
             <a:r>
               <a:rPr lang="zh-CN" altLang="en-US" sz="2000" dirty="0">
                 <a:latin typeface="微软雅黑" panose="020B0503020204020204" pitchFamily="34" charset="-122"/>
                 <a:ea typeface="微软雅黑" panose="020B0503020204020204" pitchFamily="34" charset="-122"/>
               </a:rPr>
-              <a:t>，即多级反馈队列调度器</a:t>
+              <a:t>个进程，每个执行 </a:t>
+            </a:r>
+            <a:r>
+              <a:rPr lang="en-US" altLang="zh-CN" sz="2000" dirty="0">
+                <a:latin typeface="微软雅黑" panose="020B0503020204020204" pitchFamily="34" charset="-122"/>
+                <a:ea typeface="微软雅黑" panose="020B0503020204020204" pitchFamily="34" charset="-122"/>
+              </a:rPr>
+              <a:t>100 </a:t>
+            </a:r>
+            <a:r>
+              <a:rPr lang="zh-CN" altLang="en-US" sz="2000" dirty="0">
+                <a:latin typeface="微软雅黑" panose="020B0503020204020204" pitchFamily="34" charset="-122"/>
+                <a:ea typeface="微软雅黑" panose="020B0503020204020204" pitchFamily="34" charset="-122"/>
+              </a:rPr>
+              <a:t>组用时相同的任务，每组任务结束后主动 </a:t>
+            </a:r>
+            <a:r>
+              <a:rPr lang="en-US" altLang="zh-CN" sz="2000" dirty="0">
+                <a:latin typeface="微软雅黑" panose="020B0503020204020204" pitchFamily="34" charset="-122"/>
+                <a:ea typeface="微软雅黑" panose="020B0503020204020204" pitchFamily="34" charset="-122"/>
+              </a:rPr>
+              <a:t>yield </a:t>
+            </a:r>
+            <a:r>
+              <a:rPr lang="zh-CN" altLang="en-US" sz="2000" dirty="0">
+                <a:latin typeface="微软雅黑" panose="020B0503020204020204" pitchFamily="34" charset="-122"/>
+                <a:ea typeface="微软雅黑" panose="020B0503020204020204" pitchFamily="34" charset="-122"/>
+              </a:rPr>
+              <a:t>一次，初步测试调度算法的公平性。</a:t>
             </a:r>
             <a:endParaRPr lang="en-US" altLang="zh-CN" sz="2000" dirty="0">
               <a:latin typeface="微软雅黑" panose="020B0503020204020204" pitchFamily="34" charset="-122"/>
@@ -10656,107 +13651,11 @@
               </a:lnSpc>
             </a:pPr>
             <a:r>
-              <a:rPr lang="zh-CN" altLang="en-US" sz="2000" b="1" dirty="0">
-                <a:latin typeface="微软雅黑" panose="020B0503020204020204" pitchFamily="34" charset="-122"/>
-                <a:ea typeface="微软雅黑" panose="020B0503020204020204" pitchFamily="34" charset="-122"/>
-              </a:rPr>
-              <a:t>原理</a:t>
-            </a:r>
-            <a:r>
               <a:rPr lang="zh-CN" altLang="en-US" sz="2000" dirty="0">
                 <a:latin typeface="微软雅黑" panose="020B0503020204020204" pitchFamily="34" charset="-122"/>
                 <a:ea typeface="微软雅黑" panose="020B0503020204020204" pitchFamily="34" charset="-122"/>
               </a:rPr>
-              <a:t>：根据进程的行为和估计的执行时间将其放入不同的队列中，通常在前面的队列中分配更多的</a:t>
-            </a:r>
-            <a:r>
-              <a:rPr lang="en-US" altLang="zh-CN" sz="2000" dirty="0">
-                <a:latin typeface="微软雅黑" panose="020B0503020204020204" pitchFamily="34" charset="-122"/>
-                <a:ea typeface="微软雅黑" panose="020B0503020204020204" pitchFamily="34" charset="-122"/>
-              </a:rPr>
-              <a:t>CPU</a:t>
-            </a:r>
-            <a:r>
-              <a:rPr lang="zh-CN" altLang="en-US" sz="2000" dirty="0">
-                <a:latin typeface="微软雅黑" panose="020B0503020204020204" pitchFamily="34" charset="-122"/>
-                <a:ea typeface="微软雅黑" panose="020B0503020204020204" pitchFamily="34" charset="-122"/>
-              </a:rPr>
-              <a:t>时间；如果进程在一个队列中消耗了其全部时间片，则被移至下一个队列</a:t>
-            </a:r>
-            <a:endParaRPr lang="en-US" altLang="zh-CN" sz="2000" dirty="0">
-              <a:latin typeface="微软雅黑" panose="020B0503020204020204" pitchFamily="34" charset="-122"/>
-              <a:ea typeface="微软雅黑" panose="020B0503020204020204" pitchFamily="34" charset="-122"/>
-            </a:endParaRPr>
-          </a:p>
-          <a:p>
-            <a:pPr>
-              <a:lnSpc>
-                <a:spcPct val="150000"/>
-              </a:lnSpc>
-            </a:pPr>
-            <a:r>
-              <a:rPr lang="zh-CN" altLang="en-US" sz="2000" b="1" dirty="0">
-                <a:latin typeface="微软雅黑" panose="020B0503020204020204" pitchFamily="34" charset="-122"/>
-                <a:ea typeface="微软雅黑" panose="020B0503020204020204" pitchFamily="34" charset="-122"/>
-              </a:rPr>
-              <a:t>优点</a:t>
-            </a:r>
-            <a:r>
-              <a:rPr lang="zh-CN" altLang="en-US" sz="2000" dirty="0">
-                <a:latin typeface="微软雅黑" panose="020B0503020204020204" pitchFamily="34" charset="-122"/>
-                <a:ea typeface="微软雅黑" panose="020B0503020204020204" pitchFamily="34" charset="-122"/>
-              </a:rPr>
-              <a:t>：既能优先处理短进程，又能保证长进程得到执行机会</a:t>
-            </a:r>
-            <a:endParaRPr lang="en-US" altLang="zh-CN" sz="2000" dirty="0">
-              <a:latin typeface="微软雅黑" panose="020B0503020204020204" pitchFamily="34" charset="-122"/>
-              <a:ea typeface="微软雅黑" panose="020B0503020204020204" pitchFamily="34" charset="-122"/>
-            </a:endParaRPr>
-          </a:p>
-          <a:p>
-            <a:pPr>
-              <a:lnSpc>
-                <a:spcPct val="150000"/>
-              </a:lnSpc>
-            </a:pPr>
-            <a:r>
-              <a:rPr lang="zh-CN" altLang="en-US" sz="2000" b="1" dirty="0">
-                <a:latin typeface="微软雅黑" panose="020B0503020204020204" pitchFamily="34" charset="-122"/>
-                <a:ea typeface="微软雅黑" panose="020B0503020204020204" pitchFamily="34" charset="-122"/>
-              </a:rPr>
-              <a:t>缺点</a:t>
-            </a:r>
-            <a:r>
-              <a:rPr lang="zh-CN" altLang="en-US" sz="2000" dirty="0">
-                <a:latin typeface="微软雅黑" panose="020B0503020204020204" pitchFamily="34" charset="-122"/>
-                <a:ea typeface="微软雅黑" panose="020B0503020204020204" pitchFamily="34" charset="-122"/>
-              </a:rPr>
-              <a:t>：需要维护多个队列，较为复杂</a:t>
-            </a:r>
-            <a:endParaRPr lang="en-US" altLang="zh-CN" sz="2000" dirty="0">
-              <a:latin typeface="微软雅黑" panose="020B0503020204020204" pitchFamily="34" charset="-122"/>
-              <a:ea typeface="微软雅黑" panose="020B0503020204020204" pitchFamily="34" charset="-122"/>
-            </a:endParaRPr>
-          </a:p>
-          <a:p>
-            <a:pPr>
-              <a:lnSpc>
-                <a:spcPct val="150000"/>
-              </a:lnSpc>
-            </a:pPr>
-            <a:r>
-              <a:rPr lang="zh-CN" altLang="en-US" sz="2000" b="1" dirty="0">
-                <a:latin typeface="微软雅黑" panose="020B0503020204020204" pitchFamily="34" charset="-122"/>
-                <a:ea typeface="微软雅黑" panose="020B0503020204020204" pitchFamily="34" charset="-122"/>
-              </a:rPr>
-              <a:t>应用场景</a:t>
-            </a:r>
-            <a:r>
-              <a:rPr lang="zh-CN" altLang="en-US" sz="2000" dirty="0">
-                <a:latin typeface="微软雅黑" panose="020B0503020204020204" pitchFamily="34" charset="-122"/>
-                <a:ea typeface="微软雅黑" panose="020B0503020204020204" pitchFamily="34" charset="-122"/>
-              </a:rPr>
-              <a:t>：时间共享系统</a:t>
+              <a:t>注：以下均为单核测试结果，多核测试结果预计于期末报告给出</a:t>
             </a:r>
             <a:endParaRPr lang="en-US" altLang="zh-CN" sz="2000" dirty="0">
               <a:latin typeface="微软雅黑" panose="020B0503020204020204" pitchFamily="34" charset="-122"/>
@@ -10844,10 +13743,596 @@
           </a:p>
         </p:txBody>
       </p:sp>
+      <p:graphicFrame>
+        <p:nvGraphicFramePr>
+          <p:cNvPr id="6" name="表格 5">
+            <a:extLst>
+              <a:ext uri="{FF2B5EF4-FFF2-40B4-BE49-F238E27FC236}">
+                <a16:creationId xmlns:a16="http://schemas.microsoft.com/office/drawing/2014/main" id="{853704AB-8A14-247F-2E7B-C717C3E68345}"/>
+              </a:ext>
+            </a:extLst>
+          </p:cNvPr>
+          <p:cNvGraphicFramePr>
+            <a:graphicFrameLocks noGrp="1"/>
+          </p:cNvGraphicFramePr>
+          <p:nvPr>
+            <p:extLst>
+              <p:ext uri="{D42A27DB-BD31-4B8C-83A1-F6EECF244321}">
+                <p14:modId xmlns:p14="http://schemas.microsoft.com/office/powerpoint/2010/main" val="3363743700"/>
+              </p:ext>
+            </p:extLst>
+          </p:nvPr>
+        </p:nvGraphicFramePr>
+        <p:xfrm>
+          <a:off x="1732455" y="3077223"/>
+          <a:ext cx="8128000" cy="2225040"/>
+        </p:xfrm>
+        <a:graphic>
+          <a:graphicData uri="http://schemas.openxmlformats.org/drawingml/2006/table">
+            <a:tbl>
+              <a:tblPr firstRow="1" bandRow="1">
+                <a:tableStyleId>{5C22544A-7EE6-4342-B048-85BDC9FD1C3A}</a:tableStyleId>
+              </a:tblPr>
+              <a:tblGrid>
+                <a:gridCol w="1730703">
+                  <a:extLst>
+                    <a:ext uri="{9D8B030D-6E8A-4147-A177-3AD203B41FA5}">
+                      <a16:colId xmlns:a16="http://schemas.microsoft.com/office/drawing/2014/main" val="2422364854"/>
+                    </a:ext>
+                  </a:extLst>
+                </a:gridCol>
+                <a:gridCol w="1520497">
+                  <a:extLst>
+                    <a:ext uri="{9D8B030D-6E8A-4147-A177-3AD203B41FA5}">
+                      <a16:colId xmlns:a16="http://schemas.microsoft.com/office/drawing/2014/main" val="746740908"/>
+                    </a:ext>
+                  </a:extLst>
+                </a:gridCol>
+                <a:gridCol w="1625600">
+                  <a:extLst>
+                    <a:ext uri="{9D8B030D-6E8A-4147-A177-3AD203B41FA5}">
+                      <a16:colId xmlns:a16="http://schemas.microsoft.com/office/drawing/2014/main" val="1119310147"/>
+                    </a:ext>
+                  </a:extLst>
+                </a:gridCol>
+                <a:gridCol w="1625600">
+                  <a:extLst>
+                    <a:ext uri="{9D8B030D-6E8A-4147-A177-3AD203B41FA5}">
+                      <a16:colId xmlns:a16="http://schemas.microsoft.com/office/drawing/2014/main" val="3797816791"/>
+                    </a:ext>
+                  </a:extLst>
+                </a:gridCol>
+                <a:gridCol w="1625600">
+                  <a:extLst>
+                    <a:ext uri="{9D8B030D-6E8A-4147-A177-3AD203B41FA5}">
+                      <a16:colId xmlns:a16="http://schemas.microsoft.com/office/drawing/2014/main" val="3398410451"/>
+                    </a:ext>
+                  </a:extLst>
+                </a:gridCol>
+              </a:tblGrid>
+              <a:tr h="370840">
+                <a:tc>
+                  <a:txBody>
+                    <a:bodyPr/>
+                    <a:lstStyle/>
+                    <a:p>
+                      <a:pPr algn="ctr"/>
+                      <a:r>
+                        <a:rPr lang="zh-CN" altLang="en-US" dirty="0"/>
+                        <a:t>结束时间（</a:t>
+                      </a:r>
+                      <a:r>
+                        <a:rPr lang="en-US" altLang="zh-CN" dirty="0" err="1"/>
+                        <a:t>ms</a:t>
+                      </a:r>
+                      <a:r>
+                        <a:rPr lang="zh-CN" altLang="en-US" dirty="0"/>
+                        <a:t>）</a:t>
+                      </a:r>
+                    </a:p>
+                  </a:txBody>
+                  <a:tcPr/>
+                </a:tc>
+                <a:tc>
+                  <a:txBody>
+                    <a:bodyPr/>
+                    <a:lstStyle/>
+                    <a:p>
+                      <a:pPr algn="ctr"/>
+                      <a:r>
+                        <a:rPr lang="zh-CN" altLang="en-US" dirty="0"/>
+                        <a:t>进程</a:t>
+                      </a:r>
+                      <a:r>
+                        <a:rPr lang="en-US" altLang="zh-CN" dirty="0"/>
+                        <a:t> 0</a:t>
+                      </a:r>
+                      <a:endParaRPr lang="zh-CN" altLang="en-US" dirty="0"/>
+                    </a:p>
+                  </a:txBody>
+                  <a:tcPr/>
+                </a:tc>
+                <a:tc>
+                  <a:txBody>
+                    <a:bodyPr/>
+                    <a:lstStyle/>
+                    <a:p>
+                      <a:pPr algn="ctr"/>
+                      <a:r>
+                        <a:rPr lang="zh-CN" altLang="en-US" dirty="0"/>
+                        <a:t>进程</a:t>
+                      </a:r>
+                      <a:r>
+                        <a:rPr lang="en-US" altLang="zh-CN" dirty="0"/>
+                        <a:t> 1</a:t>
+                      </a:r>
+                      <a:endParaRPr lang="zh-CN" altLang="en-US" dirty="0"/>
+                    </a:p>
+                  </a:txBody>
+                  <a:tcPr/>
+                </a:tc>
+                <a:tc>
+                  <a:txBody>
+                    <a:bodyPr/>
+                    <a:lstStyle/>
+                    <a:p>
+                      <a:pPr algn="ctr"/>
+                      <a:r>
+                        <a:rPr lang="zh-CN" altLang="en-US" dirty="0"/>
+                        <a:t>进程</a:t>
+                      </a:r>
+                      <a:r>
+                        <a:rPr lang="en-US" altLang="zh-CN" dirty="0"/>
+                        <a:t> 2</a:t>
+                      </a:r>
+                      <a:endParaRPr lang="zh-CN" altLang="en-US" dirty="0"/>
+                    </a:p>
+                  </a:txBody>
+                  <a:tcPr/>
+                </a:tc>
+                <a:tc>
+                  <a:txBody>
+                    <a:bodyPr/>
+                    <a:lstStyle/>
+                    <a:p>
+                      <a:pPr algn="ctr"/>
+                      <a:r>
+                        <a:rPr lang="zh-CN" altLang="en-US" dirty="0"/>
+                        <a:t>进程</a:t>
+                      </a:r>
+                      <a:r>
+                        <a:rPr lang="en-US" altLang="zh-CN" dirty="0"/>
+                        <a:t> 3</a:t>
+                      </a:r>
+                      <a:endParaRPr lang="zh-CN" altLang="en-US" dirty="0"/>
+                    </a:p>
+                  </a:txBody>
+                  <a:tcPr/>
+                </a:tc>
+                <a:extLst>
+                  <a:ext uri="{0D108BD9-81ED-4DB2-BD59-A6C34878D82A}">
+                    <a16:rowId xmlns:a16="http://schemas.microsoft.com/office/drawing/2014/main" val="41063219"/>
+                  </a:ext>
+                </a:extLst>
+              </a:tr>
+              <a:tr h="370840">
+                <a:tc>
+                  <a:txBody>
+                    <a:bodyPr/>
+                    <a:lstStyle/>
+                    <a:p>
+                      <a:pPr algn="ctr"/>
+                      <a:r>
+                        <a:rPr lang="en-US" altLang="zh-CN" dirty="0" err="1"/>
+                        <a:t>fifo</a:t>
+                      </a:r>
+                      <a:endParaRPr lang="zh-CN" altLang="en-US" dirty="0"/>
+                    </a:p>
+                  </a:txBody>
+                  <a:tcPr/>
+                </a:tc>
+                <a:tc>
+                  <a:txBody>
+                    <a:bodyPr/>
+                    <a:lstStyle/>
+                    <a:p>
+                      <a:pPr algn="ctr"/>
+                      <a:r>
+                        <a:rPr lang="en-US" altLang="zh-CN" dirty="0"/>
+                        <a:t>1137</a:t>
+                      </a:r>
+                      <a:endParaRPr lang="zh-CN" altLang="en-US" dirty="0"/>
+                    </a:p>
+                  </a:txBody>
+                  <a:tcPr/>
+                </a:tc>
+                <a:tc>
+                  <a:txBody>
+                    <a:bodyPr/>
+                    <a:lstStyle/>
+                    <a:p>
+                      <a:pPr algn="ctr"/>
+                      <a:r>
+                        <a:rPr lang="en-US" altLang="zh-CN" dirty="0"/>
+                        <a:t>1126</a:t>
+                      </a:r>
+                      <a:endParaRPr lang="zh-CN" altLang="en-US" dirty="0"/>
+                    </a:p>
+                  </a:txBody>
+                  <a:tcPr/>
+                </a:tc>
+                <a:tc>
+                  <a:txBody>
+                    <a:bodyPr/>
+                    <a:lstStyle/>
+                    <a:p>
+                      <a:pPr algn="ctr"/>
+                      <a:r>
+                        <a:rPr lang="en-US" altLang="zh-CN" dirty="0"/>
+                        <a:t>1114</a:t>
+                      </a:r>
+                      <a:endParaRPr lang="zh-CN" altLang="en-US" dirty="0"/>
+                    </a:p>
+                  </a:txBody>
+                  <a:tcPr/>
+                </a:tc>
+                <a:tc>
+                  <a:txBody>
+                    <a:bodyPr/>
+                    <a:lstStyle/>
+                    <a:p>
+                      <a:pPr algn="ctr"/>
+                      <a:r>
+                        <a:rPr lang="en-US" altLang="zh-CN" dirty="0"/>
+                        <a:t>1101</a:t>
+                      </a:r>
+                      <a:endParaRPr lang="zh-CN" altLang="en-US" dirty="0"/>
+                    </a:p>
+                  </a:txBody>
+                  <a:tcPr/>
+                </a:tc>
+                <a:extLst>
+                  <a:ext uri="{0D108BD9-81ED-4DB2-BD59-A6C34878D82A}">
+                    <a16:rowId xmlns:a16="http://schemas.microsoft.com/office/drawing/2014/main" val="1103445401"/>
+                  </a:ext>
+                </a:extLst>
+              </a:tr>
+              <a:tr h="370840">
+                <a:tc>
+                  <a:txBody>
+                    <a:bodyPr/>
+                    <a:lstStyle/>
+                    <a:p>
+                      <a:pPr algn="ctr"/>
+                      <a:r>
+                        <a:rPr lang="en-US" altLang="zh-CN" dirty="0" err="1"/>
+                        <a:t>rr</a:t>
+                      </a:r>
+                      <a:endParaRPr lang="en-US" altLang="zh-CN" dirty="0"/>
+                    </a:p>
+                  </a:txBody>
+                  <a:tcPr/>
+                </a:tc>
+                <a:tc>
+                  <a:txBody>
+                    <a:bodyPr/>
+                    <a:lstStyle/>
+                    <a:p>
+                      <a:pPr algn="ctr"/>
+                      <a:r>
+                        <a:rPr lang="en-US" altLang="zh-CN" dirty="0"/>
+                        <a:t>1159</a:t>
+                      </a:r>
+                      <a:endParaRPr lang="zh-CN" altLang="en-US" dirty="0"/>
+                    </a:p>
+                  </a:txBody>
+                  <a:tcPr/>
+                </a:tc>
+                <a:tc>
+                  <a:txBody>
+                    <a:bodyPr/>
+                    <a:lstStyle/>
+                    <a:p>
+                      <a:pPr algn="ctr"/>
+                      <a:r>
+                        <a:rPr lang="en-US" altLang="zh-CN" dirty="0"/>
+                        <a:t>1146</a:t>
+                      </a:r>
+                      <a:endParaRPr lang="zh-CN" altLang="en-US" dirty="0"/>
+                    </a:p>
+                  </a:txBody>
+                  <a:tcPr/>
+                </a:tc>
+                <a:tc>
+                  <a:txBody>
+                    <a:bodyPr/>
+                    <a:lstStyle/>
+                    <a:p>
+                      <a:pPr algn="ctr"/>
+                      <a:r>
+                        <a:rPr lang="en-US" altLang="zh-CN" dirty="0"/>
+                        <a:t>1134</a:t>
+                      </a:r>
+                      <a:endParaRPr lang="zh-CN" altLang="en-US" dirty="0"/>
+                    </a:p>
+                  </a:txBody>
+                  <a:tcPr/>
+                </a:tc>
+                <a:tc>
+                  <a:txBody>
+                    <a:bodyPr/>
+                    <a:lstStyle/>
+                    <a:p>
+                      <a:pPr algn="ctr"/>
+                      <a:r>
+                        <a:rPr lang="en-US" altLang="zh-CN" dirty="0"/>
+                        <a:t>1122</a:t>
+                      </a:r>
+                      <a:endParaRPr lang="zh-CN" altLang="en-US" dirty="0"/>
+                    </a:p>
+                  </a:txBody>
+                  <a:tcPr/>
+                </a:tc>
+                <a:extLst>
+                  <a:ext uri="{0D108BD9-81ED-4DB2-BD59-A6C34878D82A}">
+                    <a16:rowId xmlns:a16="http://schemas.microsoft.com/office/drawing/2014/main" val="2219017797"/>
+                  </a:ext>
+                </a:extLst>
+              </a:tr>
+              <a:tr h="370840">
+                <a:tc>
+                  <a:txBody>
+                    <a:bodyPr/>
+                    <a:lstStyle/>
+                    <a:p>
+                      <a:pPr algn="ctr"/>
+                      <a:r>
+                        <a:rPr lang="en-US" altLang="zh-CN" dirty="0" err="1"/>
+                        <a:t>cfs</a:t>
+                      </a:r>
+                      <a:endParaRPr lang="zh-CN" altLang="en-US" dirty="0"/>
+                    </a:p>
+                  </a:txBody>
+                  <a:tcPr/>
+                </a:tc>
+                <a:tc>
+                  <a:txBody>
+                    <a:bodyPr/>
+                    <a:lstStyle/>
+                    <a:p>
+                      <a:pPr algn="ctr"/>
+                      <a:r>
+                        <a:rPr lang="en-US" altLang="zh-CN" dirty="0"/>
+                        <a:t>1229</a:t>
+                      </a:r>
+                      <a:endParaRPr lang="zh-CN" altLang="en-US" dirty="0"/>
+                    </a:p>
+                  </a:txBody>
+                  <a:tcPr/>
+                </a:tc>
+                <a:tc>
+                  <a:txBody>
+                    <a:bodyPr/>
+                    <a:lstStyle/>
+                    <a:p>
+                      <a:pPr algn="ctr"/>
+                      <a:r>
+                        <a:rPr lang="en-US" altLang="zh-CN" dirty="0"/>
+                        <a:t>1163</a:t>
+                      </a:r>
+                      <a:endParaRPr lang="zh-CN" altLang="en-US" dirty="0"/>
+                    </a:p>
+                  </a:txBody>
+                  <a:tcPr/>
+                </a:tc>
+                <a:tc>
+                  <a:txBody>
+                    <a:bodyPr/>
+                    <a:lstStyle/>
+                    <a:p>
+                      <a:pPr algn="ctr"/>
+                      <a:r>
+                        <a:rPr lang="en-US" altLang="zh-CN" dirty="0"/>
+                        <a:t>1212</a:t>
+                      </a:r>
+                      <a:endParaRPr lang="zh-CN" altLang="en-US" dirty="0"/>
+                    </a:p>
+                  </a:txBody>
+                  <a:tcPr/>
+                </a:tc>
+                <a:tc>
+                  <a:txBody>
+                    <a:bodyPr/>
+                    <a:lstStyle/>
+                    <a:p>
+                      <a:pPr algn="ctr"/>
+                      <a:r>
+                        <a:rPr lang="en-US" altLang="zh-CN" dirty="0"/>
+                        <a:t>1201</a:t>
+                      </a:r>
+                      <a:endParaRPr lang="zh-CN" altLang="en-US" dirty="0"/>
+                    </a:p>
+                  </a:txBody>
+                  <a:tcPr/>
+                </a:tc>
+                <a:extLst>
+                  <a:ext uri="{0D108BD9-81ED-4DB2-BD59-A6C34878D82A}">
+                    <a16:rowId xmlns:a16="http://schemas.microsoft.com/office/drawing/2014/main" val="3572013608"/>
+                  </a:ext>
+                </a:extLst>
+              </a:tr>
+              <a:tr h="370840">
+                <a:tc>
+                  <a:txBody>
+                    <a:bodyPr/>
+                    <a:lstStyle/>
+                    <a:p>
+                      <a:pPr algn="ctr"/>
+                      <a:r>
+                        <a:rPr lang="en-US" altLang="zh-CN" dirty="0" err="1"/>
+                        <a:t>sjf</a:t>
+                      </a:r>
+                      <a:endParaRPr lang="zh-CN" altLang="en-US" dirty="0"/>
+                    </a:p>
+                  </a:txBody>
+                  <a:tcPr/>
+                </a:tc>
+                <a:tc>
+                  <a:txBody>
+                    <a:bodyPr/>
+                    <a:lstStyle/>
+                    <a:p>
+                      <a:pPr algn="ctr"/>
+                      <a:r>
+                        <a:rPr lang="en-US" altLang="zh-CN" dirty="0"/>
+                        <a:t>1144</a:t>
+                      </a:r>
+                      <a:endParaRPr lang="zh-CN" altLang="en-US" dirty="0"/>
+                    </a:p>
+                  </a:txBody>
+                  <a:tcPr/>
+                </a:tc>
+                <a:tc>
+                  <a:txBody>
+                    <a:bodyPr/>
+                    <a:lstStyle/>
+                    <a:p>
+                      <a:pPr algn="ctr"/>
+                      <a:r>
+                        <a:rPr lang="en-US" altLang="zh-CN" dirty="0"/>
+                        <a:t>1131</a:t>
+                      </a:r>
+                      <a:endParaRPr lang="zh-CN" altLang="en-US" dirty="0"/>
+                    </a:p>
+                  </a:txBody>
+                  <a:tcPr/>
+                </a:tc>
+                <a:tc>
+                  <a:txBody>
+                    <a:bodyPr/>
+                    <a:lstStyle/>
+                    <a:p>
+                      <a:pPr algn="ctr"/>
+                      <a:r>
+                        <a:rPr lang="en-US" altLang="zh-CN" dirty="0"/>
+                        <a:t>1119</a:t>
+                      </a:r>
+                      <a:endParaRPr lang="zh-CN" altLang="en-US" dirty="0"/>
+                    </a:p>
+                  </a:txBody>
+                  <a:tcPr/>
+                </a:tc>
+                <a:tc>
+                  <a:txBody>
+                    <a:bodyPr/>
+                    <a:lstStyle/>
+                    <a:p>
+                      <a:pPr algn="ctr"/>
+                      <a:r>
+                        <a:rPr lang="en-US" altLang="zh-CN" dirty="0"/>
+                        <a:t>1107</a:t>
+                      </a:r>
+                      <a:endParaRPr lang="zh-CN" altLang="en-US" dirty="0"/>
+                    </a:p>
+                  </a:txBody>
+                  <a:tcPr/>
+                </a:tc>
+                <a:extLst>
+                  <a:ext uri="{0D108BD9-81ED-4DB2-BD59-A6C34878D82A}">
+                    <a16:rowId xmlns:a16="http://schemas.microsoft.com/office/drawing/2014/main" val="491370893"/>
+                  </a:ext>
+                </a:extLst>
+              </a:tr>
+              <a:tr h="370840">
+                <a:tc>
+                  <a:txBody>
+                    <a:bodyPr/>
+                    <a:lstStyle/>
+                    <a:p>
+                      <a:pPr algn="ctr"/>
+                      <a:r>
+                        <a:rPr lang="en-US" altLang="zh-CN" dirty="0" err="1"/>
+                        <a:t>mlfq</a:t>
+                      </a:r>
+                      <a:endParaRPr lang="zh-CN" altLang="en-US" dirty="0"/>
+                    </a:p>
+                  </a:txBody>
+                  <a:tcPr/>
+                </a:tc>
+                <a:tc>
+                  <a:txBody>
+                    <a:bodyPr/>
+                    <a:lstStyle/>
+                    <a:p>
+                      <a:pPr algn="ctr"/>
+                      <a:r>
+                        <a:rPr lang="en-US" altLang="zh-CN" dirty="0"/>
+                        <a:t>1145</a:t>
+                      </a:r>
+                      <a:endParaRPr lang="zh-CN" altLang="en-US" dirty="0"/>
+                    </a:p>
+                  </a:txBody>
+                  <a:tcPr/>
+                </a:tc>
+                <a:tc>
+                  <a:txBody>
+                    <a:bodyPr/>
+                    <a:lstStyle/>
+                    <a:p>
+                      <a:pPr algn="ctr"/>
+                      <a:r>
+                        <a:rPr lang="en-US" altLang="zh-CN" dirty="0"/>
+                        <a:t>1133</a:t>
+                      </a:r>
+                      <a:endParaRPr lang="zh-CN" altLang="en-US" dirty="0"/>
+                    </a:p>
+                  </a:txBody>
+                  <a:tcPr/>
+                </a:tc>
+                <a:tc>
+                  <a:txBody>
+                    <a:bodyPr/>
+                    <a:lstStyle/>
+                    <a:p>
+                      <a:pPr algn="ctr"/>
+                      <a:r>
+                        <a:rPr lang="en-US" altLang="zh-CN" dirty="0"/>
+                        <a:t>1121</a:t>
+                      </a:r>
+                      <a:endParaRPr lang="zh-CN" altLang="en-US" dirty="0"/>
+                    </a:p>
+                  </a:txBody>
+                  <a:tcPr/>
+                </a:tc>
+                <a:tc>
+                  <a:txBody>
+                    <a:bodyPr/>
+                    <a:lstStyle/>
+                    <a:p>
+                      <a:pPr algn="ctr"/>
+                      <a:r>
+                        <a:rPr lang="en-US" altLang="zh-CN" dirty="0"/>
+                        <a:t>1109</a:t>
+                      </a:r>
+                      <a:endParaRPr lang="zh-CN" altLang="en-US" dirty="0"/>
+                    </a:p>
+                  </a:txBody>
+                  <a:tcPr/>
+                </a:tc>
+                <a:extLst>
+                  <a:ext uri="{0D108BD9-81ED-4DB2-BD59-A6C34878D82A}">
+                    <a16:rowId xmlns:a16="http://schemas.microsoft.com/office/drawing/2014/main" val="4271129800"/>
+                  </a:ext>
+                </a:extLst>
+              </a:tr>
+            </a:tbl>
+          </a:graphicData>
+        </a:graphic>
+      </p:graphicFrame>
     </p:spTree>
     <p:extLst>
       <p:ext uri="{BB962C8B-B14F-4D97-AF65-F5344CB8AC3E}">
-        <p14:creationId xmlns:p14="http://schemas.microsoft.com/office/powerpoint/2010/main" val="3197164932"/>
+        <p14:creationId xmlns:p14="http://schemas.microsoft.com/office/powerpoint/2010/main" val="2966657435"/>
       </p:ext>
     </p:extLst>
   </p:cSld>

--- a/reports/中期报告.pptx
+++ b/reports/中期报告.pptx
@@ -223,7 +223,7 @@
           <a:p>
             <a:fld id="{9C348D9F-EAA7-4695-AB60-CE4EAC7800FB}" type="datetimeFigureOut">
               <a:rPr lang="zh-CN" altLang="en-US" smtClean="0"/>
-              <a:t>2023/10/24</a:t>
+              <a:t>2023/10/25</a:t>
             </a:fld>
             <a:endParaRPr lang="zh-CN" altLang="en-US"/>
           </a:p>
@@ -1813,7 +1813,7 @@
           <a:p>
             <a:fld id="{DD95A278-A236-40F4-8E80-EFEE71BA2360}" type="datetime1">
               <a:rPr lang="zh-CN" altLang="en-US" smtClean="0"/>
-              <a:t>2023/10/24</a:t>
+              <a:t>2023/10/25</a:t>
             </a:fld>
             <a:endParaRPr lang="zh-CN" altLang="en-US"/>
           </a:p>
@@ -2011,7 +2011,7 @@
           <a:p>
             <a:fld id="{F3C88ACE-F4C2-49B2-B86A-0E5D2D91B56A}" type="datetime1">
               <a:rPr lang="zh-CN" altLang="en-US" smtClean="0"/>
-              <a:t>2023/10/24</a:t>
+              <a:t>2023/10/25</a:t>
             </a:fld>
             <a:endParaRPr lang="zh-CN" altLang="en-US"/>
           </a:p>
@@ -2219,7 +2219,7 @@
           <a:p>
             <a:fld id="{49828DEB-3339-49EB-A5C9-DEB1F9FBC220}" type="datetime1">
               <a:rPr lang="zh-CN" altLang="en-US" smtClean="0"/>
-              <a:t>2023/10/24</a:t>
+              <a:t>2023/10/25</a:t>
             </a:fld>
             <a:endParaRPr lang="zh-CN" altLang="en-US"/>
           </a:p>
@@ -2417,7 +2417,7 @@
           <a:p>
             <a:fld id="{E7914E95-AC62-4DC7-944B-B6BF26B5C84A}" type="datetime1">
               <a:rPr lang="zh-CN" altLang="en-US" smtClean="0"/>
-              <a:t>2023/10/24</a:t>
+              <a:t>2023/10/25</a:t>
             </a:fld>
             <a:endParaRPr lang="zh-CN" altLang="en-US"/>
           </a:p>
@@ -2692,7 +2692,7 @@
           <a:p>
             <a:fld id="{92EF2F5D-C2AF-4978-9C80-82AA34365D34}" type="datetime1">
               <a:rPr lang="zh-CN" altLang="en-US" smtClean="0"/>
-              <a:t>2023/10/24</a:t>
+              <a:t>2023/10/25</a:t>
             </a:fld>
             <a:endParaRPr lang="zh-CN" altLang="en-US"/>
           </a:p>
@@ -2957,7 +2957,7 @@
           <a:p>
             <a:fld id="{7930B8E0-E288-4027-A889-D0FF8399311A}" type="datetime1">
               <a:rPr lang="zh-CN" altLang="en-US" smtClean="0"/>
-              <a:t>2023/10/24</a:t>
+              <a:t>2023/10/25</a:t>
             </a:fld>
             <a:endParaRPr lang="zh-CN" altLang="en-US"/>
           </a:p>
@@ -3369,7 +3369,7 @@
           <a:p>
             <a:fld id="{F6EA9DDB-A148-48EE-9568-79842EBB413F}" type="datetime1">
               <a:rPr lang="zh-CN" altLang="en-US" smtClean="0"/>
-              <a:t>2023/10/24</a:t>
+              <a:t>2023/10/25</a:t>
             </a:fld>
             <a:endParaRPr lang="zh-CN" altLang="en-US"/>
           </a:p>
@@ -3510,7 +3510,7 @@
           <a:p>
             <a:fld id="{8B417621-9690-47B8-BAF5-E83A10ED59FB}" type="datetime1">
               <a:rPr lang="zh-CN" altLang="en-US" smtClean="0"/>
-              <a:t>2023/10/24</a:t>
+              <a:t>2023/10/25</a:t>
             </a:fld>
             <a:endParaRPr lang="zh-CN" altLang="en-US"/>
           </a:p>
@@ -3623,7 +3623,7 @@
           <a:p>
             <a:fld id="{C2BA5D0E-E49C-4448-BC77-1AA0CDC93D53}" type="datetime1">
               <a:rPr lang="zh-CN" altLang="en-US" smtClean="0"/>
-              <a:t>2023/10/24</a:t>
+              <a:t>2023/10/25</a:t>
             </a:fld>
             <a:endParaRPr lang="zh-CN" altLang="en-US"/>
           </a:p>
@@ -3934,7 +3934,7 @@
           <a:p>
             <a:fld id="{5BB16C8C-BEA8-42C0-9B1D-822C6677AEE0}" type="datetime1">
               <a:rPr lang="zh-CN" altLang="en-US" smtClean="0"/>
-              <a:t>2023/10/24</a:t>
+              <a:t>2023/10/25</a:t>
             </a:fld>
             <a:endParaRPr lang="zh-CN" altLang="en-US"/>
           </a:p>
@@ -4222,7 +4222,7 @@
           <a:p>
             <a:fld id="{D5C3D985-C214-46EC-9F93-83B9DCD206A4}" type="datetime1">
               <a:rPr lang="zh-CN" altLang="en-US" smtClean="0"/>
-              <a:t>2023/10/24</a:t>
+              <a:t>2023/10/25</a:t>
             </a:fld>
             <a:endParaRPr lang="zh-CN" altLang="en-US"/>
           </a:p>
@@ -4463,7 +4463,7 @@
           <a:p>
             <a:fld id="{1F6B78BE-9D5F-499A-B960-4AA5AE71D31B}" type="datetime1">
               <a:rPr lang="zh-CN" altLang="en-US" smtClean="0"/>
-              <a:t>2023/10/24</a:t>
+              <a:t>2023/10/25</a:t>
             </a:fld>
             <a:endParaRPr lang="zh-CN" altLang="en-US"/>
           </a:p>
@@ -5196,7 +5196,7 @@
                 <a:latin typeface="微软雅黑" panose="020B0503020204020204" pitchFamily="34" charset="-122"/>
                 <a:ea typeface="微软雅黑" panose="020B0503020204020204" pitchFamily="34" charset="-122"/>
               </a:rPr>
-              <a:t>秒。通过每个的计算次数，测试调度算法的公平性。</a:t>
+              <a:t>秒。通过记录每个进程的计算次数，测试调度算法的公平性。</a:t>
             </a:r>
             <a:endParaRPr lang="en-US" altLang="zh-CN" sz="2000" dirty="0">
               <a:latin typeface="微软雅黑" panose="020B0503020204020204" pitchFamily="34" charset="-122"/>
@@ -6043,28 +6043,7 @@
                 <a:latin typeface="微软雅黑" panose="020B0503020204020204" pitchFamily="34" charset="-122"/>
                 <a:ea typeface="微软雅黑" panose="020B0503020204020204" pitchFamily="34" charset="-122"/>
               </a:rPr>
-              <a:t>：有一定退化为 </a:t>
-            </a:r>
-            <a:r>
-              <a:rPr lang="en-US" altLang="zh-CN" sz="1600" dirty="0" err="1">
-                <a:latin typeface="微软雅黑" panose="020B0503020204020204" pitchFamily="34" charset="-122"/>
-                <a:ea typeface="微软雅黑" panose="020B0503020204020204" pitchFamily="34" charset="-122"/>
-              </a:rPr>
-              <a:t>fifo</a:t>
-            </a:r>
-            <a:r>
-              <a:rPr lang="en-US" altLang="zh-CN" sz="1600" dirty="0">
-                <a:latin typeface="微软雅黑" panose="020B0503020204020204" pitchFamily="34" charset="-122"/>
-                <a:ea typeface="微软雅黑" panose="020B0503020204020204" pitchFamily="34" charset="-122"/>
-              </a:rPr>
-              <a:t> </a:t>
-            </a:r>
-            <a:r>
-              <a:rPr lang="zh-CN" altLang="en-US" sz="1600" dirty="0">
-                <a:latin typeface="微软雅黑" panose="020B0503020204020204" pitchFamily="34" charset="-122"/>
-                <a:ea typeface="微软雅黑" panose="020B0503020204020204" pitchFamily="34" charset="-122"/>
-              </a:rPr>
-              <a:t>的现象</a:t>
+              <a:t>：可以保证一定的公平性</a:t>
             </a:r>
             <a:endParaRPr lang="en-US" altLang="zh-CN" sz="1600" dirty="0">
               <a:latin typeface="微软雅黑" panose="020B0503020204020204" pitchFamily="34" charset="-122"/>
@@ -6139,7 +6118,7 @@
                 <a:latin typeface="微软雅黑" panose="020B0503020204020204" pitchFamily="34" charset="-122"/>
                 <a:ea typeface="微软雅黑" panose="020B0503020204020204" pitchFamily="34" charset="-122"/>
               </a:rPr>
-              <a:t>：出现不完全抢占现象</a:t>
+              <a:t>：出现不完全抢占现象，公平性稍受影响</a:t>
             </a:r>
             <a:endParaRPr lang="en-US" altLang="zh-CN" sz="1600" dirty="0">
               <a:latin typeface="微软雅黑" panose="020B0503020204020204" pitchFamily="34" charset="-122"/>
@@ -8121,7 +8100,7 @@
         </p:nvSpPr>
         <p:spPr>
           <a:xfrm>
-            <a:off x="722586" y="1045725"/>
+            <a:off x="722586" y="725173"/>
             <a:ext cx="10515600" cy="1009047"/>
           </a:xfrm>
         </p:spPr>
@@ -8260,7 +8239,7 @@
                 <a:latin typeface="微软雅黑" panose="020B0503020204020204" pitchFamily="34" charset="-122"/>
                 <a:ea typeface="微软雅黑" panose="020B0503020204020204" pitchFamily="34" charset="-122"/>
               </a:rPr>
-              <a:t>。</a:t>
+              <a:t>。用于测试调度算法的实时性。</a:t>
             </a:r>
             <a:endParaRPr lang="en-US" altLang="zh-CN" sz="2000" dirty="0">
               <a:latin typeface="微软雅黑" panose="020B0503020204020204" pitchFamily="34" charset="-122"/>
@@ -8363,13 +8342,13 @@
           <p:nvPr>
             <p:extLst>
               <p:ext uri="{D42A27DB-BD31-4B8C-83A1-F6EECF244321}">
-                <p14:modId xmlns:p14="http://schemas.microsoft.com/office/powerpoint/2010/main" val="3751588798"/>
+                <p14:modId xmlns:p14="http://schemas.microsoft.com/office/powerpoint/2010/main" val="2197795369"/>
               </p:ext>
             </p:extLst>
           </p:nvPr>
         </p:nvGraphicFramePr>
         <p:xfrm>
-          <a:off x="1848942" y="2146045"/>
+          <a:off x="1848942" y="2277424"/>
           <a:ext cx="8262888" cy="2468880"/>
         </p:xfrm>
         <a:graphic>
@@ -9513,7 +9492,7 @@
                 <a:latin typeface="微软雅黑" panose="020B0503020204020204" pitchFamily="34" charset="-122"/>
                 <a:ea typeface="微软雅黑" panose="020B0503020204020204" pitchFamily="34" charset="-122"/>
               </a:rPr>
-              <a:t>：有 </a:t>
+              <a:t>：</a:t>
             </a:r>
             <a:r>
               <a:rPr lang="en-US" altLang="zh-CN" sz="2000" dirty="0">
@@ -9527,13 +9506,27 @@
                 <a:latin typeface="微软雅黑" panose="020B0503020204020204" pitchFamily="34" charset="-122"/>
                 <a:ea typeface="微软雅黑" panose="020B0503020204020204" pitchFamily="34" charset="-122"/>
               </a:rPr>
-              <a:t>个短进程，运行很多次；有一个长进程，运行 </a:t>
+              <a:t>个短进程，运行饱和次；</a:t>
             </a:r>
             <a:r>
               <a:rPr lang="en-US" altLang="zh-CN" sz="2000" dirty="0">
                 <a:latin typeface="微软雅黑" panose="020B0503020204020204" pitchFamily="34" charset="-122"/>
                 <a:ea typeface="微软雅黑" panose="020B0503020204020204" pitchFamily="34" charset="-122"/>
               </a:rPr>
+              <a:t>1</a:t>
+            </a:r>
+            <a:r>
+              <a:rPr lang="zh-CN" altLang="en-US" sz="2000" dirty="0">
+                <a:latin typeface="微软雅黑" panose="020B0503020204020204" pitchFamily="34" charset="-122"/>
+                <a:ea typeface="微软雅黑" panose="020B0503020204020204" pitchFamily="34" charset="-122"/>
+              </a:rPr>
+              <a:t> 个长进程，运行 </a:t>
+            </a:r>
+            <a:r>
+              <a:rPr lang="en-US" altLang="zh-CN" sz="2000" dirty="0">
+                <a:latin typeface="微软雅黑" panose="020B0503020204020204" pitchFamily="34" charset="-122"/>
+                <a:ea typeface="微软雅黑" panose="020B0503020204020204" pitchFamily="34" charset="-122"/>
+              </a:rPr>
               <a:t>80 </a:t>
             </a:r>
             <a:r>
@@ -9541,7 +9534,7 @@
                 <a:latin typeface="微软雅黑" panose="020B0503020204020204" pitchFamily="34" charset="-122"/>
                 <a:ea typeface="微软雅黑" panose="020B0503020204020204" pitchFamily="34" charset="-122"/>
               </a:rPr>
-              <a:t>次，每次 </a:t>
+              <a:t>次，每次循环长度为 </a:t>
             </a:r>
             <a:r>
               <a:rPr lang="en-US" altLang="zh-CN" sz="2000" dirty="0">
@@ -9555,7 +9548,7 @@
                 <a:latin typeface="微软雅黑" panose="020B0503020204020204" pitchFamily="34" charset="-122"/>
                 <a:ea typeface="微软雅黑" panose="020B0503020204020204" pitchFamily="34" charset="-122"/>
               </a:rPr>
-              <a:t>长度的循环。测试长进程什么时候结束，反映在有实时任务的情况下的响应时间。</a:t>
+              <a:t>。测试长进程的完成时间，反映在有实时任务的情况下的响应时间。</a:t>
             </a:r>
             <a:endParaRPr lang="en-US" altLang="zh-CN" sz="2000" dirty="0">
               <a:latin typeface="微软雅黑" panose="020B0503020204020204" pitchFamily="34" charset="-122"/>
@@ -9658,7 +9651,7 @@
           <p:nvPr>
             <p:extLst>
               <p:ext uri="{D42A27DB-BD31-4B8C-83A1-F6EECF244321}">
-                <p14:modId xmlns:p14="http://schemas.microsoft.com/office/powerpoint/2010/main" val="2823221952"/>
+                <p14:modId xmlns:p14="http://schemas.microsoft.com/office/powerpoint/2010/main" val="1973985493"/>
               </p:ext>
             </p:extLst>
           </p:nvPr>
@@ -9756,7 +9749,7 @@
                       <a:pPr algn="ctr"/>
                       <a:r>
                         <a:rPr lang="en-US" altLang="zh-CN" dirty="0"/>
-                        <a:t>2023</a:t>
+                        <a:t>2649</a:t>
                       </a:r>
                       <a:endParaRPr lang="zh-CN" altLang="en-US" dirty="0"/>
                     </a:p>
@@ -9793,7 +9786,7 @@
                       <a:pPr algn="ctr"/>
                       <a:r>
                         <a:rPr lang="en-US" altLang="zh-CN" dirty="0"/>
-                        <a:t>2019</a:t>
+                        <a:t>2231</a:t>
                       </a:r>
                       <a:endParaRPr lang="zh-CN" altLang="en-US" dirty="0"/>
                     </a:p>
@@ -9830,7 +9823,7 @@
                       <a:pPr algn="ctr"/>
                       <a:r>
                         <a:rPr lang="en-US" altLang="zh-CN" dirty="0"/>
-                        <a:t>4828</a:t>
+                        <a:t>4748</a:t>
                       </a:r>
                       <a:endParaRPr lang="zh-CN" altLang="en-US" dirty="0"/>
                     </a:p>
@@ -10214,16 +10207,30 @@
                 <a:latin typeface="微软雅黑" panose="020B0503020204020204" pitchFamily="34" charset="-122"/>
                 <a:ea typeface="微软雅黑" panose="020B0503020204020204" pitchFamily="34" charset="-122"/>
               </a:rPr>
-              <a:t>响应时间长。</a:t>
-            </a:r>
-            <a:r>
-              <a:rPr lang="zh-CN" altLang="en-US" sz="1600" dirty="0">
-                <a:latin typeface="微软雅黑" panose="020B0503020204020204" pitchFamily="34" charset="-122"/>
-                <a:ea typeface="微软雅黑" panose="020B0503020204020204" pitchFamily="34" charset="-122"/>
-              </a:rPr>
-              <a:t>。</a:t>
-            </a:r>
-            <a:endParaRPr lang="en-US" altLang="zh-CN" sz="1600" dirty="0">
+              <a:t>和 </a:t>
+            </a:r>
+            <a:r>
+              <a:rPr lang="en-US" altLang="zh-CN" sz="2000" dirty="0" err="1">
+                <a:latin typeface="微软雅黑" panose="020B0503020204020204" pitchFamily="34" charset="-122"/>
+                <a:ea typeface="微软雅黑" panose="020B0503020204020204" pitchFamily="34" charset="-122"/>
+              </a:rPr>
+              <a:t>mlfq</a:t>
+            </a:r>
+            <a:r>
+              <a:rPr lang="en-US" altLang="zh-CN" sz="2000" dirty="0">
+                <a:latin typeface="微软雅黑" panose="020B0503020204020204" pitchFamily="34" charset="-122"/>
+                <a:ea typeface="微软雅黑" panose="020B0503020204020204" pitchFamily="34" charset="-122"/>
+              </a:rPr>
+              <a:t> </a:t>
+            </a:r>
+            <a:r>
+              <a:rPr lang="zh-CN" altLang="en-US" sz="2000" dirty="0">
+                <a:latin typeface="微软雅黑" panose="020B0503020204020204" pitchFamily="34" charset="-122"/>
+                <a:ea typeface="微软雅黑" panose="020B0503020204020204" pitchFamily="34" charset="-122"/>
+              </a:rPr>
+              <a:t>响应时间长（具体顺序受到其它因素如时间片大小等的影响）。</a:t>
+            </a:r>
+            <a:endParaRPr lang="en-US" altLang="zh-CN" sz="2000" dirty="0">
               <a:latin typeface="微软雅黑" panose="020B0503020204020204" pitchFamily="34" charset="-122"/>
               <a:ea typeface="微软雅黑" panose="020B0503020204020204" pitchFamily="34" charset="-122"/>
             </a:endParaRPr>
@@ -11814,7 +11821,7 @@
                 <a:latin typeface="微软雅黑" panose="020B0503020204020204" pitchFamily="34" charset="-122"/>
                 <a:ea typeface="微软雅黑" panose="020B0503020204020204" pitchFamily="34" charset="-122"/>
               </a:rPr>
-              <a:t>），执行时出队，新加入或让出时入队</a:t>
+              <a:t>），执行时出队，让出时入队</a:t>
             </a:r>
             <a:endParaRPr lang="en-US" altLang="zh-CN" sz="2000" dirty="0">
               <a:latin typeface="微软雅黑" panose="020B0503020204020204" pitchFamily="34" charset="-122"/>
@@ -13355,7 +13362,7 @@
                 <a:latin typeface="微软雅黑" panose="020B0503020204020204" pitchFamily="34" charset="-122"/>
                 <a:ea typeface="微软雅黑" panose="020B0503020204020204" pitchFamily="34" charset="-122"/>
               </a:rPr>
-              <a:t>个时间片，过 </a:t>
+              <a:t>个时间片，其余队列时间片数指数增长，过 </a:t>
             </a:r>
             <a:r>
               <a:rPr lang="en-US" altLang="zh-CN" sz="2000" dirty="0">
@@ -13369,7 +13376,14 @@
                 <a:latin typeface="微软雅黑" panose="020B0503020204020204" pitchFamily="34" charset="-122"/>
                 <a:ea typeface="微软雅黑" panose="020B0503020204020204" pitchFamily="34" charset="-122"/>
               </a:rPr>
-              <a:t>个时间片重置队列。同优先级抢占式调度。</a:t>
+              <a:t>个时间片</a:t>
+            </a:r>
+            <a:r>
+              <a:rPr lang="zh-CN" altLang="en-US" sz="2000">
+                <a:latin typeface="微软雅黑" panose="020B0503020204020204" pitchFamily="34" charset="-122"/>
+                <a:ea typeface="微软雅黑" panose="020B0503020204020204" pitchFamily="34" charset="-122"/>
+              </a:rPr>
+              <a:t>重置队列。</a:t>
             </a:r>
             <a:endParaRPr lang="en-US" altLang="zh-CN" sz="2000" dirty="0">
               <a:latin typeface="微软雅黑" panose="020B0503020204020204" pitchFamily="34" charset="-122"/>
@@ -13655,7 +13669,7 @@
                 <a:latin typeface="微软雅黑" panose="020B0503020204020204" pitchFamily="34" charset="-122"/>
                 <a:ea typeface="微软雅黑" panose="020B0503020204020204" pitchFamily="34" charset="-122"/>
               </a:rPr>
-              <a:t>注：以下均为单核测试结果，多核测试结果预计于期末报告给出</a:t>
+              <a:t>注：以下均为单核测试结果，多核测试结果将于期末报告给出</a:t>
             </a:r>
             <a:endParaRPr lang="en-US" altLang="zh-CN" sz="2000" dirty="0">
               <a:latin typeface="微软雅黑" panose="020B0503020204020204" pitchFamily="34" charset="-122"/>
